--- a/project presentation.pptx
+++ b/project presentation.pptx
@@ -5,7 +5,7 @@
     <p:sldMasterId id="2147483686" r:id="rId1"/>
   </p:sldMasterIdLst>
   <p:notesMasterIdLst>
-    <p:notesMasterId r:id="rId17"/>
+    <p:notesMasterId r:id="rId16"/>
   </p:notesMasterIdLst>
   <p:sldIdLst>
     <p:sldId id="256" r:id="rId2"/>
@@ -22,7 +22,6 @@
     <p:sldId id="268" r:id="rId13"/>
     <p:sldId id="272" r:id="rId14"/>
     <p:sldId id="269" r:id="rId15"/>
-    <p:sldId id="270" r:id="rId16"/>
   </p:sldIdLst>
   <p:sldSz cx="12192000" cy="6858000"/>
   <p:notesSz cx="6858000" cy="9144000"/>
@@ -273,7 +272,7 @@
           <a:p>
             <a:fld id="{78F86AAC-B219-4CCC-A5DB-F0D04424538E}" type="datetimeFigureOut">
               <a:rPr lang="en-IL" smtClean="0"/>
-              <a:t>30/04/2023</a:t>
+              <a:t>27/08/2023</a:t>
             </a:fld>
             <a:endParaRPr lang="en-IL"/>
           </a:p>
@@ -892,7 +891,7 @@
           <a:p>
             <a:fld id="{403CB87E-4591-47A1-9046-CF63F17215EF}" type="datetime2">
               <a:rPr lang="en-US" smtClean="0"/>
-              <a:t>Sunday, April 30, 2023</a:t>
+              <a:t>Sunday, August 27, 2023</a:t>
             </a:fld>
             <a:endParaRPr lang="en-US" dirty="0"/>
           </a:p>
@@ -1114,7 +1113,7 @@
           <a:p>
             <a:fld id="{2FA17F0E-8070-4DFE-A821-9A699EDBAD7E}" type="datetime2">
               <a:rPr lang="en-US" smtClean="0"/>
-              <a:t>Sunday, April 30, 2023</a:t>
+              <a:t>Sunday, August 27, 2023</a:t>
             </a:fld>
             <a:endParaRPr lang="en-US"/>
           </a:p>
@@ -1326,7 +1325,7 @@
           <a:p>
             <a:fld id="{D88D34AE-C7BF-46E5-A968-01C6641F6476}" type="datetime2">
               <a:rPr lang="en-US" smtClean="0"/>
-              <a:t>Sunday, April 30, 2023</a:t>
+              <a:t>Sunday, August 27, 2023</a:t>
             </a:fld>
             <a:endParaRPr lang="en-US"/>
           </a:p>
@@ -1567,7 +1566,7 @@
           <a:p>
             <a:fld id="{F33DE70B-B772-416E-A790-995760B1742E}" type="datetime2">
               <a:rPr lang="en-US" smtClean="0"/>
-              <a:t>Sunday, April 30, 2023</a:t>
+              <a:t>Sunday, August 27, 2023</a:t>
             </a:fld>
             <a:endParaRPr lang="en-US" dirty="0"/>
           </a:p>
@@ -1866,7 +1865,7 @@
           <a:p>
             <a:fld id="{76760CDE-A6F1-4138-AF12-ED09E8E5FB6B}" type="datetime2">
               <a:rPr lang="en-US" smtClean="0"/>
-              <a:t>Sunday, April 30, 2023</a:t>
+              <a:t>Sunday, August 27, 2023</a:t>
             </a:fld>
             <a:endParaRPr lang="en-US"/>
           </a:p>
@@ -2198,7 +2197,7 @@
           <a:p>
             <a:fld id="{DB15F8B1-DB7B-4D28-A97D-40FB2DD1EF78}" type="datetime2">
               <a:rPr lang="en-US" smtClean="0"/>
-              <a:t>Sunday, April 30, 2023</a:t>
+              <a:t>Sunday, August 27, 2023</a:t>
             </a:fld>
             <a:endParaRPr lang="en-US"/>
           </a:p>
@@ -2644,7 +2643,7 @@
           <a:p>
             <a:fld id="{14039161-23B8-4738-9069-73EBE8884FDD}" type="datetime2">
               <a:rPr lang="en-US" smtClean="0"/>
-              <a:t>Sunday, April 30, 2023</a:t>
+              <a:t>Sunday, August 27, 2023</a:t>
             </a:fld>
             <a:endParaRPr lang="en-US"/>
           </a:p>
@@ -2800,7 +2799,7 @@
           <a:p>
             <a:fld id="{FA994D44-7693-499F-AC6C-11696134FE3F}" type="datetime2">
               <a:rPr lang="en-US" smtClean="0"/>
-              <a:t>Sunday, April 30, 2023</a:t>
+              <a:t>Sunday, August 27, 2023</a:t>
             </a:fld>
             <a:endParaRPr lang="en-US"/>
           </a:p>
@@ -2917,7 +2916,7 @@
           <a:p>
             <a:fld id="{363AF2AE-472C-4EF3-ABB2-24BAA9AE3CF7}" type="datetime2">
               <a:rPr lang="en-US" smtClean="0"/>
-              <a:t>Sunday, April 30, 2023</a:t>
+              <a:t>Sunday, August 27, 2023</a:t>
             </a:fld>
             <a:endParaRPr lang="en-US"/>
           </a:p>
@@ -3244,7 +3243,7 @@
           <a:p>
             <a:fld id="{EAEA162C-A7C1-4263-9453-1BAFF8C39559}" type="datetime2">
               <a:rPr lang="en-US" smtClean="0"/>
-              <a:t>Sunday, April 30, 2023</a:t>
+              <a:t>Sunday, August 27, 2023</a:t>
             </a:fld>
             <a:endParaRPr lang="en-US"/>
           </a:p>
@@ -3550,7 +3549,7 @@
           <a:p>
             <a:fld id="{64DF6793-3458-4587-8168-65F0C37A92D2}" type="datetime2">
               <a:rPr lang="en-US" smtClean="0"/>
-              <a:t>Sunday, April 30, 2023</a:t>
+              <a:t>Sunday, August 27, 2023</a:t>
             </a:fld>
             <a:endParaRPr lang="en-US"/>
           </a:p>
@@ -3903,7 +3902,7 @@
             <a:fld id="{E8352ED3-3C46-4C9A-9738-67B2D875E7E2}" type="datetime2">
               <a:rPr lang="en-US" smtClean="0"/>
               <a:pPr/>
-              <a:t>Sunday, April 30, 2023</a:t>
+              <a:t>Sunday, August 27, 2023</a:t>
             </a:fld>
             <a:endParaRPr lang="en-US" dirty="0"/>
           </a:p>
@@ -5788,7 +5787,7 @@
         </p:blipFill>
         <p:spPr>
           <a:xfrm>
-            <a:off x="6614610" y="1480494"/>
+            <a:off x="6619771" y="1501828"/>
             <a:ext cx="5570703" cy="3802710"/>
           </a:xfrm>
           <a:prstGeom prst="rect">
@@ -9941,110 +9940,6 @@
     <p:extLst>
       <p:ext uri="{BB962C8B-B14F-4D97-AF65-F5344CB8AC3E}">
         <p14:creationId xmlns:p14="http://schemas.microsoft.com/office/powerpoint/2010/main" val="672923031"/>
-      </p:ext>
-    </p:extLst>
-  </p:cSld>
-  <p:clrMapOvr>
-    <a:masterClrMapping/>
-  </p:clrMapOvr>
-</p:sld>
-</file>
-
-<file path=ppt/slides/slide15.xml><?xml version="1.0" encoding="utf-8"?>
-<p:sld xmlns:a="http://schemas.openxmlformats.org/drawingml/2006/main" xmlns:r="http://schemas.openxmlformats.org/officeDocument/2006/relationships" xmlns:p="http://schemas.openxmlformats.org/presentationml/2006/main">
-  <p:cSld>
-    <p:spTree>
-      <p:nvGrpSpPr>
-        <p:cNvPr id="1" name=""/>
-        <p:cNvGrpSpPr/>
-        <p:nvPr/>
-      </p:nvGrpSpPr>
-      <p:grpSpPr>
-        <a:xfrm>
-          <a:off x="0" y="0"/>
-          <a:ext cx="0" cy="0"/>
-          <a:chOff x="0" y="0"/>
-          <a:chExt cx="0" cy="0"/>
-        </a:xfrm>
-      </p:grpSpPr>
-      <p:sp>
-        <p:nvSpPr>
-          <p:cNvPr id="2" name="Title 1">
-            <a:extLst>
-              <a:ext uri="{FF2B5EF4-FFF2-40B4-BE49-F238E27FC236}">
-                <a16:creationId xmlns:a16="http://schemas.microsoft.com/office/drawing/2014/main" id="{71785A80-E216-65AC-3FBD-22B816BBB028}"/>
-              </a:ext>
-            </a:extLst>
-          </p:cNvPr>
-          <p:cNvSpPr>
-            <a:spLocks noGrp="1"/>
-          </p:cNvSpPr>
-          <p:nvPr>
-            <p:ph type="title"/>
-          </p:nvPr>
-        </p:nvSpPr>
-        <p:spPr/>
-        <p:txBody>
-          <a:bodyPr/>
-          <a:lstStyle/>
-          <a:p>
-            <a:r>
-              <a:rPr lang="en-US" dirty="0"/>
-              <a:t>Let’s see it in action:</a:t>
-            </a:r>
-            <a:endParaRPr lang="en-IL" dirty="0"/>
-          </a:p>
-        </p:txBody>
-      </p:sp>
-      <p:sp>
-        <p:nvSpPr>
-          <p:cNvPr id="3" name="Content Placeholder 2">
-            <a:extLst>
-              <a:ext uri="{FF2B5EF4-FFF2-40B4-BE49-F238E27FC236}">
-                <a16:creationId xmlns:a16="http://schemas.microsoft.com/office/drawing/2014/main" id="{9E3E16AF-3CD8-3E49-853B-525FEFE07426}"/>
-              </a:ext>
-            </a:extLst>
-          </p:cNvPr>
-          <p:cNvSpPr>
-            <a:spLocks noGrp="1"/>
-          </p:cNvSpPr>
-          <p:nvPr>
-            <p:ph idx="1"/>
-          </p:nvPr>
-        </p:nvSpPr>
-        <p:spPr/>
-        <p:txBody>
-          <a:bodyPr/>
-          <a:lstStyle/>
-          <a:p>
-            <a:r>
-              <a:rPr lang="en-US" dirty="0">
-                <a:solidFill>
-                  <a:schemeClr val="tx1">
-                    <a:lumMod val="75000"/>
-                    <a:lumOff val="25000"/>
-                  </a:schemeClr>
-                </a:solidFill>
-                <a:latin typeface="Söhne"/>
-              </a:rPr>
-              <a:t>Need to insert here video of using the app.</a:t>
-            </a:r>
-            <a:endParaRPr lang="en-IL" dirty="0">
-              <a:solidFill>
-                <a:schemeClr val="tx1">
-                  <a:lumMod val="75000"/>
-                  <a:lumOff val="25000"/>
-                </a:schemeClr>
-              </a:solidFill>
-              <a:latin typeface="Söhne"/>
-            </a:endParaRPr>
-          </a:p>
-        </p:txBody>
-      </p:sp>
-    </p:spTree>
-    <p:extLst>
-      <p:ext uri="{BB962C8B-B14F-4D97-AF65-F5344CB8AC3E}">
-        <p14:creationId xmlns:p14="http://schemas.microsoft.com/office/powerpoint/2010/main" val="2137219220"/>
       </p:ext>
     </p:extLst>
   </p:cSld>

--- a/project presentation.pptx
+++ b/project presentation.pptx
@@ -5,7 +5,7 @@
     <p:sldMasterId id="2147483686" r:id="rId1"/>
   </p:sldMasterIdLst>
   <p:notesMasterIdLst>
-    <p:notesMasterId r:id="rId16"/>
+    <p:notesMasterId r:id="rId19"/>
   </p:notesMasterIdLst>
   <p:sldIdLst>
     <p:sldId id="256" r:id="rId2"/>
@@ -19,9 +19,12 @@
     <p:sldId id="264" r:id="rId10"/>
     <p:sldId id="267" r:id="rId11"/>
     <p:sldId id="265" r:id="rId12"/>
-    <p:sldId id="268" r:id="rId13"/>
-    <p:sldId id="272" r:id="rId14"/>
-    <p:sldId id="269" r:id="rId15"/>
+    <p:sldId id="273" r:id="rId13"/>
+    <p:sldId id="274" r:id="rId14"/>
+    <p:sldId id="275" r:id="rId15"/>
+    <p:sldId id="268" r:id="rId16"/>
+    <p:sldId id="272" r:id="rId17"/>
+    <p:sldId id="269" r:id="rId18"/>
   </p:sldIdLst>
   <p:sldSz cx="12192000" cy="6858000"/>
   <p:notesSz cx="6858000" cy="9144000"/>
@@ -272,7 +275,7 @@
           <a:p>
             <a:fld id="{78F86AAC-B219-4CCC-A5DB-F0D04424538E}" type="datetimeFigureOut">
               <a:rPr lang="en-IL" smtClean="0"/>
-              <a:t>27/08/2023</a:t>
+              <a:t>05/09/2023</a:t>
             </a:fld>
             <a:endParaRPr lang="en-IL"/>
           </a:p>
@@ -678,16 +681,103 @@
           <a:bodyPr/>
           <a:lstStyle/>
           <a:p>
+            <a:pPr marL="0" marR="0" lvl="0" indent="0" algn="l" defTabSz="914400" rtl="0" eaLnBrk="1" fontAlgn="auto" latinLnBrk="0" hangingPunct="1">
+              <a:lnSpc>
+                <a:spcPct val="100000"/>
+              </a:lnSpc>
+              <a:spcBef>
+                <a:spcPts val="0"/>
+              </a:spcBef>
+              <a:spcAft>
+                <a:spcPts val="0"/>
+              </a:spcAft>
+              <a:buClrTx/>
+              <a:buSzTx/>
+              <a:buFontTx/>
+              <a:buNone/>
+              <a:tabLst/>
+              <a:defRPr/>
+            </a:pPr>
             <a:r>
               <a:rPr lang="en-US" b="0" i="0" dirty="0">
                 <a:solidFill>
-                  <a:srgbClr val="374151"/>
+                  <a:srgbClr val="1F2328"/>
                 </a:solidFill>
                 <a:effectLst/>
-                <a:latin typeface="Söhne"/>
+                <a:latin typeface="-apple-system"/>
               </a:rPr>
-              <a:t>The ALIAS method is a technique used to generate random variables with specified probability distributions. It works by constructing two arrays, one of probabilities and another of alias values, and comparing a randomly generated integer to the probabilities array to select an outcome. It is a simple and efficient method commonly used in computer simulations.</a:t>
-            </a:r>
+              <a:t>Link for </a:t>
+            </a:r>
+            <a:r>
+              <a:rPr lang="en-US" b="0" i="0" dirty="0" err="1">
+                <a:solidFill>
+                  <a:srgbClr val="1F2328"/>
+                </a:solidFill>
+                <a:effectLst/>
+                <a:latin typeface="-apple-system"/>
+              </a:rPr>
+              <a:t>Mediapipe</a:t>
+            </a:r>
+            <a:r>
+              <a:rPr lang="en-US" b="0" i="0" dirty="0">
+                <a:solidFill>
+                  <a:srgbClr val="1F2328"/>
+                </a:solidFill>
+                <a:effectLst/>
+                <a:latin typeface="-apple-system"/>
+              </a:rPr>
+              <a:t>: </a:t>
+            </a:r>
+            <a:r>
+              <a:rPr lang="en-US" b="0" i="0" u="none" strike="noStrike" dirty="0">
+                <a:solidFill>
+                  <a:srgbClr val="1F2328"/>
+                </a:solidFill>
+                <a:effectLst/>
+                <a:latin typeface="-apple-system"/>
+                <a:hlinkClick r:id="rId3"/>
+              </a:rPr>
+              <a:t>https://developers.google.com/mediapipe/solutions</a:t>
+            </a:r>
+            <a:endParaRPr lang="en-US" b="0" i="0" dirty="0">
+              <a:solidFill>
+                <a:srgbClr val="1F2328"/>
+              </a:solidFill>
+              <a:effectLst/>
+              <a:latin typeface="-apple-system"/>
+            </a:endParaRPr>
+          </a:p>
+          <a:p>
+            <a:pPr marL="0" marR="0" lvl="0" indent="0" algn="l" defTabSz="914400" rtl="0" eaLnBrk="1" fontAlgn="auto" latinLnBrk="0" hangingPunct="1">
+              <a:lnSpc>
+                <a:spcPct val="100000"/>
+              </a:lnSpc>
+              <a:spcBef>
+                <a:spcPts val="0"/>
+              </a:spcBef>
+              <a:spcAft>
+                <a:spcPts val="0"/>
+              </a:spcAft>
+              <a:buClrTx/>
+              <a:buSzTx/>
+              <a:buFontTx/>
+              <a:buNone/>
+              <a:tabLst/>
+              <a:defRPr/>
+            </a:pPr>
+            <a:r>
+              <a:rPr lang="en-US" dirty="0"/>
+              <a:t>Farther explanation: </a:t>
+            </a:r>
+            <a:r>
+              <a:rPr lang="en-US" dirty="0">
+                <a:hlinkClick r:id="rId4"/>
+              </a:rPr>
+              <a:t>https://www.assemblyai.com/blog/mediapipe-for-dummies/</a:t>
+            </a:r>
+            <a:endParaRPr lang="en-US" dirty="0"/>
+          </a:p>
+          <a:p>
             <a:endParaRPr lang="en-IL" dirty="0"/>
           </a:p>
         </p:txBody>
@@ -709,7 +799,433 @@
           <a:p>
             <a:fld id="{79DBAD27-516E-4E00-9F30-B9F8D676116C}" type="slidenum">
               <a:rPr lang="en-IL" smtClean="0"/>
-              <a:t>13</a:t>
+              <a:t>10</a:t>
+            </a:fld>
+            <a:endParaRPr lang="en-IL"/>
+          </a:p>
+        </p:txBody>
+      </p:sp>
+    </p:spTree>
+    <p:extLst>
+      <p:ext uri="{BB962C8B-B14F-4D97-AF65-F5344CB8AC3E}">
+        <p14:creationId xmlns:p14="http://schemas.microsoft.com/office/powerpoint/2010/main" val="3236889240"/>
+      </p:ext>
+    </p:extLst>
+  </p:cSld>
+  <p:clrMapOvr>
+    <a:masterClrMapping/>
+  </p:clrMapOvr>
+</p:notes>
+</file>
+
+<file path=ppt/notesSlides/notesSlide3.xml><?xml version="1.0" encoding="utf-8"?>
+<p:notes xmlns:a="http://schemas.openxmlformats.org/drawingml/2006/main" xmlns:r="http://schemas.openxmlformats.org/officeDocument/2006/relationships" xmlns:p="http://schemas.openxmlformats.org/presentationml/2006/main">
+  <p:cSld>
+    <p:spTree>
+      <p:nvGrpSpPr>
+        <p:cNvPr id="1" name=""/>
+        <p:cNvGrpSpPr/>
+        <p:nvPr/>
+      </p:nvGrpSpPr>
+      <p:grpSpPr>
+        <a:xfrm>
+          <a:off x="0" y="0"/>
+          <a:ext cx="0" cy="0"/>
+          <a:chOff x="0" y="0"/>
+          <a:chExt cx="0" cy="0"/>
+        </a:xfrm>
+      </p:grpSpPr>
+      <p:sp>
+        <p:nvSpPr>
+          <p:cNvPr id="2" name="Slide Image Placeholder 1"/>
+          <p:cNvSpPr>
+            <a:spLocks noGrp="1" noRot="1" noChangeAspect="1"/>
+          </p:cNvSpPr>
+          <p:nvPr>
+            <p:ph type="sldImg"/>
+          </p:nvPr>
+        </p:nvSpPr>
+        <p:spPr/>
+      </p:sp>
+      <p:sp>
+        <p:nvSpPr>
+          <p:cNvPr id="3" name="Notes Placeholder 2"/>
+          <p:cNvSpPr>
+            <a:spLocks noGrp="1"/>
+          </p:cNvSpPr>
+          <p:nvPr>
+            <p:ph type="body" idx="1"/>
+          </p:nvPr>
+        </p:nvSpPr>
+        <p:spPr/>
+        <p:txBody>
+          <a:bodyPr/>
+          <a:lstStyle/>
+          <a:p>
+            <a:pPr marL="0" marR="0" lvl="0" indent="0" algn="l" defTabSz="914400" rtl="0" eaLnBrk="1" fontAlgn="auto" latinLnBrk="0" hangingPunct="1">
+              <a:lnSpc>
+                <a:spcPct val="100000"/>
+              </a:lnSpc>
+              <a:spcBef>
+                <a:spcPts val="0"/>
+              </a:spcBef>
+              <a:spcAft>
+                <a:spcPts val="0"/>
+              </a:spcAft>
+              <a:buClrTx/>
+              <a:buSzTx/>
+              <a:buFontTx/>
+              <a:buNone/>
+              <a:tabLst/>
+              <a:defRPr/>
+            </a:pPr>
+            <a:r>
+              <a:rPr kumimoji="0" lang="en-US" altLang="en-IL" sz="1200" b="0" i="0" u="none" strike="noStrike" cap="none" normalizeH="0" baseline="0" dirty="0">
+                <a:ln>
+                  <a:noFill/>
+                </a:ln>
+                <a:solidFill>
+                  <a:schemeClr val="tx1">
+                    <a:lumMod val="75000"/>
+                    <a:lumOff val="25000"/>
+                  </a:schemeClr>
+                </a:solidFill>
+                <a:effectLst/>
+                <a:latin typeface="Söhne"/>
+              </a:rPr>
+              <a:t>Link for Self-Correction-Human-Parsing:</a:t>
+            </a:r>
+            <a:endParaRPr kumimoji="0" lang="en-IL" altLang="en-IL" sz="1200" b="0" i="0" u="none" strike="noStrike" cap="none" normalizeH="0" baseline="0" dirty="0">
+              <a:ln>
+                <a:noFill/>
+              </a:ln>
+              <a:solidFill>
+                <a:schemeClr val="tx1">
+                  <a:lumMod val="75000"/>
+                  <a:lumOff val="25000"/>
+                </a:schemeClr>
+              </a:solidFill>
+              <a:effectLst/>
+              <a:latin typeface="Söhne"/>
+            </a:endParaRPr>
+          </a:p>
+          <a:p>
+            <a:pPr marL="0" marR="0" lvl="0" indent="0" algn="l" defTabSz="914400" rtl="0" eaLnBrk="1" fontAlgn="auto" latinLnBrk="0" hangingPunct="1">
+              <a:lnSpc>
+                <a:spcPct val="100000"/>
+              </a:lnSpc>
+              <a:spcBef>
+                <a:spcPts val="0"/>
+              </a:spcBef>
+              <a:spcAft>
+                <a:spcPts val="0"/>
+              </a:spcAft>
+              <a:buClrTx/>
+              <a:buSzTx/>
+              <a:buFontTx/>
+              <a:buNone/>
+              <a:tabLst/>
+              <a:defRPr/>
+            </a:pPr>
+            <a:r>
+              <a:rPr kumimoji="0" lang="en-US" altLang="en-IL" sz="1200" b="0" i="0" u="none" strike="noStrike" cap="none" normalizeH="0" baseline="0" dirty="0">
+                <a:ln>
+                  <a:noFill/>
+                </a:ln>
+                <a:solidFill>
+                  <a:schemeClr val="tx1">
+                    <a:lumMod val="75000"/>
+                    <a:lumOff val="25000"/>
+                  </a:schemeClr>
+                </a:solidFill>
+                <a:effectLst/>
+                <a:latin typeface="Söhne"/>
+                <a:hlinkClick r:id="rId3"/>
+              </a:rPr>
+              <a:t>https://github.com/GoGoDuck912/Self-Correction-Human-Parsing</a:t>
+            </a:r>
+            <a:endParaRPr kumimoji="0" lang="en-US" altLang="en-IL" sz="1200" b="0" i="0" u="none" strike="noStrike" cap="none" normalizeH="0" baseline="0" dirty="0">
+              <a:ln>
+                <a:noFill/>
+              </a:ln>
+              <a:solidFill>
+                <a:schemeClr val="tx1">
+                  <a:lumMod val="75000"/>
+                  <a:lumOff val="25000"/>
+                </a:schemeClr>
+              </a:solidFill>
+              <a:effectLst/>
+              <a:latin typeface="Söhne"/>
+            </a:endParaRPr>
+          </a:p>
+          <a:p>
+            <a:endParaRPr lang="en-IL" dirty="0"/>
+          </a:p>
+        </p:txBody>
+      </p:sp>
+      <p:sp>
+        <p:nvSpPr>
+          <p:cNvPr id="4" name="Slide Number Placeholder 3"/>
+          <p:cNvSpPr>
+            <a:spLocks noGrp="1"/>
+          </p:cNvSpPr>
+          <p:nvPr>
+            <p:ph type="sldNum" sz="quarter" idx="5"/>
+          </p:nvPr>
+        </p:nvSpPr>
+        <p:spPr/>
+        <p:txBody>
+          <a:bodyPr/>
+          <a:lstStyle/>
+          <a:p>
+            <a:fld id="{79DBAD27-516E-4E00-9F30-B9F8D676116C}" type="slidenum">
+              <a:rPr lang="en-IL" smtClean="0"/>
+              <a:t>12</a:t>
+            </a:fld>
+            <a:endParaRPr lang="en-IL"/>
+          </a:p>
+        </p:txBody>
+      </p:sp>
+    </p:spTree>
+    <p:extLst>
+      <p:ext uri="{BB962C8B-B14F-4D97-AF65-F5344CB8AC3E}">
+        <p14:creationId xmlns:p14="http://schemas.microsoft.com/office/powerpoint/2010/main" val="1084858359"/>
+      </p:ext>
+    </p:extLst>
+  </p:cSld>
+  <p:clrMapOvr>
+    <a:masterClrMapping/>
+  </p:clrMapOvr>
+</p:notes>
+</file>
+
+<file path=ppt/notesSlides/notesSlide4.xml><?xml version="1.0" encoding="utf-8"?>
+<p:notes xmlns:a="http://schemas.openxmlformats.org/drawingml/2006/main" xmlns:r="http://schemas.openxmlformats.org/officeDocument/2006/relationships" xmlns:p="http://schemas.openxmlformats.org/presentationml/2006/main">
+  <p:cSld>
+    <p:spTree>
+      <p:nvGrpSpPr>
+        <p:cNvPr id="1" name=""/>
+        <p:cNvGrpSpPr/>
+        <p:nvPr/>
+      </p:nvGrpSpPr>
+      <p:grpSpPr>
+        <a:xfrm>
+          <a:off x="0" y="0"/>
+          <a:ext cx="0" cy="0"/>
+          <a:chOff x="0" y="0"/>
+          <a:chExt cx="0" cy="0"/>
+        </a:xfrm>
+      </p:grpSpPr>
+      <p:sp>
+        <p:nvSpPr>
+          <p:cNvPr id="2" name="Slide Image Placeholder 1"/>
+          <p:cNvSpPr>
+            <a:spLocks noGrp="1" noRot="1" noChangeAspect="1"/>
+          </p:cNvSpPr>
+          <p:nvPr>
+            <p:ph type="sldImg"/>
+          </p:nvPr>
+        </p:nvSpPr>
+        <p:spPr/>
+      </p:sp>
+      <p:sp>
+        <p:nvSpPr>
+          <p:cNvPr id="3" name="Notes Placeholder 2"/>
+          <p:cNvSpPr>
+            <a:spLocks noGrp="1"/>
+          </p:cNvSpPr>
+          <p:nvPr>
+            <p:ph type="body" idx="1"/>
+          </p:nvPr>
+        </p:nvSpPr>
+        <p:spPr/>
+        <p:txBody>
+          <a:bodyPr/>
+          <a:lstStyle/>
+          <a:p>
+            <a:pPr marL="0" marR="0" lvl="0" indent="0" algn="l" defTabSz="914400" rtl="0" eaLnBrk="1" fontAlgn="auto" latinLnBrk="0" hangingPunct="1">
+              <a:lnSpc>
+                <a:spcPct val="100000"/>
+              </a:lnSpc>
+              <a:spcBef>
+                <a:spcPts val="0"/>
+              </a:spcBef>
+              <a:spcAft>
+                <a:spcPts val="0"/>
+              </a:spcAft>
+              <a:buClrTx/>
+              <a:buSzTx/>
+              <a:buFontTx/>
+              <a:buNone/>
+              <a:tabLst/>
+              <a:defRPr/>
+            </a:pPr>
+            <a:r>
+              <a:rPr lang="en-US" b="1" i="0" dirty="0">
+                <a:solidFill>
+                  <a:srgbClr val="1F2328"/>
+                </a:solidFill>
+                <a:effectLst/>
+                <a:latin typeface="-apple-system"/>
+              </a:rPr>
+              <a:t>"VITON-HD: High-Resolution Virtual Try-On via Misalignment-Aware Normalization" by </a:t>
+            </a:r>
+            <a:r>
+              <a:rPr lang="en-US" b="1" i="0" dirty="0" err="1">
+                <a:solidFill>
+                  <a:srgbClr val="1F2328"/>
+                </a:solidFill>
+                <a:effectLst/>
+                <a:latin typeface="-apple-system"/>
+              </a:rPr>
+              <a:t>Choi,Park,Lee</a:t>
+            </a:r>
+            <a:r>
+              <a:rPr lang="en-US" b="1" i="0" dirty="0">
+                <a:solidFill>
+                  <a:srgbClr val="1F2328"/>
+                </a:solidFill>
+                <a:effectLst/>
+                <a:latin typeface="-apple-system"/>
+              </a:rPr>
+              <a:t> and Choo in 2021.</a:t>
+            </a:r>
+          </a:p>
+          <a:p>
+            <a:r>
+              <a:rPr lang="en-US" b="0" i="0" dirty="0">
+                <a:solidFill>
+                  <a:srgbClr val="1F2328"/>
+                </a:solidFill>
+                <a:effectLst/>
+                <a:latin typeface="-apple-system"/>
+              </a:rPr>
+              <a:t> </a:t>
+            </a:r>
+            <a:r>
+              <a:rPr lang="en-US" b="0" i="0" u="none" strike="noStrike" dirty="0">
+                <a:effectLst/>
+                <a:latin typeface="-apple-system"/>
+                <a:hlinkClick r:id="rId3"/>
+              </a:rPr>
+              <a:t>https://arxiv.org/pdf/2103.16874.pdf</a:t>
+            </a:r>
+            <a:endParaRPr lang="en-IL" dirty="0"/>
+          </a:p>
+        </p:txBody>
+      </p:sp>
+      <p:sp>
+        <p:nvSpPr>
+          <p:cNvPr id="4" name="Slide Number Placeholder 3"/>
+          <p:cNvSpPr>
+            <a:spLocks noGrp="1"/>
+          </p:cNvSpPr>
+          <p:nvPr>
+            <p:ph type="sldNum" sz="quarter" idx="5"/>
+          </p:nvPr>
+        </p:nvSpPr>
+        <p:spPr/>
+        <p:txBody>
+          <a:bodyPr/>
+          <a:lstStyle/>
+          <a:p>
+            <a:fld id="{79DBAD27-516E-4E00-9F30-B9F8D676116C}" type="slidenum">
+              <a:rPr lang="en-IL" smtClean="0"/>
+              <a:t>14</a:t>
+            </a:fld>
+            <a:endParaRPr lang="en-IL"/>
+          </a:p>
+        </p:txBody>
+      </p:sp>
+    </p:spTree>
+    <p:extLst>
+      <p:ext uri="{BB962C8B-B14F-4D97-AF65-F5344CB8AC3E}">
+        <p14:creationId xmlns:p14="http://schemas.microsoft.com/office/powerpoint/2010/main" val="2557962756"/>
+      </p:ext>
+    </p:extLst>
+  </p:cSld>
+  <p:clrMapOvr>
+    <a:masterClrMapping/>
+  </p:clrMapOvr>
+</p:notes>
+</file>
+
+<file path=ppt/notesSlides/notesSlide5.xml><?xml version="1.0" encoding="utf-8"?>
+<p:notes xmlns:a="http://schemas.openxmlformats.org/drawingml/2006/main" xmlns:r="http://schemas.openxmlformats.org/officeDocument/2006/relationships" xmlns:p="http://schemas.openxmlformats.org/presentationml/2006/main">
+  <p:cSld>
+    <p:spTree>
+      <p:nvGrpSpPr>
+        <p:cNvPr id="1" name=""/>
+        <p:cNvGrpSpPr/>
+        <p:nvPr/>
+      </p:nvGrpSpPr>
+      <p:grpSpPr>
+        <a:xfrm>
+          <a:off x="0" y="0"/>
+          <a:ext cx="0" cy="0"/>
+          <a:chOff x="0" y="0"/>
+          <a:chExt cx="0" cy="0"/>
+        </a:xfrm>
+      </p:grpSpPr>
+      <p:sp>
+        <p:nvSpPr>
+          <p:cNvPr id="2" name="Slide Image Placeholder 1"/>
+          <p:cNvSpPr>
+            <a:spLocks noGrp="1" noRot="1" noChangeAspect="1"/>
+          </p:cNvSpPr>
+          <p:nvPr>
+            <p:ph type="sldImg"/>
+          </p:nvPr>
+        </p:nvSpPr>
+        <p:spPr/>
+      </p:sp>
+      <p:sp>
+        <p:nvSpPr>
+          <p:cNvPr id="3" name="Notes Placeholder 2"/>
+          <p:cNvSpPr>
+            <a:spLocks noGrp="1"/>
+          </p:cNvSpPr>
+          <p:nvPr>
+            <p:ph type="body" idx="1"/>
+          </p:nvPr>
+        </p:nvSpPr>
+        <p:spPr/>
+        <p:txBody>
+          <a:bodyPr/>
+          <a:lstStyle/>
+          <a:p>
+            <a:r>
+              <a:rPr lang="en-US" b="0" i="0" dirty="0">
+                <a:solidFill>
+                  <a:srgbClr val="374151"/>
+                </a:solidFill>
+                <a:effectLst/>
+                <a:latin typeface="Söhne"/>
+              </a:rPr>
+              <a:t>The ALIAS method is a technique used to generate random variables with specified probability distributions. It works by constructing two arrays, one of probabilities and another of alias values, and comparing a randomly generated integer to the probabilities array to select an outcome. It is a simple and efficient method commonly used in computer simulations.</a:t>
+            </a:r>
+            <a:endParaRPr lang="en-IL" dirty="0"/>
+          </a:p>
+        </p:txBody>
+      </p:sp>
+      <p:sp>
+        <p:nvSpPr>
+          <p:cNvPr id="4" name="Slide Number Placeholder 3"/>
+          <p:cNvSpPr>
+            <a:spLocks noGrp="1"/>
+          </p:cNvSpPr>
+          <p:nvPr>
+            <p:ph type="sldNum" sz="quarter" idx="5"/>
+          </p:nvPr>
+        </p:nvSpPr>
+        <p:spPr/>
+        <p:txBody>
+          <a:bodyPr/>
+          <a:lstStyle/>
+          <a:p>
+            <a:fld id="{79DBAD27-516E-4E00-9F30-B9F8D676116C}" type="slidenum">
+              <a:rPr lang="en-IL" smtClean="0"/>
+              <a:t>16</a:t>
             </a:fld>
             <a:endParaRPr lang="en-IL"/>
           </a:p>
@@ -891,7 +1407,7 @@
           <a:p>
             <a:fld id="{403CB87E-4591-47A1-9046-CF63F17215EF}" type="datetime2">
               <a:rPr lang="en-US" smtClean="0"/>
-              <a:t>Sunday, August 27, 2023</a:t>
+              <a:t>Tuesday, September 5, 2023</a:t>
             </a:fld>
             <a:endParaRPr lang="en-US" dirty="0"/>
           </a:p>
@@ -1113,7 +1629,7 @@
           <a:p>
             <a:fld id="{2FA17F0E-8070-4DFE-A821-9A699EDBAD7E}" type="datetime2">
               <a:rPr lang="en-US" smtClean="0"/>
-              <a:t>Sunday, August 27, 2023</a:t>
+              <a:t>Tuesday, September 5, 2023</a:t>
             </a:fld>
             <a:endParaRPr lang="en-US"/>
           </a:p>
@@ -1325,7 +1841,7 @@
           <a:p>
             <a:fld id="{D88D34AE-C7BF-46E5-A968-01C6641F6476}" type="datetime2">
               <a:rPr lang="en-US" smtClean="0"/>
-              <a:t>Sunday, August 27, 2023</a:t>
+              <a:t>Tuesday, September 5, 2023</a:t>
             </a:fld>
             <a:endParaRPr lang="en-US"/>
           </a:p>
@@ -1566,7 +2082,7 @@
           <a:p>
             <a:fld id="{F33DE70B-B772-416E-A790-995760B1742E}" type="datetime2">
               <a:rPr lang="en-US" smtClean="0"/>
-              <a:t>Sunday, August 27, 2023</a:t>
+              <a:t>Tuesday, September 5, 2023</a:t>
             </a:fld>
             <a:endParaRPr lang="en-US" dirty="0"/>
           </a:p>
@@ -1865,7 +2381,7 @@
           <a:p>
             <a:fld id="{76760CDE-A6F1-4138-AF12-ED09E8E5FB6B}" type="datetime2">
               <a:rPr lang="en-US" smtClean="0"/>
-              <a:t>Sunday, August 27, 2023</a:t>
+              <a:t>Tuesday, September 5, 2023</a:t>
             </a:fld>
             <a:endParaRPr lang="en-US"/>
           </a:p>
@@ -2197,7 +2713,7 @@
           <a:p>
             <a:fld id="{DB15F8B1-DB7B-4D28-A97D-40FB2DD1EF78}" type="datetime2">
               <a:rPr lang="en-US" smtClean="0"/>
-              <a:t>Sunday, August 27, 2023</a:t>
+              <a:t>Tuesday, September 5, 2023</a:t>
             </a:fld>
             <a:endParaRPr lang="en-US"/>
           </a:p>
@@ -2643,7 +3159,7 @@
           <a:p>
             <a:fld id="{14039161-23B8-4738-9069-73EBE8884FDD}" type="datetime2">
               <a:rPr lang="en-US" smtClean="0"/>
-              <a:t>Sunday, August 27, 2023</a:t>
+              <a:t>Tuesday, September 5, 2023</a:t>
             </a:fld>
             <a:endParaRPr lang="en-US"/>
           </a:p>
@@ -2799,7 +3315,7 @@
           <a:p>
             <a:fld id="{FA994D44-7693-499F-AC6C-11696134FE3F}" type="datetime2">
               <a:rPr lang="en-US" smtClean="0"/>
-              <a:t>Sunday, August 27, 2023</a:t>
+              <a:t>Tuesday, September 5, 2023</a:t>
             </a:fld>
             <a:endParaRPr lang="en-US"/>
           </a:p>
@@ -2916,7 +3432,7 @@
           <a:p>
             <a:fld id="{363AF2AE-472C-4EF3-ABB2-24BAA9AE3CF7}" type="datetime2">
               <a:rPr lang="en-US" smtClean="0"/>
-              <a:t>Sunday, August 27, 2023</a:t>
+              <a:t>Tuesday, September 5, 2023</a:t>
             </a:fld>
             <a:endParaRPr lang="en-US"/>
           </a:p>
@@ -3243,7 +3759,7 @@
           <a:p>
             <a:fld id="{EAEA162C-A7C1-4263-9453-1BAFF8C39559}" type="datetime2">
               <a:rPr lang="en-US" smtClean="0"/>
-              <a:t>Sunday, August 27, 2023</a:t>
+              <a:t>Tuesday, September 5, 2023</a:t>
             </a:fld>
             <a:endParaRPr lang="en-US"/>
           </a:p>
@@ -3549,7 +4065,7 @@
           <a:p>
             <a:fld id="{64DF6793-3458-4587-8168-65F0C37A92D2}" type="datetime2">
               <a:rPr lang="en-US" smtClean="0"/>
-              <a:t>Sunday, August 27, 2023</a:t>
+              <a:t>Tuesday, September 5, 2023</a:t>
             </a:fld>
             <a:endParaRPr lang="en-US"/>
           </a:p>
@@ -3902,7 +4418,7 @@
             <a:fld id="{E8352ED3-3C46-4C9A-9738-67B2D875E7E2}" type="datetime2">
               <a:rPr lang="en-US" smtClean="0"/>
               <a:pPr/>
-              <a:t>Sunday, August 27, 2023</a:t>
+              <a:t>Tuesday, September 5, 2023</a:t>
             </a:fld>
             <a:endParaRPr lang="en-US" dirty="0"/>
           </a:p>
@@ -5457,7 +5973,7 @@
             </a:r>
             <a:r>
               <a:rPr lang="en-US" sz="4800" dirty="0" err="1"/>
-              <a:t>OpenPose</a:t>
+              <a:t>Mediapipe</a:t>
             </a:r>
             <a:r>
               <a:rPr lang="en-US" sz="4800" dirty="0"/>
@@ -5765,36 +6281,6 @@
           </a:fontRef>
         </p:style>
       </p:cxnSp>
-      <p:pic>
-        <p:nvPicPr>
-          <p:cNvPr id="5" name="Picture 4">
-            <a:extLst>
-              <a:ext uri="{FF2B5EF4-FFF2-40B4-BE49-F238E27FC236}">
-                <a16:creationId xmlns:a16="http://schemas.microsoft.com/office/drawing/2014/main" id="{62234314-E3A9-29AB-CA4C-9FE3873745F0}"/>
-              </a:ext>
-            </a:extLst>
-          </p:cNvPr>
-          <p:cNvPicPr>
-            <a:picLocks noChangeAspect="1"/>
-          </p:cNvPicPr>
-          <p:nvPr/>
-        </p:nvPicPr>
-        <p:blipFill>
-          <a:blip r:embed="rId2"/>
-          <a:stretch>
-            <a:fillRect/>
-          </a:stretch>
-        </p:blipFill>
-        <p:spPr>
-          <a:xfrm>
-            <a:off x="6619771" y="1501828"/>
-            <a:ext cx="5570703" cy="3802710"/>
-          </a:xfrm>
-          <a:prstGeom prst="rect">
-            <a:avLst/>
-          </a:prstGeom>
-        </p:spPr>
-      </p:pic>
       <p:sp>
         <p:nvSpPr>
           <p:cNvPr id="8" name="TextBox 7">
@@ -5810,7 +6296,7 @@
         <p:spPr>
           <a:xfrm>
             <a:off x="657993" y="2996214"/>
-            <a:ext cx="6102220" cy="2308324"/>
+            <a:ext cx="6102220" cy="2585323"/>
           </a:xfrm>
           <a:prstGeom prst="rect">
             <a:avLst/>
@@ -5823,6 +6309,7 @@
           </a:bodyPr>
           <a:lstStyle/>
           <a:p>
+            <a:pPr algn="l"/>
             <a:r>
               <a:rPr lang="en-US" b="0" i="0" dirty="0" err="1">
                 <a:solidFill>
@@ -5834,7 +6321,7 @@
                 <a:effectLst/>
                 <a:latin typeface="Söhne"/>
               </a:rPr>
-              <a:t>OpenPose</a:t>
+              <a:t>Mediapipe</a:t>
             </a:r>
             <a:r>
               <a:rPr lang="en-US" b="0" i="0" dirty="0">
@@ -5847,34 +6334,109 @@
                 <a:effectLst/>
                 <a:latin typeface="Söhne"/>
               </a:rPr>
-              <a:t> is a real-time multi-person key</a:t>
-            </a:r>
-            <a:r>
-              <a:rPr lang="he-IL" b="0" i="0" dirty="0">
-                <a:solidFill>
-                  <a:schemeClr val="tx1">
-                    <a:lumMod val="75000"/>
-                    <a:lumOff val="25000"/>
-                  </a:schemeClr>
+              <a:t> is </a:t>
+            </a:r>
+            <a:r>
+              <a:rPr lang="en-US" b="0" i="0" dirty="0">
+                <a:solidFill>
+                  <a:srgbClr val="1F2328"/>
                 </a:solidFill>
                 <a:effectLst/>
-                <a:latin typeface="Söhne"/>
+                <a:latin typeface="-apple-system"/>
+              </a:rPr>
+              <a:t>a versatile framework developed by Google </a:t>
+            </a:r>
+          </a:p>
+          <a:p>
+            <a:pPr algn="l"/>
+            <a:r>
+              <a:rPr lang="en-US" b="0" i="0" dirty="0">
+                <a:solidFill>
+                  <a:srgbClr val="1F2328"/>
+                </a:solidFill>
+                <a:effectLst/>
+                <a:latin typeface="-apple-system"/>
+              </a:rPr>
+              <a:t>that</a:t>
+            </a:r>
+            <a:r>
+              <a:rPr lang="en-US" b="0" i="0" u="sng" dirty="0">
+                <a:solidFill>
+                  <a:srgbClr val="1F2328"/>
+                </a:solidFill>
+                <a:effectLst/>
+                <a:latin typeface="-apple-system"/>
               </a:rPr>
               <a:t> </a:t>
             </a:r>
             <a:r>
               <a:rPr lang="en-US" b="0" i="0" dirty="0">
                 <a:solidFill>
-                  <a:schemeClr val="tx1">
-                    <a:lumMod val="75000"/>
-                    <a:lumOff val="25000"/>
-                  </a:schemeClr>
+                  <a:srgbClr val="1F2328"/>
                 </a:solidFill>
                 <a:effectLst/>
-                <a:latin typeface="Söhne"/>
+                <a:latin typeface="-apple-system"/>
               </a:rPr>
-              <a:t>point detection library for body, face, and hand estimation. It detects and tracks key points on a person's body, face, and hands in real-time from video streams or images using deep learning and computer vision techniques. It has been used in various fields such as robotics, augmented reality, and sports analysis, and is available as an open-source library with APIs for Python, C++, and MATLAB.</a:t>
-            </a:r>
+              <a:t>provides tools for building various computer vision and machine learning applications, including pose estimation. </a:t>
+            </a:r>
+          </a:p>
+          <a:p>
+            <a:pPr algn="l"/>
+            <a:r>
+              <a:rPr lang="en-US" b="0" i="0" dirty="0">
+                <a:solidFill>
+                  <a:srgbClr val="1F2328"/>
+                </a:solidFill>
+                <a:effectLst/>
+                <a:latin typeface="-apple-system"/>
+              </a:rPr>
+              <a:t>My code uses the </a:t>
+            </a:r>
+            <a:r>
+              <a:rPr lang="en-US" b="0" i="0" dirty="0" err="1">
+                <a:solidFill>
+                  <a:srgbClr val="1F2328"/>
+                </a:solidFill>
+                <a:effectLst/>
+                <a:latin typeface="-apple-system"/>
+              </a:rPr>
+              <a:t>Mediapipe</a:t>
+            </a:r>
+            <a:r>
+              <a:rPr lang="en-US" b="0" i="0" dirty="0">
+                <a:solidFill>
+                  <a:srgbClr val="1F2328"/>
+                </a:solidFill>
+                <a:effectLst/>
+                <a:latin typeface="-apple-system"/>
+              </a:rPr>
+              <a:t> library to perform pose estimation on the model image, saves the detected pose landmarks, and creates an annotated image for </a:t>
+            </a:r>
+          </a:p>
+          <a:p>
+            <a:pPr algn="l"/>
+            <a:r>
+              <a:rPr lang="en-US" b="0" i="0" dirty="0">
+                <a:solidFill>
+                  <a:srgbClr val="1F2328"/>
+                </a:solidFill>
+                <a:effectLst/>
+                <a:latin typeface="-apple-system"/>
+              </a:rPr>
+              <a:t>visualization.</a:t>
+            </a:r>
+          </a:p>
+          <a:p>
+            <a:pPr algn="l"/>
+            <a:endParaRPr lang="en-US" b="0" i="0" dirty="0">
+              <a:solidFill>
+                <a:srgbClr val="1F2328"/>
+              </a:solidFill>
+              <a:effectLst/>
+              <a:latin typeface="-apple-system"/>
+            </a:endParaRPr>
+          </a:p>
+          <a:p>
             <a:endParaRPr lang="en-IL" dirty="0">
               <a:solidFill>
                 <a:schemeClr val="tx1">
@@ -5887,6 +6449,36 @@
           </a:p>
         </p:txBody>
       </p:sp>
+      <p:pic>
+        <p:nvPicPr>
+          <p:cNvPr id="6" name="Picture 5">
+            <a:extLst>
+              <a:ext uri="{FF2B5EF4-FFF2-40B4-BE49-F238E27FC236}">
+                <a16:creationId xmlns:a16="http://schemas.microsoft.com/office/drawing/2014/main" id="{6F4266D0-53A2-FC1A-179D-3C9B9792896D}"/>
+              </a:ext>
+            </a:extLst>
+          </p:cNvPr>
+          <p:cNvPicPr>
+            <a:picLocks noChangeAspect="1"/>
+          </p:cNvPicPr>
+          <p:nvPr/>
+        </p:nvPicPr>
+        <p:blipFill>
+          <a:blip r:embed="rId3"/>
+          <a:stretch>
+            <a:fillRect/>
+          </a:stretch>
+        </p:blipFill>
+        <p:spPr>
+          <a:xfrm>
+            <a:off x="6416773" y="2065622"/>
+            <a:ext cx="5630958" cy="3420779"/>
+          </a:xfrm>
+          <a:prstGeom prst="rect">
+            <a:avLst/>
+          </a:prstGeom>
+        </p:spPr>
+      </p:pic>
     </p:spTree>
     <p:extLst>
       <p:ext uri="{BB962C8B-B14F-4D97-AF65-F5344CB8AC3E}">
@@ -6333,7 +6925,7 @@
             <a:pPr algn="l"/>
             <a:r>
               <a:rPr lang="en-US" sz="4400" dirty="0"/>
-              <a:t>Body segmentation</a:t>
+              <a:t>Body Parsing</a:t>
             </a:r>
             <a:endParaRPr lang="en-IL" sz="4400" dirty="0"/>
           </a:p>
@@ -6431,7 +7023,7 @@
                 <a:effectLst/>
                 <a:latin typeface="Söhne"/>
               </a:rPr>
-              <a:t>We segment the user body with U2Net.</a:t>
+              <a:t>We parse the user body with Self-Correction-Human-Parsing</a:t>
             </a:r>
             <a:endParaRPr kumimoji="0" lang="en-IL" altLang="en-IL" sz="2000" b="0" i="0" u="none" strike="noStrike" cap="none" normalizeH="0" baseline="0" dirty="0">
               <a:ln>
@@ -6650,58 +7242,12 @@
           </a:fontRef>
         </p:style>
       </p:cxnSp>
-      <p:sp>
-        <p:nvSpPr>
-          <p:cNvPr id="5" name="Arrow: Right 4">
-            <a:extLst>
-              <a:ext uri="{FF2B5EF4-FFF2-40B4-BE49-F238E27FC236}">
-                <a16:creationId xmlns:a16="http://schemas.microsoft.com/office/drawing/2014/main" id="{E54DAD32-195E-1B38-7328-DEC206A48826}"/>
-              </a:ext>
-            </a:extLst>
-          </p:cNvPr>
-          <p:cNvSpPr/>
-          <p:nvPr/>
-        </p:nvSpPr>
-        <p:spPr>
-          <a:xfrm>
-            <a:off x="7360505" y="3480154"/>
-            <a:ext cx="998512" cy="326570"/>
-          </a:xfrm>
-          <a:prstGeom prst="rightArrow">
-            <a:avLst/>
-          </a:prstGeom>
-        </p:spPr>
-        <p:style>
-          <a:lnRef idx="2">
-            <a:schemeClr val="accent1">
-              <a:shade val="50000"/>
-            </a:schemeClr>
-          </a:lnRef>
-          <a:fillRef idx="1">
-            <a:schemeClr val="accent1"/>
-          </a:fillRef>
-          <a:effectRef idx="0">
-            <a:schemeClr val="accent1"/>
-          </a:effectRef>
-          <a:fontRef idx="minor">
-            <a:schemeClr val="lt1"/>
-          </a:fontRef>
-        </p:style>
-        <p:txBody>
-          <a:bodyPr rtlCol="0" anchor="ctr"/>
-          <a:lstStyle/>
-          <a:p>
-            <a:pPr algn="ctr"/>
-            <a:endParaRPr lang="en-IL"/>
-          </a:p>
-        </p:txBody>
-      </p:sp>
       <p:pic>
         <p:nvPicPr>
-          <p:cNvPr id="10" name="Picture 9">
-            <a:extLst>
-              <a:ext uri="{FF2B5EF4-FFF2-40B4-BE49-F238E27FC236}">
-                <a16:creationId xmlns:a16="http://schemas.microsoft.com/office/drawing/2014/main" id="{1D5DE846-811B-2A87-A490-8D2FBD30892D}"/>
+          <p:cNvPr id="7" name="Picture 6">
+            <a:extLst>
+              <a:ext uri="{FF2B5EF4-FFF2-40B4-BE49-F238E27FC236}">
+                <a16:creationId xmlns:a16="http://schemas.microsoft.com/office/drawing/2014/main" id="{662AFE07-9B36-F0DD-0465-D25A371C282F}"/>
               </a:ext>
             </a:extLst>
           </p:cNvPr>
@@ -6718,38 +7264,8 @@
         </p:blipFill>
         <p:spPr>
           <a:xfrm>
-            <a:off x="5546985" y="2474801"/>
-            <a:ext cx="1606389" cy="2316459"/>
-          </a:xfrm>
-          <a:prstGeom prst="rect">
-            <a:avLst/>
-          </a:prstGeom>
-        </p:spPr>
-      </p:pic>
-      <p:pic>
-        <p:nvPicPr>
-          <p:cNvPr id="6" name="Picture 5">
-            <a:extLst>
-              <a:ext uri="{FF2B5EF4-FFF2-40B4-BE49-F238E27FC236}">
-                <a16:creationId xmlns:a16="http://schemas.microsoft.com/office/drawing/2014/main" id="{71C68292-8DDF-4DD4-D66D-9FC1AC7FF33D}"/>
-              </a:ext>
-            </a:extLst>
-          </p:cNvPr>
-          <p:cNvPicPr>
-            <a:picLocks noChangeAspect="1"/>
-          </p:cNvPicPr>
-          <p:nvPr/>
-        </p:nvPicPr>
-        <p:blipFill>
-          <a:blip r:embed="rId3"/>
-          <a:stretch>
-            <a:fillRect/>
-          </a:stretch>
-        </p:blipFill>
-        <p:spPr>
-          <a:xfrm>
-            <a:off x="8654165" y="2474801"/>
-            <a:ext cx="1647293" cy="2322069"/>
+            <a:off x="5730536" y="2384751"/>
+            <a:ext cx="5105842" cy="2667231"/>
           </a:xfrm>
           <a:prstGeom prst="rect">
             <a:avLst/>
@@ -7190,7 +7706,7 @@
         <p:spPr>
           <a:xfrm>
             <a:off x="422899" y="576263"/>
-            <a:ext cx="5121038" cy="2967606"/>
+            <a:ext cx="5121038" cy="2475013"/>
           </a:xfrm>
         </p:spPr>
         <p:txBody>
@@ -7201,8 +7717,20 @@
           <a:p>
             <a:pPr algn="l"/>
             <a:r>
-              <a:rPr lang="en-US" sz="4400" dirty="0"/>
-              <a:t>Generating the result</a:t>
+              <a:rPr kumimoji="0" lang="en-US" altLang="en-IL" sz="4400" b="0" i="0" u="none" strike="noStrike" cap="none" normalizeH="0" baseline="0" dirty="0">
+                <a:ln>
+                  <a:noFill/>
+                </a:ln>
+                <a:solidFill>
+                  <a:schemeClr val="tx1">
+                    <a:lumMod val="75000"/>
+                    <a:lumOff val="25000"/>
+                  </a:schemeClr>
+                </a:solidFill>
+                <a:effectLst/>
+                <a:latin typeface="Söhne"/>
+              </a:rPr>
+              <a:t>Self-Correction-Human-Parsing</a:t>
             </a:r>
             <a:endParaRPr lang="en-IL" sz="4400" dirty="0"/>
           </a:p>
@@ -7226,8 +7754,8 @@
         </p:nvSpPr>
         <p:spPr bwMode="auto">
           <a:xfrm>
-            <a:off x="422899" y="3806724"/>
-            <a:ext cx="3932532" cy="2192683"/>
+            <a:off x="422899" y="3173566"/>
+            <a:ext cx="6707107" cy="2192683"/>
           </a:xfrm>
           <a:prstGeom prst="rect">
             <a:avLst/>
@@ -7300,10 +7828,28 @@
                 <a:effectLst/>
                 <a:latin typeface="Söhne"/>
               </a:rPr>
-              <a:t>These are used to create a new image of the user wearing the requested cloth item. The image is created using </a:t>
-            </a:r>
-            <a:r>
-              <a:rPr kumimoji="0" lang="en-US" altLang="en-IL" sz="2000" b="0" i="0" u="none" strike="noStrike" cap="none" normalizeH="0" baseline="0" dirty="0" err="1">
+              <a:t>A parsing of human body parts or clothing</a:t>
+            </a:r>
+          </a:p>
+          <a:p>
+            <a:pPr marL="0" marR="0" lvl="0" indent="0" algn="l" defTabSz="914400" rtl="0" eaLnBrk="0" fontAlgn="base" latinLnBrk="0" hangingPunct="0">
+              <a:lnSpc>
+                <a:spcPct val="100000"/>
+              </a:lnSpc>
+              <a:spcBef>
+                <a:spcPct val="0"/>
+              </a:spcBef>
+              <a:spcAft>
+                <a:spcPct val="0"/>
+              </a:spcAft>
+              <a:buClrTx/>
+              <a:buSzTx/>
+              <a:buFontTx/>
+              <a:buNone/>
+              <a:tabLst/>
+            </a:pPr>
+            <a:r>
+              <a:rPr kumimoji="0" lang="en-US" altLang="en-IL" sz="2000" b="0" i="0" u="none" strike="noStrike" cap="none" normalizeH="0" baseline="0" dirty="0">
                 <a:ln>
                   <a:noFill/>
                 </a:ln>
@@ -7316,8 +7862,26 @@
                 <a:effectLst/>
                 <a:latin typeface="Söhne"/>
               </a:rPr>
-              <a:t>ALIASGenerator</a:t>
-            </a:r>
+              <a:t>in images using a deep neural network.</a:t>
+            </a:r>
+          </a:p>
+          <a:p>
+            <a:pPr marL="0" marR="0" lvl="0" indent="0" algn="l" defTabSz="914400" rtl="0" eaLnBrk="0" fontAlgn="base" latinLnBrk="0" hangingPunct="0">
+              <a:lnSpc>
+                <a:spcPct val="100000"/>
+              </a:lnSpc>
+              <a:spcBef>
+                <a:spcPct val="0"/>
+              </a:spcBef>
+              <a:spcAft>
+                <a:spcPct val="0"/>
+              </a:spcAft>
+              <a:buClrTx/>
+              <a:buSzTx/>
+              <a:buFontTx/>
+              <a:buNone/>
+              <a:tabLst/>
+            </a:pPr>
             <a:r>
               <a:rPr kumimoji="0" lang="en-US" altLang="en-IL" sz="2000" b="0" i="0" u="none" strike="noStrike" cap="none" normalizeH="0" baseline="0" dirty="0">
                 <a:ln>
@@ -7332,9 +7896,129 @@
                 <a:effectLst/>
                 <a:latin typeface="Söhne"/>
               </a:rPr>
-              <a:t>.</a:t>
-            </a:r>
-            <a:endParaRPr kumimoji="0" lang="en-IL" altLang="en-IL" sz="2000" b="0" i="0" u="none" strike="noStrike" cap="none" normalizeH="0" baseline="0" dirty="0">
+              <a:t>It provides flexibility in choosing the </a:t>
+            </a:r>
+          </a:p>
+          <a:p>
+            <a:pPr marL="0" marR="0" lvl="0" indent="0" algn="l" defTabSz="914400" rtl="0" eaLnBrk="0" fontAlgn="base" latinLnBrk="0" hangingPunct="0">
+              <a:lnSpc>
+                <a:spcPct val="100000"/>
+              </a:lnSpc>
+              <a:spcBef>
+                <a:spcPct val="0"/>
+              </a:spcBef>
+              <a:spcAft>
+                <a:spcPct val="0"/>
+              </a:spcAft>
+              <a:buClrTx/>
+              <a:buSzTx/>
+              <a:buFontTx/>
+              <a:buNone/>
+              <a:tabLst/>
+            </a:pPr>
+            <a:r>
+              <a:rPr kumimoji="0" lang="en-US" altLang="en-IL" sz="2000" b="0" i="0" u="none" strike="noStrike" cap="none" normalizeH="0" baseline="0" dirty="0">
+                <a:ln>
+                  <a:noFill/>
+                </a:ln>
+                <a:solidFill>
+                  <a:schemeClr val="tx1">
+                    <a:lumMod val="75000"/>
+                    <a:lumOff val="25000"/>
+                  </a:schemeClr>
+                </a:solidFill>
+                <a:effectLst/>
+                <a:latin typeface="Söhne"/>
+              </a:rPr>
+              <a:t>dataset, specifying input and output </a:t>
+            </a:r>
+          </a:p>
+          <a:p>
+            <a:pPr marL="0" marR="0" lvl="0" indent="0" algn="l" defTabSz="914400" rtl="0" eaLnBrk="0" fontAlgn="base" latinLnBrk="0" hangingPunct="0">
+              <a:lnSpc>
+                <a:spcPct val="100000"/>
+              </a:lnSpc>
+              <a:spcBef>
+                <a:spcPct val="0"/>
+              </a:spcBef>
+              <a:spcAft>
+                <a:spcPct val="0"/>
+              </a:spcAft>
+              <a:buClrTx/>
+              <a:buSzTx/>
+              <a:buFontTx/>
+              <a:buNone/>
+              <a:tabLst/>
+            </a:pPr>
+            <a:r>
+              <a:rPr kumimoji="0" lang="en-US" altLang="en-IL" sz="2000" b="0" i="0" u="none" strike="noStrike" cap="none" normalizeH="0" baseline="0" dirty="0">
+                <a:ln>
+                  <a:noFill/>
+                </a:ln>
+                <a:solidFill>
+                  <a:schemeClr val="tx1">
+                    <a:lumMod val="75000"/>
+                    <a:lumOff val="25000"/>
+                  </a:schemeClr>
+                </a:solidFill>
+                <a:effectLst/>
+                <a:latin typeface="Söhne"/>
+              </a:rPr>
+              <a:t>directories, and optionally saving logits for</a:t>
+            </a:r>
+          </a:p>
+          <a:p>
+            <a:pPr marL="0" marR="0" lvl="0" indent="0" algn="l" defTabSz="914400" rtl="0" eaLnBrk="0" fontAlgn="base" latinLnBrk="0" hangingPunct="0">
+              <a:lnSpc>
+                <a:spcPct val="100000"/>
+              </a:lnSpc>
+              <a:spcBef>
+                <a:spcPct val="0"/>
+              </a:spcBef>
+              <a:spcAft>
+                <a:spcPct val="0"/>
+              </a:spcAft>
+              <a:buClrTx/>
+              <a:buSzTx/>
+              <a:buFontTx/>
+              <a:buNone/>
+              <a:tabLst/>
+            </a:pPr>
+            <a:r>
+              <a:rPr kumimoji="0" lang="en-US" altLang="en-IL" sz="2000" b="0" i="0" u="none" strike="noStrike" cap="none" normalizeH="0" baseline="0" dirty="0">
+                <a:ln>
+                  <a:noFill/>
+                </a:ln>
+                <a:solidFill>
+                  <a:schemeClr val="tx1">
+                    <a:lumMod val="75000"/>
+                    <a:lumOff val="25000"/>
+                  </a:schemeClr>
+                </a:solidFill>
+                <a:effectLst/>
+                <a:latin typeface="Söhne"/>
+              </a:rPr>
+              <a:t>further analysis.</a:t>
+            </a:r>
+          </a:p>
+          <a:p>
+            <a:pPr marL="0" marR="0" lvl="0" indent="0" algn="l" defTabSz="914400" rtl="0" eaLnBrk="0" fontAlgn="base" latinLnBrk="0" hangingPunct="0">
+              <a:lnSpc>
+                <a:spcPct val="100000"/>
+              </a:lnSpc>
+              <a:spcBef>
+                <a:spcPct val="0"/>
+              </a:spcBef>
+              <a:spcAft>
+                <a:spcPct val="0"/>
+              </a:spcAft>
+              <a:buClrTx/>
+              <a:buSzTx/>
+              <a:buFontTx/>
+              <a:buNone/>
+              <a:tabLst/>
+            </a:pPr>
+            <a:endParaRPr kumimoji="0" lang="en-US" altLang="en-IL" sz="2000" b="0" i="0" u="none" strike="noStrike" cap="none" normalizeH="0" baseline="0" dirty="0">
               <a:ln>
                 <a:noFill/>
               </a:ln>
@@ -7553,40 +8237,10 @@
       </p:cxnSp>
       <p:pic>
         <p:nvPicPr>
-          <p:cNvPr id="8" name="Picture 7">
-            <a:extLst>
-              <a:ext uri="{FF2B5EF4-FFF2-40B4-BE49-F238E27FC236}">
-                <a16:creationId xmlns:a16="http://schemas.microsoft.com/office/drawing/2014/main" id="{793A01C0-F58A-B0EF-1E59-541E5633C8B0}"/>
-              </a:ext>
-            </a:extLst>
-          </p:cNvPr>
-          <p:cNvPicPr>
-            <a:picLocks noChangeAspect="1"/>
-          </p:cNvPicPr>
-          <p:nvPr/>
-        </p:nvPicPr>
-        <p:blipFill>
-          <a:blip r:embed="rId2"/>
-          <a:stretch>
-            <a:fillRect/>
-          </a:stretch>
-        </p:blipFill>
-        <p:spPr>
-          <a:xfrm>
-            <a:off x="10598450" y="2418086"/>
-            <a:ext cx="1531281" cy="2171636"/>
-          </a:xfrm>
-          <a:prstGeom prst="rect">
-            <a:avLst/>
-          </a:prstGeom>
-        </p:spPr>
-      </p:pic>
-      <p:pic>
-        <p:nvPicPr>
-          <p:cNvPr id="9" name="Picture 8">
-            <a:extLst>
-              <a:ext uri="{FF2B5EF4-FFF2-40B4-BE49-F238E27FC236}">
-                <a16:creationId xmlns:a16="http://schemas.microsoft.com/office/drawing/2014/main" id="{8D72C35D-D17A-F2E3-5AC0-C12958675D87}"/>
+          <p:cNvPr id="5" name="Picture 4">
+            <a:extLst>
+              <a:ext uri="{FF2B5EF4-FFF2-40B4-BE49-F238E27FC236}">
+                <a16:creationId xmlns:a16="http://schemas.microsoft.com/office/drawing/2014/main" id="{D9EF2B5A-AC26-1186-6E25-3BDFD4D83584}"/>
               </a:ext>
             </a:extLst>
           </p:cNvPr>
@@ -7603,548 +8257,18 @@
         </p:blipFill>
         <p:spPr>
           <a:xfrm>
-            <a:off x="4473540" y="1250624"/>
-            <a:ext cx="1282988" cy="1850106"/>
+            <a:off x="4976609" y="2059797"/>
+            <a:ext cx="6981670" cy="2968143"/>
           </a:xfrm>
           <a:prstGeom prst="rect">
             <a:avLst/>
           </a:prstGeom>
         </p:spPr>
       </p:pic>
-      <p:pic>
-        <p:nvPicPr>
-          <p:cNvPr id="11" name="Picture 10">
-            <a:extLst>
-              <a:ext uri="{FF2B5EF4-FFF2-40B4-BE49-F238E27FC236}">
-                <a16:creationId xmlns:a16="http://schemas.microsoft.com/office/drawing/2014/main" id="{4AFA844E-E770-04F4-4A5F-E3361BE722D7}"/>
-              </a:ext>
-            </a:extLst>
-          </p:cNvPr>
-          <p:cNvPicPr>
-            <a:picLocks noChangeAspect="1"/>
-          </p:cNvPicPr>
-          <p:nvPr/>
-        </p:nvPicPr>
-        <p:blipFill>
-          <a:blip r:embed="rId4"/>
-          <a:stretch>
-            <a:fillRect/>
-          </a:stretch>
-        </p:blipFill>
-        <p:spPr>
-          <a:xfrm>
-            <a:off x="4456168" y="3978012"/>
-            <a:ext cx="1300360" cy="1850106"/>
-          </a:xfrm>
-          <a:prstGeom prst="rect">
-            <a:avLst/>
-          </a:prstGeom>
-        </p:spPr>
-      </p:pic>
-      <p:pic>
-        <p:nvPicPr>
-          <p:cNvPr id="12" name="Picture 11">
-            <a:extLst>
-              <a:ext uri="{FF2B5EF4-FFF2-40B4-BE49-F238E27FC236}">
-                <a16:creationId xmlns:a16="http://schemas.microsoft.com/office/drawing/2014/main" id="{4244A620-9161-F80F-992D-0768CAE512D3}"/>
-              </a:ext>
-            </a:extLst>
-          </p:cNvPr>
-          <p:cNvPicPr>
-            <a:picLocks noChangeAspect="1"/>
-          </p:cNvPicPr>
-          <p:nvPr/>
-        </p:nvPicPr>
-        <p:blipFill>
-          <a:blip r:embed="rId5"/>
-          <a:stretch>
-            <a:fillRect/>
-          </a:stretch>
-        </p:blipFill>
-        <p:spPr>
-          <a:xfrm>
-            <a:off x="6622719" y="2544392"/>
-            <a:ext cx="992706" cy="1380743"/>
-          </a:xfrm>
-          <a:prstGeom prst="rect">
-            <a:avLst/>
-          </a:prstGeom>
-        </p:spPr>
-      </p:pic>
-      <p:pic>
-        <p:nvPicPr>
-          <p:cNvPr id="13" name="Picture 12">
-            <a:extLst>
-              <a:ext uri="{FF2B5EF4-FFF2-40B4-BE49-F238E27FC236}">
-                <a16:creationId xmlns:a16="http://schemas.microsoft.com/office/drawing/2014/main" id="{07AE5532-9236-24D2-B8D0-092D23C3AB03}"/>
-              </a:ext>
-            </a:extLst>
-          </p:cNvPr>
-          <p:cNvPicPr>
-            <a:picLocks noChangeAspect="1"/>
-          </p:cNvPicPr>
-          <p:nvPr/>
-        </p:nvPicPr>
-        <p:blipFill>
-          <a:blip r:embed="rId6"/>
-          <a:stretch>
-            <a:fillRect/>
-          </a:stretch>
-        </p:blipFill>
-        <p:spPr>
-          <a:xfrm>
-            <a:off x="6660179" y="895430"/>
-            <a:ext cx="992705" cy="1399344"/>
-          </a:xfrm>
-          <a:prstGeom prst="rect">
-            <a:avLst/>
-          </a:prstGeom>
-        </p:spPr>
-      </p:pic>
-      <p:sp>
-        <p:nvSpPr>
-          <p:cNvPr id="14" name="Arrow: Right 13">
-            <a:extLst>
-              <a:ext uri="{FF2B5EF4-FFF2-40B4-BE49-F238E27FC236}">
-                <a16:creationId xmlns:a16="http://schemas.microsoft.com/office/drawing/2014/main" id="{7CDD9033-A092-68BB-C325-3BBCA3A04E29}"/>
-              </a:ext>
-            </a:extLst>
-          </p:cNvPr>
-          <p:cNvSpPr/>
-          <p:nvPr/>
-        </p:nvSpPr>
-        <p:spPr>
-          <a:xfrm rot="19955561">
-            <a:off x="5835776" y="1753019"/>
-            <a:ext cx="787989" cy="428625"/>
-          </a:xfrm>
-          <a:prstGeom prst="rightArrow">
-            <a:avLst/>
-          </a:prstGeom>
-        </p:spPr>
-        <p:style>
-          <a:lnRef idx="2">
-            <a:schemeClr val="accent1">
-              <a:shade val="50000"/>
-            </a:schemeClr>
-          </a:lnRef>
-          <a:fillRef idx="1">
-            <a:schemeClr val="accent1"/>
-          </a:fillRef>
-          <a:effectRef idx="0">
-            <a:schemeClr val="accent1"/>
-          </a:effectRef>
-          <a:fontRef idx="minor">
-            <a:schemeClr val="lt1"/>
-          </a:fontRef>
-        </p:style>
-        <p:txBody>
-          <a:bodyPr rtlCol="0" anchor="ctr"/>
-          <a:lstStyle/>
-          <a:p>
-            <a:pPr algn="ctr"/>
-            <a:endParaRPr lang="en-IL"/>
-          </a:p>
-        </p:txBody>
-      </p:sp>
-      <p:sp>
-        <p:nvSpPr>
-          <p:cNvPr id="15" name="Arrow: Right 14">
-            <a:extLst>
-              <a:ext uri="{FF2B5EF4-FFF2-40B4-BE49-F238E27FC236}">
-                <a16:creationId xmlns:a16="http://schemas.microsoft.com/office/drawing/2014/main" id="{BD8A657E-8610-3167-9BE2-A664010C05A2}"/>
-              </a:ext>
-            </a:extLst>
-          </p:cNvPr>
-          <p:cNvSpPr/>
-          <p:nvPr/>
-        </p:nvSpPr>
-        <p:spPr>
-          <a:xfrm rot="2315543">
-            <a:off x="5791888" y="2370100"/>
-            <a:ext cx="763847" cy="401217"/>
-          </a:xfrm>
-          <a:prstGeom prst="rightArrow">
-            <a:avLst/>
-          </a:prstGeom>
-        </p:spPr>
-        <p:style>
-          <a:lnRef idx="2">
-            <a:schemeClr val="accent1">
-              <a:shade val="50000"/>
-            </a:schemeClr>
-          </a:lnRef>
-          <a:fillRef idx="1">
-            <a:schemeClr val="accent1"/>
-          </a:fillRef>
-          <a:effectRef idx="0">
-            <a:schemeClr val="accent1"/>
-          </a:effectRef>
-          <a:fontRef idx="minor">
-            <a:schemeClr val="lt1"/>
-          </a:fontRef>
-        </p:style>
-        <p:txBody>
-          <a:bodyPr rtlCol="0" anchor="ctr"/>
-          <a:lstStyle/>
-          <a:p>
-            <a:pPr algn="ctr"/>
-            <a:endParaRPr lang="en-IL"/>
-          </a:p>
-        </p:txBody>
-      </p:sp>
-      <p:pic>
-        <p:nvPicPr>
-          <p:cNvPr id="16" name="Picture 15">
-            <a:extLst>
-              <a:ext uri="{FF2B5EF4-FFF2-40B4-BE49-F238E27FC236}">
-                <a16:creationId xmlns:a16="http://schemas.microsoft.com/office/drawing/2014/main" id="{33E5161D-0DD0-64A9-6F1A-8C92EB7227F5}"/>
-              </a:ext>
-            </a:extLst>
-          </p:cNvPr>
-          <p:cNvPicPr>
-            <a:picLocks noChangeAspect="1"/>
-          </p:cNvPicPr>
-          <p:nvPr/>
-        </p:nvPicPr>
-        <p:blipFill>
-          <a:blip r:embed="rId7"/>
-          <a:stretch>
-            <a:fillRect/>
-          </a:stretch>
-        </p:blipFill>
-        <p:spPr>
-          <a:xfrm>
-            <a:off x="6593189" y="4197954"/>
-            <a:ext cx="1107343" cy="1450301"/>
-          </a:xfrm>
-          <a:prstGeom prst="rect">
-            <a:avLst/>
-          </a:prstGeom>
-        </p:spPr>
-      </p:pic>
-      <p:sp>
-        <p:nvSpPr>
-          <p:cNvPr id="17" name="Arrow: Right 16">
-            <a:extLst>
-              <a:ext uri="{FF2B5EF4-FFF2-40B4-BE49-F238E27FC236}">
-                <a16:creationId xmlns:a16="http://schemas.microsoft.com/office/drawing/2014/main" id="{C60CBB50-5FAF-9844-0E46-9F29E1CF3D08}"/>
-              </a:ext>
-            </a:extLst>
-          </p:cNvPr>
-          <p:cNvSpPr/>
-          <p:nvPr/>
-        </p:nvSpPr>
-        <p:spPr>
-          <a:xfrm>
-            <a:off x="5751144" y="4589722"/>
-            <a:ext cx="806749" cy="313343"/>
-          </a:xfrm>
-          <a:prstGeom prst="rightArrow">
-            <a:avLst/>
-          </a:prstGeom>
-        </p:spPr>
-        <p:style>
-          <a:lnRef idx="2">
-            <a:schemeClr val="accent1">
-              <a:shade val="50000"/>
-            </a:schemeClr>
-          </a:lnRef>
-          <a:fillRef idx="1">
-            <a:schemeClr val="accent1"/>
-          </a:fillRef>
-          <a:effectRef idx="0">
-            <a:schemeClr val="accent1"/>
-          </a:effectRef>
-          <a:fontRef idx="minor">
-            <a:schemeClr val="lt1"/>
-          </a:fontRef>
-        </p:style>
-        <p:txBody>
-          <a:bodyPr rtlCol="0" anchor="ctr"/>
-          <a:lstStyle/>
-          <a:p>
-            <a:pPr algn="ctr"/>
-            <a:endParaRPr lang="en-IL"/>
-          </a:p>
-        </p:txBody>
-      </p:sp>
-      <p:sp>
-        <p:nvSpPr>
-          <p:cNvPr id="18" name="Arrow: Right 17">
-            <a:extLst>
-              <a:ext uri="{FF2B5EF4-FFF2-40B4-BE49-F238E27FC236}">
-                <a16:creationId xmlns:a16="http://schemas.microsoft.com/office/drawing/2014/main" id="{8D434936-A194-E214-6366-643668B60183}"/>
-              </a:ext>
-            </a:extLst>
-          </p:cNvPr>
-          <p:cNvSpPr/>
-          <p:nvPr/>
-        </p:nvSpPr>
-        <p:spPr>
-          <a:xfrm rot="3169216">
-            <a:off x="7463795" y="2216697"/>
-            <a:ext cx="1542444" cy="407354"/>
-          </a:xfrm>
-          <a:prstGeom prst="rightArrow">
-            <a:avLst/>
-          </a:prstGeom>
-        </p:spPr>
-        <p:style>
-          <a:lnRef idx="2">
-            <a:schemeClr val="accent1">
-              <a:shade val="50000"/>
-            </a:schemeClr>
-          </a:lnRef>
-          <a:fillRef idx="1">
-            <a:schemeClr val="accent1"/>
-          </a:fillRef>
-          <a:effectRef idx="0">
-            <a:schemeClr val="accent1"/>
-          </a:effectRef>
-          <a:fontRef idx="minor">
-            <a:schemeClr val="lt1"/>
-          </a:fontRef>
-        </p:style>
-        <p:txBody>
-          <a:bodyPr rtlCol="0" anchor="ctr"/>
-          <a:lstStyle/>
-          <a:p>
-            <a:pPr algn="ctr"/>
-            <a:endParaRPr lang="en-IL"/>
-          </a:p>
-        </p:txBody>
-      </p:sp>
-      <p:sp>
-        <p:nvSpPr>
-          <p:cNvPr id="19" name="Rectangle 18">
-            <a:extLst>
-              <a:ext uri="{FF2B5EF4-FFF2-40B4-BE49-F238E27FC236}">
-                <a16:creationId xmlns:a16="http://schemas.microsoft.com/office/drawing/2014/main" id="{ED61C227-1240-25EF-613D-3EEEC825778A}"/>
-              </a:ext>
-            </a:extLst>
-          </p:cNvPr>
-          <p:cNvSpPr/>
-          <p:nvPr/>
-        </p:nvSpPr>
-        <p:spPr>
-          <a:xfrm>
-            <a:off x="8043694" y="3037456"/>
-            <a:ext cx="1910060" cy="932895"/>
-          </a:xfrm>
-          <a:prstGeom prst="rect">
-            <a:avLst/>
-          </a:prstGeom>
-          <a:solidFill>
-            <a:schemeClr val="accent1">
-              <a:lumMod val="60000"/>
-              <a:lumOff val="40000"/>
-            </a:schemeClr>
-          </a:solidFill>
-        </p:spPr>
-        <p:style>
-          <a:lnRef idx="2">
-            <a:schemeClr val="accent1">
-              <a:shade val="50000"/>
-            </a:schemeClr>
-          </a:lnRef>
-          <a:fillRef idx="1">
-            <a:schemeClr val="accent1"/>
-          </a:fillRef>
-          <a:effectRef idx="0">
-            <a:schemeClr val="accent1"/>
-          </a:effectRef>
-          <a:fontRef idx="minor">
-            <a:schemeClr val="lt1"/>
-          </a:fontRef>
-        </p:style>
-        <p:txBody>
-          <a:bodyPr rtlCol="0" anchor="ctr"/>
-          <a:lstStyle/>
-          <a:p>
-            <a:pPr algn="ctr"/>
-            <a:endParaRPr lang="en-IL"/>
-          </a:p>
-        </p:txBody>
-      </p:sp>
-      <p:sp>
-        <p:nvSpPr>
-          <p:cNvPr id="20" name="TextBox 19">
-            <a:extLst>
-              <a:ext uri="{FF2B5EF4-FFF2-40B4-BE49-F238E27FC236}">
-                <a16:creationId xmlns:a16="http://schemas.microsoft.com/office/drawing/2014/main" id="{08CC6679-9B77-4627-D045-2E340754F9C4}"/>
-              </a:ext>
-            </a:extLst>
-          </p:cNvPr>
-          <p:cNvSpPr txBox="1"/>
-          <p:nvPr/>
-        </p:nvSpPr>
-        <p:spPr>
-          <a:xfrm>
-            <a:off x="8094392" y="3319237"/>
-            <a:ext cx="1995666" cy="369332"/>
-          </a:xfrm>
-          <a:prstGeom prst="rect">
-            <a:avLst/>
-          </a:prstGeom>
-          <a:noFill/>
-        </p:spPr>
-        <p:txBody>
-          <a:bodyPr wrap="square" rtlCol="0">
-            <a:spAutoFit/>
-          </a:bodyPr>
-          <a:lstStyle/>
-          <a:p>
-            <a:r>
-              <a:rPr lang="en-US" dirty="0" err="1"/>
-              <a:t>ALIASGenerator</a:t>
-            </a:r>
-            <a:endParaRPr lang="en-IL" dirty="0"/>
-          </a:p>
-        </p:txBody>
-      </p:sp>
-      <p:sp>
-        <p:nvSpPr>
-          <p:cNvPr id="21" name="Arrow: Right 20">
-            <a:extLst>
-              <a:ext uri="{FF2B5EF4-FFF2-40B4-BE49-F238E27FC236}">
-                <a16:creationId xmlns:a16="http://schemas.microsoft.com/office/drawing/2014/main" id="{6687E991-5116-80F1-0D2E-7FF1A267E7BE}"/>
-              </a:ext>
-            </a:extLst>
-          </p:cNvPr>
-          <p:cNvSpPr/>
-          <p:nvPr/>
-        </p:nvSpPr>
-        <p:spPr>
-          <a:xfrm>
-            <a:off x="10004452" y="3428999"/>
-            <a:ext cx="562814" cy="216971"/>
-          </a:xfrm>
-          <a:prstGeom prst="rightArrow">
-            <a:avLst/>
-          </a:prstGeom>
-        </p:spPr>
-        <p:style>
-          <a:lnRef idx="2">
-            <a:schemeClr val="accent1">
-              <a:shade val="50000"/>
-            </a:schemeClr>
-          </a:lnRef>
-          <a:fillRef idx="1">
-            <a:schemeClr val="accent1"/>
-          </a:fillRef>
-          <a:effectRef idx="0">
-            <a:schemeClr val="accent1"/>
-          </a:effectRef>
-          <a:fontRef idx="minor">
-            <a:schemeClr val="lt1"/>
-          </a:fontRef>
-        </p:style>
-        <p:txBody>
-          <a:bodyPr rtlCol="0" anchor="ctr"/>
-          <a:lstStyle/>
-          <a:p>
-            <a:pPr algn="ctr"/>
-            <a:endParaRPr lang="en-IL"/>
-          </a:p>
-        </p:txBody>
-      </p:sp>
-      <p:sp>
-        <p:nvSpPr>
-          <p:cNvPr id="22" name="Arrow: Right 21">
-            <a:extLst>
-              <a:ext uri="{FF2B5EF4-FFF2-40B4-BE49-F238E27FC236}">
-                <a16:creationId xmlns:a16="http://schemas.microsoft.com/office/drawing/2014/main" id="{CCC1E84B-62A6-ABF4-4447-8AE6D103B307}"/>
-              </a:ext>
-            </a:extLst>
-          </p:cNvPr>
-          <p:cNvSpPr/>
-          <p:nvPr/>
-        </p:nvSpPr>
-        <p:spPr>
-          <a:xfrm>
-            <a:off x="7624566" y="3299745"/>
-            <a:ext cx="377571" cy="231901"/>
-          </a:xfrm>
-          <a:prstGeom prst="rightArrow">
-            <a:avLst/>
-          </a:prstGeom>
-        </p:spPr>
-        <p:style>
-          <a:lnRef idx="2">
-            <a:schemeClr val="accent1">
-              <a:shade val="50000"/>
-            </a:schemeClr>
-          </a:lnRef>
-          <a:fillRef idx="1">
-            <a:schemeClr val="accent1"/>
-          </a:fillRef>
-          <a:effectRef idx="0">
-            <a:schemeClr val="accent1"/>
-          </a:effectRef>
-          <a:fontRef idx="minor">
-            <a:schemeClr val="lt1"/>
-          </a:fontRef>
-        </p:style>
-        <p:txBody>
-          <a:bodyPr rtlCol="0" anchor="ctr"/>
-          <a:lstStyle/>
-          <a:p>
-            <a:pPr algn="ctr"/>
-            <a:endParaRPr lang="en-IL"/>
-          </a:p>
-        </p:txBody>
-      </p:sp>
-      <p:sp>
-        <p:nvSpPr>
-          <p:cNvPr id="23" name="Arrow: Right 22">
-            <a:extLst>
-              <a:ext uri="{FF2B5EF4-FFF2-40B4-BE49-F238E27FC236}">
-                <a16:creationId xmlns:a16="http://schemas.microsoft.com/office/drawing/2014/main" id="{0228B6E6-2D36-38FC-3AFF-270416AE845F}"/>
-              </a:ext>
-            </a:extLst>
-          </p:cNvPr>
-          <p:cNvSpPr/>
-          <p:nvPr/>
-        </p:nvSpPr>
-        <p:spPr>
-          <a:xfrm rot="18465289">
-            <a:off x="7657498" y="4266226"/>
-            <a:ext cx="942606" cy="435459"/>
-          </a:xfrm>
-          <a:prstGeom prst="rightArrow">
-            <a:avLst/>
-          </a:prstGeom>
-        </p:spPr>
-        <p:style>
-          <a:lnRef idx="2">
-            <a:schemeClr val="accent1">
-              <a:shade val="50000"/>
-            </a:schemeClr>
-          </a:lnRef>
-          <a:fillRef idx="1">
-            <a:schemeClr val="accent1"/>
-          </a:fillRef>
-          <a:effectRef idx="0">
-            <a:schemeClr val="accent1"/>
-          </a:effectRef>
-          <a:fontRef idx="minor">
-            <a:schemeClr val="lt1"/>
-          </a:fontRef>
-        </p:style>
-        <p:txBody>
-          <a:bodyPr rtlCol="0" anchor="ctr"/>
-          <a:lstStyle/>
-          <a:p>
-            <a:pPr algn="ctr"/>
-            <a:endParaRPr lang="en-IL"/>
-          </a:p>
-        </p:txBody>
-      </p:sp>
     </p:spTree>
     <p:extLst>
       <p:ext uri="{BB962C8B-B14F-4D97-AF65-F5344CB8AC3E}">
-        <p14:creationId xmlns:p14="http://schemas.microsoft.com/office/powerpoint/2010/main" val="2491885376"/>
+        <p14:creationId xmlns:p14="http://schemas.microsoft.com/office/powerpoint/2010/main" val="788958024"/>
       </p:ext>
     </p:extLst>
   </p:cSld>
@@ -8575,7 +8699,7 @@
         <p:spPr>
           <a:xfrm>
             <a:off x="422899" y="576263"/>
-            <a:ext cx="5173543" cy="2967606"/>
+            <a:ext cx="5121038" cy="2967606"/>
           </a:xfrm>
         </p:spPr>
         <p:txBody>
@@ -8586,21 +8710,10 @@
           <a:p>
             <a:pPr algn="l"/>
             <a:r>
-              <a:rPr lang="en-US" sz="4800" dirty="0"/>
-              <a:t>What is </a:t>
-            </a:r>
-            <a:r>
-              <a:rPr lang="en-US" sz="4800" dirty="0" err="1"/>
-              <a:t>ALIASGenerator</a:t>
-            </a:r>
-            <a:r>
-              <a:rPr lang="en-US" sz="4800" dirty="0"/>
-              <a:t>?</a:t>
-            </a:r>
-            <a:br>
-              <a:rPr lang="en-US" sz="4800" dirty="0"/>
-            </a:br>
-            <a:endParaRPr lang="en-IL" sz="4800" dirty="0"/>
+              <a:rPr lang="en-US" sz="4400" dirty="0"/>
+              <a:t>Body Segmentation</a:t>
+            </a:r>
+            <a:endParaRPr lang="en-IL" sz="4400" dirty="0"/>
           </a:p>
         </p:txBody>
       </p:sp>
@@ -8622,8 +8735,8 @@
         </p:nvSpPr>
         <p:spPr bwMode="auto">
           <a:xfrm>
-            <a:off x="422900" y="3764975"/>
-            <a:ext cx="3932532" cy="2192683"/>
+            <a:off x="422898" y="3806724"/>
+            <a:ext cx="4429795" cy="2192683"/>
           </a:xfrm>
           <a:prstGeom prst="rect">
             <a:avLst/>
@@ -8683,18 +8796,62 @@
               <a:tabLst/>
             </a:pPr>
             <a:r>
-              <a:rPr kumimoji="0" lang="en-IL" altLang="en-IL" b="0" i="0" u="none" strike="noStrike" cap="none" normalizeH="0" baseline="0" dirty="0">
+              <a:rPr kumimoji="0" lang="en-US" altLang="en-IL" sz="2000" b="0" i="0" u="none" strike="noStrike" cap="none" normalizeH="0" baseline="0" dirty="0">
                 <a:ln>
                   <a:noFill/>
                 </a:ln>
                 <a:solidFill>
-                  <a:schemeClr val="tx1"/>
+                  <a:schemeClr val="tx1">
+                    <a:lumMod val="75000"/>
+                    <a:lumOff val="25000"/>
+                  </a:schemeClr>
                 </a:solidFill>
                 <a:effectLst/>
-                <a:latin typeface="ui-monospace"/>
+                <a:latin typeface="Söhne"/>
               </a:rPr>
-              <a:t> </a:t>
-            </a:r>
+              <a:t>We segment the user body with </a:t>
+            </a:r>
+            <a:r>
+              <a:rPr kumimoji="0" lang="en-US" altLang="en-IL" sz="2000" b="0" i="0" u="none" strike="noStrike" cap="none" normalizeH="0" baseline="0" dirty="0" err="1">
+                <a:ln>
+                  <a:noFill/>
+                </a:ln>
+                <a:solidFill>
+                  <a:schemeClr val="tx1">
+                    <a:lumMod val="75000"/>
+                    <a:lumOff val="25000"/>
+                  </a:schemeClr>
+                </a:solidFill>
+                <a:effectLst/>
+                <a:latin typeface="Söhne"/>
+              </a:rPr>
+              <a:t>SegGenerator</a:t>
+            </a:r>
+            <a:r>
+              <a:rPr lang="en-US" altLang="en-IL" sz="2000" dirty="0">
+                <a:solidFill>
+                  <a:schemeClr val="tx1">
+                    <a:lumMod val="75000"/>
+                    <a:lumOff val="25000"/>
+                  </a:schemeClr>
+                </a:solidFill>
+                <a:latin typeface="Söhne"/>
+              </a:rPr>
+              <a:t>.</a:t>
+            </a:r>
+            <a:endParaRPr kumimoji="0" lang="en-IL" altLang="en-IL" sz="2000" b="0" i="0" u="none" strike="noStrike" cap="none" normalizeH="0" baseline="0" dirty="0">
+              <a:ln>
+                <a:noFill/>
+              </a:ln>
+              <a:solidFill>
+                <a:schemeClr val="tx1">
+                  <a:lumMod val="75000"/>
+                  <a:lumOff val="25000"/>
+                </a:schemeClr>
+              </a:solidFill>
+              <a:effectLst/>
+              <a:latin typeface="Söhne"/>
+            </a:endParaRPr>
           </a:p>
         </p:txBody>
       </p:sp>
@@ -8901,6 +9058,3017 @@
       </p:cxnSp>
       <p:sp>
         <p:nvSpPr>
+          <p:cNvPr id="3" name="Rectangle 2">
+            <a:extLst>
+              <a:ext uri="{FF2B5EF4-FFF2-40B4-BE49-F238E27FC236}">
+                <a16:creationId xmlns:a16="http://schemas.microsoft.com/office/drawing/2014/main" id="{AEBB6777-9B67-133B-FC79-AF39E696ACF7}"/>
+              </a:ext>
+            </a:extLst>
+          </p:cNvPr>
+          <p:cNvSpPr/>
+          <p:nvPr/>
+        </p:nvSpPr>
+        <p:spPr>
+          <a:xfrm>
+            <a:off x="6618803" y="535340"/>
+            <a:ext cx="4585622" cy="5479135"/>
+          </a:xfrm>
+          <a:prstGeom prst="rect">
+            <a:avLst/>
+          </a:prstGeom>
+          <a:solidFill>
+            <a:schemeClr val="accent1">
+              <a:lumMod val="40000"/>
+              <a:lumOff val="60000"/>
+            </a:schemeClr>
+          </a:solidFill>
+          <a:ln>
+            <a:noFill/>
+          </a:ln>
+        </p:spPr>
+        <p:style>
+          <a:lnRef idx="2">
+            <a:schemeClr val="accent1">
+              <a:shade val="15000"/>
+            </a:schemeClr>
+          </a:lnRef>
+          <a:fillRef idx="1">
+            <a:schemeClr val="accent1"/>
+          </a:fillRef>
+          <a:effectRef idx="0">
+            <a:schemeClr val="accent1"/>
+          </a:effectRef>
+          <a:fontRef idx="minor">
+            <a:schemeClr val="lt1"/>
+          </a:fontRef>
+        </p:style>
+        <p:txBody>
+          <a:bodyPr rtlCol="0" anchor="ctr"/>
+          <a:lstStyle/>
+          <a:p>
+            <a:pPr algn="ctr"/>
+            <a:endParaRPr lang="en-IL"/>
+          </a:p>
+        </p:txBody>
+      </p:sp>
+      <p:sp>
+        <p:nvSpPr>
+          <p:cNvPr id="5" name="TextBox 4">
+            <a:extLst>
+              <a:ext uri="{FF2B5EF4-FFF2-40B4-BE49-F238E27FC236}">
+                <a16:creationId xmlns:a16="http://schemas.microsoft.com/office/drawing/2014/main" id="{D2685CD2-CA60-44DA-9A8F-4E8C05594BE4}"/>
+              </a:ext>
+            </a:extLst>
+          </p:cNvPr>
+          <p:cNvSpPr txBox="1"/>
+          <p:nvPr/>
+        </p:nvSpPr>
+        <p:spPr>
+          <a:xfrm>
+            <a:off x="6656925" y="715418"/>
+            <a:ext cx="4585622" cy="5262979"/>
+          </a:xfrm>
+          <a:prstGeom prst="rect">
+            <a:avLst/>
+          </a:prstGeom>
+          <a:noFill/>
+        </p:spPr>
+        <p:txBody>
+          <a:bodyPr wrap="square" rtlCol="0">
+            <a:spAutoFit/>
+          </a:bodyPr>
+          <a:lstStyle/>
+          <a:p>
+            <a:r>
+              <a:rPr lang="en-US" sz="1050" b="0" i="0" dirty="0">
+                <a:solidFill>
+                  <a:srgbClr val="212121"/>
+                </a:solidFill>
+                <a:effectLst/>
+                <a:latin typeface="Courier New" panose="02070309020205020404" pitchFamily="49" charset="0"/>
+              </a:rPr>
+              <a:t>Network [</a:t>
+            </a:r>
+            <a:r>
+              <a:rPr lang="en-US" sz="1050" b="0" i="0" dirty="0" err="1">
+                <a:solidFill>
+                  <a:srgbClr val="212121"/>
+                </a:solidFill>
+                <a:effectLst/>
+                <a:latin typeface="Courier New" panose="02070309020205020404" pitchFamily="49" charset="0"/>
+              </a:rPr>
+              <a:t>SegGenerator</a:t>
+            </a:r>
+            <a:r>
+              <a:rPr lang="en-US" sz="1050" b="0" i="0" dirty="0">
+                <a:solidFill>
+                  <a:srgbClr val="212121"/>
+                </a:solidFill>
+                <a:effectLst/>
+                <a:latin typeface="Courier New" panose="02070309020205020404" pitchFamily="49" charset="0"/>
+              </a:rPr>
+              <a:t>] was created. Total number of parameters: 34.5 million. To see the architecture, print(network). </a:t>
+            </a:r>
+            <a:r>
+              <a:rPr lang="en-US" sz="1050" b="0" i="0" dirty="0" err="1">
+                <a:solidFill>
+                  <a:srgbClr val="212121"/>
+                </a:solidFill>
+                <a:effectLst/>
+                <a:latin typeface="Courier New" panose="02070309020205020404" pitchFamily="49" charset="0"/>
+              </a:rPr>
+              <a:t>SegGenerator</a:t>
+            </a:r>
+            <a:r>
+              <a:rPr lang="en-US" sz="1050" b="0" i="0" dirty="0">
+                <a:solidFill>
+                  <a:srgbClr val="212121"/>
+                </a:solidFill>
+                <a:effectLst/>
+                <a:latin typeface="Courier New" panose="02070309020205020404" pitchFamily="49" charset="0"/>
+              </a:rPr>
+              <a:t>( (conv1): Sequential( (0): Conv2d(21, 64, </a:t>
+            </a:r>
+            <a:r>
+              <a:rPr lang="en-US" sz="1050" b="0" i="0" dirty="0" err="1">
+                <a:solidFill>
+                  <a:srgbClr val="212121"/>
+                </a:solidFill>
+                <a:effectLst/>
+                <a:latin typeface="Courier New" panose="02070309020205020404" pitchFamily="49" charset="0"/>
+              </a:rPr>
+              <a:t>kernel_size</a:t>
+            </a:r>
+            <a:r>
+              <a:rPr lang="en-US" sz="1050" b="0" i="0" dirty="0">
+                <a:solidFill>
+                  <a:srgbClr val="212121"/>
+                </a:solidFill>
+                <a:effectLst/>
+                <a:latin typeface="Courier New" panose="02070309020205020404" pitchFamily="49" charset="0"/>
+              </a:rPr>
+              <a:t>=(3, 3), stride=(1, 1), padding=(1, 1)) (1): InstanceNorm2d(64, eps=1e-05, momentum=0.1, affine=False, </a:t>
+            </a:r>
+            <a:r>
+              <a:rPr lang="en-US" sz="1050" b="0" i="0" dirty="0" err="1">
+                <a:solidFill>
+                  <a:srgbClr val="212121"/>
+                </a:solidFill>
+                <a:effectLst/>
+                <a:latin typeface="Courier New" panose="02070309020205020404" pitchFamily="49" charset="0"/>
+              </a:rPr>
+              <a:t>track_running_stats</a:t>
+            </a:r>
+            <a:r>
+              <a:rPr lang="en-US" sz="1050" b="0" i="0" dirty="0">
+                <a:solidFill>
+                  <a:srgbClr val="212121"/>
+                </a:solidFill>
+                <a:effectLst/>
+                <a:latin typeface="Courier New" panose="02070309020205020404" pitchFamily="49" charset="0"/>
+              </a:rPr>
+              <a:t>=False) (2): </a:t>
+            </a:r>
+            <a:r>
+              <a:rPr lang="en-US" sz="1050" b="0" i="0" dirty="0" err="1">
+                <a:solidFill>
+                  <a:srgbClr val="212121"/>
+                </a:solidFill>
+                <a:effectLst/>
+                <a:latin typeface="Courier New" panose="02070309020205020404" pitchFamily="49" charset="0"/>
+              </a:rPr>
+              <a:t>ReLU</a:t>
+            </a:r>
+            <a:r>
+              <a:rPr lang="en-US" sz="1050" b="0" i="0" dirty="0">
+                <a:solidFill>
+                  <a:srgbClr val="212121"/>
+                </a:solidFill>
+                <a:effectLst/>
+                <a:latin typeface="Courier New" panose="02070309020205020404" pitchFamily="49" charset="0"/>
+              </a:rPr>
+              <a:t>() (3): Conv2d(64, 64, </a:t>
+            </a:r>
+            <a:r>
+              <a:rPr lang="en-US" sz="1050" b="0" i="0" dirty="0" err="1">
+                <a:solidFill>
+                  <a:srgbClr val="212121"/>
+                </a:solidFill>
+                <a:effectLst/>
+                <a:latin typeface="Courier New" panose="02070309020205020404" pitchFamily="49" charset="0"/>
+              </a:rPr>
+              <a:t>kernel_size</a:t>
+            </a:r>
+            <a:r>
+              <a:rPr lang="en-US" sz="1050" b="0" i="0" dirty="0">
+                <a:solidFill>
+                  <a:srgbClr val="212121"/>
+                </a:solidFill>
+                <a:effectLst/>
+                <a:latin typeface="Courier New" panose="02070309020205020404" pitchFamily="49" charset="0"/>
+              </a:rPr>
+              <a:t>=(3, 3), stride=(1, 1), padding=(1, 1)) (4): InstanceNorm2d(64, eps=1e-05, momentum=0.1, affine=False, </a:t>
+            </a:r>
+            <a:r>
+              <a:rPr lang="en-US" sz="1050" b="0" i="0" dirty="0" err="1">
+                <a:solidFill>
+                  <a:srgbClr val="212121"/>
+                </a:solidFill>
+                <a:effectLst/>
+                <a:latin typeface="Courier New" panose="02070309020205020404" pitchFamily="49" charset="0"/>
+              </a:rPr>
+              <a:t>track_running_stats</a:t>
+            </a:r>
+            <a:r>
+              <a:rPr lang="en-US" sz="1050" b="0" i="0" dirty="0">
+                <a:solidFill>
+                  <a:srgbClr val="212121"/>
+                </a:solidFill>
+                <a:effectLst/>
+                <a:latin typeface="Courier New" panose="02070309020205020404" pitchFamily="49" charset="0"/>
+              </a:rPr>
+              <a:t>=False) (5): </a:t>
+            </a:r>
+            <a:r>
+              <a:rPr lang="en-US" sz="1050" b="0" i="0" dirty="0" err="1">
+                <a:solidFill>
+                  <a:srgbClr val="212121"/>
+                </a:solidFill>
+                <a:effectLst/>
+                <a:latin typeface="Courier New" panose="02070309020205020404" pitchFamily="49" charset="0"/>
+              </a:rPr>
+              <a:t>ReLU</a:t>
+            </a:r>
+            <a:r>
+              <a:rPr lang="en-US" sz="1050" b="0" i="0" dirty="0">
+                <a:solidFill>
+                  <a:srgbClr val="212121"/>
+                </a:solidFill>
+                <a:effectLst/>
+                <a:latin typeface="Courier New" panose="02070309020205020404" pitchFamily="49" charset="0"/>
+              </a:rPr>
+              <a:t>() ) (conv2): Sequential( (0): Conv2d(64, 128, </a:t>
+            </a:r>
+            <a:r>
+              <a:rPr lang="en-US" sz="1050" b="0" i="0" dirty="0" err="1">
+                <a:solidFill>
+                  <a:srgbClr val="212121"/>
+                </a:solidFill>
+                <a:effectLst/>
+                <a:latin typeface="Courier New" panose="02070309020205020404" pitchFamily="49" charset="0"/>
+              </a:rPr>
+              <a:t>kernel_size</a:t>
+            </a:r>
+            <a:r>
+              <a:rPr lang="en-US" sz="1050" b="0" i="0" dirty="0">
+                <a:solidFill>
+                  <a:srgbClr val="212121"/>
+                </a:solidFill>
+                <a:effectLst/>
+                <a:latin typeface="Courier New" panose="02070309020205020404" pitchFamily="49" charset="0"/>
+              </a:rPr>
+              <a:t>=(3, 3), stride=(1, 1), padding=(1, 1)) (1): InstanceNorm2d(128, eps=1e-05, momentum=0.1, affine=False, </a:t>
+            </a:r>
+            <a:r>
+              <a:rPr lang="en-US" sz="1050" b="0" i="0" dirty="0" err="1">
+                <a:solidFill>
+                  <a:srgbClr val="212121"/>
+                </a:solidFill>
+                <a:effectLst/>
+                <a:latin typeface="Courier New" panose="02070309020205020404" pitchFamily="49" charset="0"/>
+              </a:rPr>
+              <a:t>track_running_stats</a:t>
+            </a:r>
+            <a:r>
+              <a:rPr lang="en-US" sz="1050" b="0" i="0" dirty="0">
+                <a:solidFill>
+                  <a:srgbClr val="212121"/>
+                </a:solidFill>
+                <a:effectLst/>
+                <a:latin typeface="Courier New" panose="02070309020205020404" pitchFamily="49" charset="0"/>
+              </a:rPr>
+              <a:t>=False) (2): </a:t>
+            </a:r>
+            <a:r>
+              <a:rPr lang="en-US" sz="1050" b="0" i="0" dirty="0" err="1">
+                <a:solidFill>
+                  <a:srgbClr val="212121"/>
+                </a:solidFill>
+                <a:effectLst/>
+                <a:latin typeface="Courier New" panose="02070309020205020404" pitchFamily="49" charset="0"/>
+              </a:rPr>
+              <a:t>ReLU</a:t>
+            </a:r>
+            <a:r>
+              <a:rPr lang="en-US" sz="1050" b="0" i="0" dirty="0">
+                <a:solidFill>
+                  <a:srgbClr val="212121"/>
+                </a:solidFill>
+                <a:effectLst/>
+                <a:latin typeface="Courier New" panose="02070309020205020404" pitchFamily="49" charset="0"/>
+              </a:rPr>
+              <a:t>() (3): Conv2d(128, 128, </a:t>
+            </a:r>
+            <a:r>
+              <a:rPr lang="en-US" sz="1050" b="0" i="0" dirty="0" err="1">
+                <a:solidFill>
+                  <a:srgbClr val="212121"/>
+                </a:solidFill>
+                <a:effectLst/>
+                <a:latin typeface="Courier New" panose="02070309020205020404" pitchFamily="49" charset="0"/>
+              </a:rPr>
+              <a:t>kernel_size</a:t>
+            </a:r>
+            <a:r>
+              <a:rPr lang="en-US" sz="1050" b="0" i="0" dirty="0">
+                <a:solidFill>
+                  <a:srgbClr val="212121"/>
+                </a:solidFill>
+                <a:effectLst/>
+                <a:latin typeface="Courier New" panose="02070309020205020404" pitchFamily="49" charset="0"/>
+              </a:rPr>
+              <a:t>=(3, 3), stride=(1, 1), padding=(1, 1)) (4): InstanceNorm2d(128, eps=1e-05, momentum=0.1, affine=False, </a:t>
+            </a:r>
+            <a:r>
+              <a:rPr lang="en-US" sz="1050" b="0" i="0" dirty="0" err="1">
+                <a:solidFill>
+                  <a:srgbClr val="212121"/>
+                </a:solidFill>
+                <a:effectLst/>
+                <a:latin typeface="Courier New" panose="02070309020205020404" pitchFamily="49" charset="0"/>
+              </a:rPr>
+              <a:t>track_running_stats</a:t>
+            </a:r>
+            <a:r>
+              <a:rPr lang="en-US" sz="1050" b="0" i="0" dirty="0">
+                <a:solidFill>
+                  <a:srgbClr val="212121"/>
+                </a:solidFill>
+                <a:effectLst/>
+                <a:latin typeface="Courier New" panose="02070309020205020404" pitchFamily="49" charset="0"/>
+              </a:rPr>
+              <a:t>=False) (5): </a:t>
+            </a:r>
+            <a:r>
+              <a:rPr lang="en-US" sz="1050" b="0" i="0" dirty="0" err="1">
+                <a:solidFill>
+                  <a:srgbClr val="212121"/>
+                </a:solidFill>
+                <a:effectLst/>
+                <a:latin typeface="Courier New" panose="02070309020205020404" pitchFamily="49" charset="0"/>
+              </a:rPr>
+              <a:t>ReLU</a:t>
+            </a:r>
+            <a:r>
+              <a:rPr lang="en-US" sz="1050" b="0" i="0" dirty="0">
+                <a:solidFill>
+                  <a:srgbClr val="212121"/>
+                </a:solidFill>
+                <a:effectLst/>
+                <a:latin typeface="Courier New" panose="02070309020205020404" pitchFamily="49" charset="0"/>
+              </a:rPr>
+              <a:t>() ) (conv3): Sequential( (0): Conv2d(128, 256, </a:t>
+            </a:r>
+            <a:r>
+              <a:rPr lang="en-US" sz="1050" b="0" i="0" dirty="0" err="1">
+                <a:solidFill>
+                  <a:srgbClr val="212121"/>
+                </a:solidFill>
+                <a:effectLst/>
+                <a:latin typeface="Courier New" panose="02070309020205020404" pitchFamily="49" charset="0"/>
+              </a:rPr>
+              <a:t>kernel_size</a:t>
+            </a:r>
+            <a:r>
+              <a:rPr lang="en-US" sz="1050" b="0" i="0" dirty="0">
+                <a:solidFill>
+                  <a:srgbClr val="212121"/>
+                </a:solidFill>
+                <a:effectLst/>
+                <a:latin typeface="Courier New" panose="02070309020205020404" pitchFamily="49" charset="0"/>
+              </a:rPr>
+              <a:t>=(3, 3), stride=(1, 1), padding=(1, 1)) (1): InstanceNorm2d(256, eps=1e-05, momentum=0.1, affine=False, </a:t>
+            </a:r>
+            <a:r>
+              <a:rPr lang="en-US" sz="1050" b="0" i="0" dirty="0" err="1">
+                <a:solidFill>
+                  <a:srgbClr val="212121"/>
+                </a:solidFill>
+                <a:effectLst/>
+                <a:latin typeface="Courier New" panose="02070309020205020404" pitchFamily="49" charset="0"/>
+              </a:rPr>
+              <a:t>track_running_stats</a:t>
+            </a:r>
+            <a:r>
+              <a:rPr lang="en-US" sz="1050" b="0" i="0" dirty="0">
+                <a:solidFill>
+                  <a:srgbClr val="212121"/>
+                </a:solidFill>
+                <a:effectLst/>
+                <a:latin typeface="Courier New" panose="02070309020205020404" pitchFamily="49" charset="0"/>
+              </a:rPr>
+              <a:t>=False) (2): </a:t>
+            </a:r>
+            <a:r>
+              <a:rPr lang="en-US" sz="1050" b="0" i="0" dirty="0" err="1">
+                <a:solidFill>
+                  <a:srgbClr val="212121"/>
+                </a:solidFill>
+                <a:effectLst/>
+                <a:latin typeface="Courier New" panose="02070309020205020404" pitchFamily="49" charset="0"/>
+              </a:rPr>
+              <a:t>ReLU</a:t>
+            </a:r>
+            <a:r>
+              <a:rPr lang="en-US" sz="1050" b="0" i="0" dirty="0">
+                <a:solidFill>
+                  <a:srgbClr val="212121"/>
+                </a:solidFill>
+                <a:effectLst/>
+                <a:latin typeface="Courier New" panose="02070309020205020404" pitchFamily="49" charset="0"/>
+              </a:rPr>
+              <a:t>() (3): Conv2d(256, 256, </a:t>
+            </a:r>
+            <a:r>
+              <a:rPr lang="en-US" sz="1050" b="0" i="0" dirty="0" err="1">
+                <a:solidFill>
+                  <a:srgbClr val="212121"/>
+                </a:solidFill>
+                <a:effectLst/>
+                <a:latin typeface="Courier New" panose="02070309020205020404" pitchFamily="49" charset="0"/>
+              </a:rPr>
+              <a:t>kernel_size</a:t>
+            </a:r>
+            <a:r>
+              <a:rPr lang="en-US" sz="1050" b="0" i="0" dirty="0">
+                <a:solidFill>
+                  <a:srgbClr val="212121"/>
+                </a:solidFill>
+                <a:effectLst/>
+                <a:latin typeface="Courier New" panose="02070309020205020404" pitchFamily="49" charset="0"/>
+              </a:rPr>
+              <a:t>=(3, 3), stride=(1, 1), padding=(1, 1)) (4): InstanceNorm2d(256, eps=1e-05, momentum=0.1, affine=False, </a:t>
+            </a:r>
+            <a:r>
+              <a:rPr lang="en-US" sz="1050" b="0" i="0" dirty="0" err="1">
+                <a:solidFill>
+                  <a:srgbClr val="212121"/>
+                </a:solidFill>
+                <a:effectLst/>
+                <a:latin typeface="Courier New" panose="02070309020205020404" pitchFamily="49" charset="0"/>
+              </a:rPr>
+              <a:t>track_running_stats</a:t>
+            </a:r>
+            <a:r>
+              <a:rPr lang="en-US" sz="1050" b="0" i="0" dirty="0">
+                <a:solidFill>
+                  <a:srgbClr val="212121"/>
+                </a:solidFill>
+                <a:effectLst/>
+                <a:latin typeface="Courier New" panose="02070309020205020404" pitchFamily="49" charset="0"/>
+              </a:rPr>
+              <a:t>=False) (5): </a:t>
+            </a:r>
+            <a:r>
+              <a:rPr lang="en-US" sz="1050" b="0" i="0" dirty="0" err="1">
+                <a:solidFill>
+                  <a:srgbClr val="212121"/>
+                </a:solidFill>
+                <a:effectLst/>
+                <a:latin typeface="Courier New" panose="02070309020205020404" pitchFamily="49" charset="0"/>
+              </a:rPr>
+              <a:t>ReLU</a:t>
+            </a:r>
+            <a:r>
+              <a:rPr lang="en-US" sz="1050" b="0" i="0" dirty="0">
+                <a:solidFill>
+                  <a:srgbClr val="212121"/>
+                </a:solidFill>
+                <a:effectLst/>
+                <a:latin typeface="Courier New" panose="02070309020205020404" pitchFamily="49" charset="0"/>
+              </a:rPr>
+              <a:t>() ) (conv4): Sequential( (0): Conv2d(256, 512, </a:t>
+            </a:r>
+            <a:r>
+              <a:rPr lang="en-US" sz="1050" b="0" i="0" dirty="0" err="1">
+                <a:solidFill>
+                  <a:srgbClr val="212121"/>
+                </a:solidFill>
+                <a:effectLst/>
+                <a:latin typeface="Courier New" panose="02070309020205020404" pitchFamily="49" charset="0"/>
+              </a:rPr>
+              <a:t>kernel_size</a:t>
+            </a:r>
+            <a:r>
+              <a:rPr lang="en-US" sz="1050" b="0" i="0" dirty="0">
+                <a:solidFill>
+                  <a:srgbClr val="212121"/>
+                </a:solidFill>
+                <a:effectLst/>
+                <a:latin typeface="Courier New" panose="02070309020205020404" pitchFamily="49" charset="0"/>
+              </a:rPr>
+              <a:t>=(3, 3), stride=(1, 1), padding=(1, 1)) (1): InstanceNorm2d(512, eps=1e-05, momentum=0.1, affine=False, </a:t>
+            </a:r>
+            <a:r>
+              <a:rPr lang="en-US" sz="1050" b="0" i="0" dirty="0" err="1">
+                <a:solidFill>
+                  <a:srgbClr val="212121"/>
+                </a:solidFill>
+                <a:effectLst/>
+                <a:latin typeface="Courier New" panose="02070309020205020404" pitchFamily="49" charset="0"/>
+              </a:rPr>
+              <a:t>track_running_stats</a:t>
+            </a:r>
+            <a:r>
+              <a:rPr lang="en-US" sz="1050" b="0" i="0" dirty="0">
+                <a:solidFill>
+                  <a:srgbClr val="212121"/>
+                </a:solidFill>
+                <a:effectLst/>
+                <a:latin typeface="Courier New" panose="02070309020205020404" pitchFamily="49" charset="0"/>
+              </a:rPr>
+              <a:t>=False) (2): </a:t>
+            </a:r>
+            <a:r>
+              <a:rPr lang="en-US" sz="1050" b="0" i="0" dirty="0" err="1">
+                <a:solidFill>
+                  <a:srgbClr val="212121"/>
+                </a:solidFill>
+                <a:effectLst/>
+                <a:latin typeface="Courier New" panose="02070309020205020404" pitchFamily="49" charset="0"/>
+              </a:rPr>
+              <a:t>ReLU</a:t>
+            </a:r>
+            <a:r>
+              <a:rPr lang="en-US" sz="1050" b="0" i="0" dirty="0">
+                <a:solidFill>
+                  <a:srgbClr val="212121"/>
+                </a:solidFill>
+                <a:effectLst/>
+                <a:latin typeface="Courier New" panose="02070309020205020404" pitchFamily="49" charset="0"/>
+              </a:rPr>
+              <a:t>() (3): Conv2d(512, 512, </a:t>
+            </a:r>
+            <a:r>
+              <a:rPr lang="en-US" sz="1050" b="0" i="0" dirty="0" err="1">
+                <a:solidFill>
+                  <a:srgbClr val="212121"/>
+                </a:solidFill>
+                <a:effectLst/>
+                <a:latin typeface="Courier New" panose="02070309020205020404" pitchFamily="49" charset="0"/>
+              </a:rPr>
+              <a:t>kernel_size</a:t>
+            </a:r>
+            <a:r>
+              <a:rPr lang="en-US" sz="1050" b="0" i="0" dirty="0">
+                <a:solidFill>
+                  <a:srgbClr val="212121"/>
+                </a:solidFill>
+                <a:effectLst/>
+                <a:latin typeface="Courier New" panose="02070309020205020404" pitchFamily="49" charset="0"/>
+              </a:rPr>
+              <a:t>=(3, 3), stride=(1, 1), padding=(1, 1)) (4): InstanceNorm2d(512, eps=1e-05, momentum=0.1, affine=False, </a:t>
+            </a:r>
+            <a:r>
+              <a:rPr lang="en-US" sz="1050" b="0" i="0" dirty="0" err="1">
+                <a:solidFill>
+                  <a:srgbClr val="212121"/>
+                </a:solidFill>
+                <a:effectLst/>
+                <a:latin typeface="Courier New" panose="02070309020205020404" pitchFamily="49" charset="0"/>
+              </a:rPr>
+              <a:t>track_running_stats</a:t>
+            </a:r>
+            <a:r>
+              <a:rPr lang="en-US" sz="1050" b="0" i="0" dirty="0">
+                <a:solidFill>
+                  <a:srgbClr val="212121"/>
+                </a:solidFill>
+                <a:effectLst/>
+                <a:latin typeface="Courier New" panose="02070309020205020404" pitchFamily="49" charset="0"/>
+              </a:rPr>
+              <a:t>=False) (5): </a:t>
+            </a:r>
+            <a:r>
+              <a:rPr lang="en-US" sz="1050" b="0" i="0" dirty="0" err="1">
+                <a:solidFill>
+                  <a:srgbClr val="212121"/>
+                </a:solidFill>
+                <a:effectLst/>
+                <a:latin typeface="Courier New" panose="02070309020205020404" pitchFamily="49" charset="0"/>
+              </a:rPr>
+              <a:t>ReLU</a:t>
+            </a:r>
+            <a:r>
+              <a:rPr lang="en-US" sz="1050" b="0" i="0" dirty="0">
+                <a:solidFill>
+                  <a:srgbClr val="212121"/>
+                </a:solidFill>
+                <a:effectLst/>
+                <a:latin typeface="Courier New" panose="02070309020205020404" pitchFamily="49" charset="0"/>
+              </a:rPr>
+              <a:t>()</a:t>
+            </a:r>
+            <a:endParaRPr lang="en-IL" sz="1050" dirty="0"/>
+          </a:p>
+        </p:txBody>
+      </p:sp>
+    </p:spTree>
+    <p:extLst>
+      <p:ext uri="{BB962C8B-B14F-4D97-AF65-F5344CB8AC3E}">
+        <p14:creationId xmlns:p14="http://schemas.microsoft.com/office/powerpoint/2010/main" val="656776588"/>
+      </p:ext>
+    </p:extLst>
+  </p:cSld>
+  <p:clrMapOvr>
+    <a:masterClrMapping/>
+  </p:clrMapOvr>
+</p:sld>
+</file>
+
+<file path=ppt/slides/slide14.xml><?xml version="1.0" encoding="utf-8"?>
+<p:sld xmlns:a="http://schemas.openxmlformats.org/drawingml/2006/main" xmlns:r="http://schemas.openxmlformats.org/officeDocument/2006/relationships" xmlns:p="http://schemas.openxmlformats.org/presentationml/2006/main">
+  <p:cSld>
+    <p:bg>
+      <p:bgPr>
+        <a:solidFill>
+          <a:schemeClr val="bg1"/>
+        </a:solidFill>
+        <a:effectLst/>
+      </p:bgPr>
+    </p:bg>
+    <p:spTree>
+      <p:nvGrpSpPr>
+        <p:cNvPr id="1" name=""/>
+        <p:cNvGrpSpPr/>
+        <p:nvPr/>
+      </p:nvGrpSpPr>
+      <p:grpSpPr>
+        <a:xfrm>
+          <a:off x="0" y="0"/>
+          <a:ext cx="0" cy="0"/>
+          <a:chOff x="0" y="0"/>
+          <a:chExt cx="0" cy="0"/>
+        </a:xfrm>
+      </p:grpSpPr>
+      <p:sp>
+        <p:nvSpPr>
+          <p:cNvPr id="4104" name="Rectangle 4103">
+            <a:extLst>
+              <a:ext uri="{FF2B5EF4-FFF2-40B4-BE49-F238E27FC236}">
+                <a16:creationId xmlns:a16="http://schemas.microsoft.com/office/drawing/2014/main" id="{73C994B4-9721-4148-9EEC-6793CECDE8DD}"/>
+              </a:ext>
+              <a:ext uri="{C183D7F6-B498-43B3-948B-1728B52AA6E4}">
+                <adec:decorative xmlns:adec="http://schemas.microsoft.com/office/drawing/2017/decorative" val="1"/>
+              </a:ext>
+            </a:extLst>
+          </p:cNvPr>
+          <p:cNvSpPr>
+            <a:spLocks noGrp="1" noRot="1" noChangeAspect="1" noMove="1" noResize="1" noEditPoints="1" noAdjustHandles="1" noChangeArrowheads="1" noChangeShapeType="1" noTextEdit="1"/>
+          </p:cNvSpPr>
+          <p:nvPr>
+            <p:extLst>
+              <p:ext uri="{386F3935-93C4-4BCD-93E2-E3B085C9AB24}">
+                <p16:designElem xmlns:p16="http://schemas.microsoft.com/office/powerpoint/2015/main" val="1"/>
+              </p:ext>
+            </p:extLst>
+          </p:nvPr>
+        </p:nvSpPr>
+        <p:spPr bwMode="white">
+          <a:xfrm>
+            <a:off x="1523" y="-1"/>
+            <a:ext cx="12188952" cy="6858000"/>
+          </a:xfrm>
+          <a:prstGeom prst="rect">
+            <a:avLst/>
+          </a:prstGeom>
+          <a:noFill/>
+          <a:ln>
+            <a:noFill/>
+          </a:ln>
+        </p:spPr>
+        <p:style>
+          <a:lnRef idx="2">
+            <a:schemeClr val="accent1">
+              <a:shade val="50000"/>
+            </a:schemeClr>
+          </a:lnRef>
+          <a:fillRef idx="1">
+            <a:schemeClr val="accent1"/>
+          </a:fillRef>
+          <a:effectRef idx="0">
+            <a:schemeClr val="accent1"/>
+          </a:effectRef>
+          <a:fontRef idx="minor">
+            <a:schemeClr val="lt1"/>
+          </a:fontRef>
+        </p:style>
+        <p:txBody>
+          <a:bodyPr rtlCol="0" anchor="ctr"/>
+          <a:lstStyle>
+            <a:defPPr>
+              <a:defRPr lang="en-US"/>
+            </a:defPPr>
+            <a:lvl1pPr marL="0" algn="l" defTabSz="914400" rtl="0" eaLnBrk="1" latinLnBrk="0" hangingPunct="1">
+              <a:defRPr sz="1800" kern="1200">
+                <a:solidFill>
+                  <a:schemeClr val="lt1"/>
+                </a:solidFill>
+                <a:latin typeface="+mn-lt"/>
+                <a:ea typeface="+mn-ea"/>
+                <a:cs typeface="+mn-cs"/>
+              </a:defRPr>
+            </a:lvl1pPr>
+            <a:lvl2pPr marL="457200" algn="l" defTabSz="914400" rtl="0" eaLnBrk="1" latinLnBrk="0" hangingPunct="1">
+              <a:defRPr sz="1800" kern="1200">
+                <a:solidFill>
+                  <a:schemeClr val="lt1"/>
+                </a:solidFill>
+                <a:latin typeface="+mn-lt"/>
+                <a:ea typeface="+mn-ea"/>
+                <a:cs typeface="+mn-cs"/>
+              </a:defRPr>
+            </a:lvl2pPr>
+            <a:lvl3pPr marL="914400" algn="l" defTabSz="914400" rtl="0" eaLnBrk="1" latinLnBrk="0" hangingPunct="1">
+              <a:defRPr sz="1800" kern="1200">
+                <a:solidFill>
+                  <a:schemeClr val="lt1"/>
+                </a:solidFill>
+                <a:latin typeface="+mn-lt"/>
+                <a:ea typeface="+mn-ea"/>
+                <a:cs typeface="+mn-cs"/>
+              </a:defRPr>
+            </a:lvl3pPr>
+            <a:lvl4pPr marL="1371600" algn="l" defTabSz="914400" rtl="0" eaLnBrk="1" latinLnBrk="0" hangingPunct="1">
+              <a:defRPr sz="1800" kern="1200">
+                <a:solidFill>
+                  <a:schemeClr val="lt1"/>
+                </a:solidFill>
+                <a:latin typeface="+mn-lt"/>
+                <a:ea typeface="+mn-ea"/>
+                <a:cs typeface="+mn-cs"/>
+              </a:defRPr>
+            </a:lvl4pPr>
+            <a:lvl5pPr marL="1828800" algn="l" defTabSz="914400" rtl="0" eaLnBrk="1" latinLnBrk="0" hangingPunct="1">
+              <a:defRPr sz="1800" kern="1200">
+                <a:solidFill>
+                  <a:schemeClr val="lt1"/>
+                </a:solidFill>
+                <a:latin typeface="+mn-lt"/>
+                <a:ea typeface="+mn-ea"/>
+                <a:cs typeface="+mn-cs"/>
+              </a:defRPr>
+            </a:lvl5pPr>
+            <a:lvl6pPr marL="2286000" algn="l" defTabSz="914400" rtl="0" eaLnBrk="1" latinLnBrk="0" hangingPunct="1">
+              <a:defRPr sz="1800" kern="1200">
+                <a:solidFill>
+                  <a:schemeClr val="lt1"/>
+                </a:solidFill>
+                <a:latin typeface="+mn-lt"/>
+                <a:ea typeface="+mn-ea"/>
+                <a:cs typeface="+mn-cs"/>
+              </a:defRPr>
+            </a:lvl6pPr>
+            <a:lvl7pPr marL="2743200" algn="l" defTabSz="914400" rtl="0" eaLnBrk="1" latinLnBrk="0" hangingPunct="1">
+              <a:defRPr sz="1800" kern="1200">
+                <a:solidFill>
+                  <a:schemeClr val="lt1"/>
+                </a:solidFill>
+                <a:latin typeface="+mn-lt"/>
+                <a:ea typeface="+mn-ea"/>
+                <a:cs typeface="+mn-cs"/>
+              </a:defRPr>
+            </a:lvl7pPr>
+            <a:lvl8pPr marL="3200400" algn="l" defTabSz="914400" rtl="0" eaLnBrk="1" latinLnBrk="0" hangingPunct="1">
+              <a:defRPr sz="1800" kern="1200">
+                <a:solidFill>
+                  <a:schemeClr val="lt1"/>
+                </a:solidFill>
+                <a:latin typeface="+mn-lt"/>
+                <a:ea typeface="+mn-ea"/>
+                <a:cs typeface="+mn-cs"/>
+              </a:defRPr>
+            </a:lvl8pPr>
+            <a:lvl9pPr marL="3657600" algn="l" defTabSz="914400" rtl="0" eaLnBrk="1" latinLnBrk="0" hangingPunct="1">
+              <a:defRPr sz="1800" kern="1200">
+                <a:solidFill>
+                  <a:schemeClr val="lt1"/>
+                </a:solidFill>
+                <a:latin typeface="+mn-lt"/>
+                <a:ea typeface="+mn-ea"/>
+                <a:cs typeface="+mn-cs"/>
+              </a:defRPr>
+            </a:lvl9pPr>
+          </a:lstStyle>
+          <a:p>
+            <a:pPr algn="ctr"/>
+            <a:endParaRPr lang="en-US"/>
+          </a:p>
+        </p:txBody>
+      </p:sp>
+      <p:sp>
+        <p:nvSpPr>
+          <p:cNvPr id="4106" name="Rectangle 4105">
+            <a:extLst>
+              <a:ext uri="{FF2B5EF4-FFF2-40B4-BE49-F238E27FC236}">
+                <a16:creationId xmlns:a16="http://schemas.microsoft.com/office/drawing/2014/main" id="{F9D95E49-763A-4886-B038-82F734740554}"/>
+              </a:ext>
+              <a:ext uri="{C183D7F6-B498-43B3-948B-1728B52AA6E4}">
+                <adec:decorative xmlns:adec="http://schemas.microsoft.com/office/drawing/2017/decorative" val="1"/>
+              </a:ext>
+            </a:extLst>
+          </p:cNvPr>
+          <p:cNvSpPr>
+            <a:spLocks noGrp="1" noRot="1" noChangeAspect="1" noMove="1" noResize="1" noEditPoints="1" noAdjustHandles="1" noChangeArrowheads="1" noChangeShapeType="1" noTextEdit="1"/>
+          </p:cNvSpPr>
+          <p:nvPr>
+            <p:extLst>
+              <p:ext uri="{386F3935-93C4-4BCD-93E2-E3B085C9AB24}">
+                <p16:designElem xmlns:p16="http://schemas.microsoft.com/office/powerpoint/2015/main" val="1"/>
+              </p:ext>
+            </p:extLst>
+          </p:nvPr>
+        </p:nvSpPr>
+        <p:spPr>
+          <a:xfrm>
+            <a:off x="1524" y="0"/>
+            <a:ext cx="12188952" cy="6858000"/>
+          </a:xfrm>
+          <a:prstGeom prst="rect">
+            <a:avLst/>
+          </a:prstGeom>
+          <a:solidFill>
+            <a:schemeClr val="bg2">
+              <a:alpha val="35000"/>
+            </a:schemeClr>
+          </a:solidFill>
+          <a:ln>
+            <a:noFill/>
+          </a:ln>
+        </p:spPr>
+        <p:style>
+          <a:lnRef idx="2">
+            <a:schemeClr val="accent1">
+              <a:shade val="50000"/>
+            </a:schemeClr>
+          </a:lnRef>
+          <a:fillRef idx="1">
+            <a:schemeClr val="accent1"/>
+          </a:fillRef>
+          <a:effectRef idx="0">
+            <a:schemeClr val="accent1"/>
+          </a:effectRef>
+          <a:fontRef idx="minor">
+            <a:schemeClr val="lt1"/>
+          </a:fontRef>
+        </p:style>
+        <p:txBody>
+          <a:bodyPr rtlCol="0" anchor="ctr"/>
+          <a:lstStyle>
+            <a:defPPr>
+              <a:defRPr lang="en-US"/>
+            </a:defPPr>
+            <a:lvl1pPr marL="0" algn="l" defTabSz="914400" rtl="0" eaLnBrk="1" latinLnBrk="0" hangingPunct="1">
+              <a:defRPr sz="1800" kern="1200">
+                <a:solidFill>
+                  <a:schemeClr val="lt1"/>
+                </a:solidFill>
+                <a:latin typeface="+mn-lt"/>
+                <a:ea typeface="+mn-ea"/>
+                <a:cs typeface="+mn-cs"/>
+              </a:defRPr>
+            </a:lvl1pPr>
+            <a:lvl2pPr marL="457200" algn="l" defTabSz="914400" rtl="0" eaLnBrk="1" latinLnBrk="0" hangingPunct="1">
+              <a:defRPr sz="1800" kern="1200">
+                <a:solidFill>
+                  <a:schemeClr val="lt1"/>
+                </a:solidFill>
+                <a:latin typeface="+mn-lt"/>
+                <a:ea typeface="+mn-ea"/>
+                <a:cs typeface="+mn-cs"/>
+              </a:defRPr>
+            </a:lvl2pPr>
+            <a:lvl3pPr marL="914400" algn="l" defTabSz="914400" rtl="0" eaLnBrk="1" latinLnBrk="0" hangingPunct="1">
+              <a:defRPr sz="1800" kern="1200">
+                <a:solidFill>
+                  <a:schemeClr val="lt1"/>
+                </a:solidFill>
+                <a:latin typeface="+mn-lt"/>
+                <a:ea typeface="+mn-ea"/>
+                <a:cs typeface="+mn-cs"/>
+              </a:defRPr>
+            </a:lvl3pPr>
+            <a:lvl4pPr marL="1371600" algn="l" defTabSz="914400" rtl="0" eaLnBrk="1" latinLnBrk="0" hangingPunct="1">
+              <a:defRPr sz="1800" kern="1200">
+                <a:solidFill>
+                  <a:schemeClr val="lt1"/>
+                </a:solidFill>
+                <a:latin typeface="+mn-lt"/>
+                <a:ea typeface="+mn-ea"/>
+                <a:cs typeface="+mn-cs"/>
+              </a:defRPr>
+            </a:lvl4pPr>
+            <a:lvl5pPr marL="1828800" algn="l" defTabSz="914400" rtl="0" eaLnBrk="1" latinLnBrk="0" hangingPunct="1">
+              <a:defRPr sz="1800" kern="1200">
+                <a:solidFill>
+                  <a:schemeClr val="lt1"/>
+                </a:solidFill>
+                <a:latin typeface="+mn-lt"/>
+                <a:ea typeface="+mn-ea"/>
+                <a:cs typeface="+mn-cs"/>
+              </a:defRPr>
+            </a:lvl5pPr>
+            <a:lvl6pPr marL="2286000" algn="l" defTabSz="914400" rtl="0" eaLnBrk="1" latinLnBrk="0" hangingPunct="1">
+              <a:defRPr sz="1800" kern="1200">
+                <a:solidFill>
+                  <a:schemeClr val="lt1"/>
+                </a:solidFill>
+                <a:latin typeface="+mn-lt"/>
+                <a:ea typeface="+mn-ea"/>
+                <a:cs typeface="+mn-cs"/>
+              </a:defRPr>
+            </a:lvl6pPr>
+            <a:lvl7pPr marL="2743200" algn="l" defTabSz="914400" rtl="0" eaLnBrk="1" latinLnBrk="0" hangingPunct="1">
+              <a:defRPr sz="1800" kern="1200">
+                <a:solidFill>
+                  <a:schemeClr val="lt1"/>
+                </a:solidFill>
+                <a:latin typeface="+mn-lt"/>
+                <a:ea typeface="+mn-ea"/>
+                <a:cs typeface="+mn-cs"/>
+              </a:defRPr>
+            </a:lvl7pPr>
+            <a:lvl8pPr marL="3200400" algn="l" defTabSz="914400" rtl="0" eaLnBrk="1" latinLnBrk="0" hangingPunct="1">
+              <a:defRPr sz="1800" kern="1200">
+                <a:solidFill>
+                  <a:schemeClr val="lt1"/>
+                </a:solidFill>
+                <a:latin typeface="+mn-lt"/>
+                <a:ea typeface="+mn-ea"/>
+                <a:cs typeface="+mn-cs"/>
+              </a:defRPr>
+            </a:lvl8pPr>
+            <a:lvl9pPr marL="3657600" algn="l" defTabSz="914400" rtl="0" eaLnBrk="1" latinLnBrk="0" hangingPunct="1">
+              <a:defRPr sz="1800" kern="1200">
+                <a:solidFill>
+                  <a:schemeClr val="lt1"/>
+                </a:solidFill>
+                <a:latin typeface="+mn-lt"/>
+                <a:ea typeface="+mn-ea"/>
+                <a:cs typeface="+mn-cs"/>
+              </a:defRPr>
+            </a:lvl9pPr>
+          </a:lstStyle>
+          <a:p>
+            <a:pPr algn="ctr"/>
+            <a:endParaRPr lang="en-US"/>
+          </a:p>
+        </p:txBody>
+      </p:sp>
+      <p:sp>
+        <p:nvSpPr>
+          <p:cNvPr id="4108" name="Rectangle 4107">
+            <a:extLst>
+              <a:ext uri="{FF2B5EF4-FFF2-40B4-BE49-F238E27FC236}">
+                <a16:creationId xmlns:a16="http://schemas.microsoft.com/office/drawing/2014/main" id="{4D4D99EB-C4F3-4F0C-91F7-AB4DC2A08E4A}"/>
+              </a:ext>
+              <a:ext uri="{C183D7F6-B498-43B3-948B-1728B52AA6E4}">
+                <adec:decorative xmlns:adec="http://schemas.microsoft.com/office/drawing/2017/decorative" val="1"/>
+              </a:ext>
+            </a:extLst>
+          </p:cNvPr>
+          <p:cNvSpPr>
+            <a:spLocks noGrp="1" noRot="1" noChangeAspect="1" noMove="1" noResize="1" noEditPoints="1" noAdjustHandles="1" noChangeArrowheads="1" noChangeShapeType="1" noTextEdit="1"/>
+          </p:cNvSpPr>
+          <p:nvPr>
+            <p:extLst>
+              <p:ext uri="{386F3935-93C4-4BCD-93E2-E3B085C9AB24}">
+                <p16:designElem xmlns:p16="http://schemas.microsoft.com/office/powerpoint/2015/main" val="1"/>
+              </p:ext>
+            </p:extLst>
+          </p:nvPr>
+        </p:nvSpPr>
+        <p:spPr>
+          <a:xfrm>
+            <a:off x="1478324" y="699899"/>
+            <a:ext cx="10713676" cy="5433318"/>
+          </a:xfrm>
+          <a:prstGeom prst="rect">
+            <a:avLst/>
+          </a:prstGeom>
+          <a:solidFill>
+            <a:schemeClr val="bg1"/>
+          </a:solidFill>
+          <a:ln>
+            <a:noFill/>
+          </a:ln>
+        </p:spPr>
+        <p:style>
+          <a:lnRef idx="2">
+            <a:schemeClr val="accent1">
+              <a:shade val="50000"/>
+            </a:schemeClr>
+          </a:lnRef>
+          <a:fillRef idx="1">
+            <a:schemeClr val="accent1"/>
+          </a:fillRef>
+          <a:effectRef idx="0">
+            <a:schemeClr val="accent1"/>
+          </a:effectRef>
+          <a:fontRef idx="minor">
+            <a:schemeClr val="lt1"/>
+          </a:fontRef>
+        </p:style>
+        <p:txBody>
+          <a:bodyPr rtlCol="0" anchor="ctr"/>
+          <a:lstStyle/>
+          <a:p>
+            <a:pPr algn="ctr"/>
+            <a:endParaRPr lang="en-US"/>
+          </a:p>
+        </p:txBody>
+      </p:sp>
+      <p:sp>
+        <p:nvSpPr>
+          <p:cNvPr id="2" name="Title 1">
+            <a:extLst>
+              <a:ext uri="{FF2B5EF4-FFF2-40B4-BE49-F238E27FC236}">
+                <a16:creationId xmlns:a16="http://schemas.microsoft.com/office/drawing/2014/main" id="{514CD946-ABC4-038D-DD3C-25CA981B531E}"/>
+              </a:ext>
+            </a:extLst>
+          </p:cNvPr>
+          <p:cNvSpPr>
+            <a:spLocks noGrp="1"/>
+          </p:cNvSpPr>
+          <p:nvPr>
+            <p:ph type="ctrTitle"/>
+          </p:nvPr>
+        </p:nvSpPr>
+        <p:spPr>
+          <a:xfrm>
+            <a:off x="422899" y="576263"/>
+            <a:ext cx="5121038" cy="2967606"/>
+          </a:xfrm>
+        </p:spPr>
+        <p:txBody>
+          <a:bodyPr anchor="b">
+            <a:normAutofit/>
+          </a:bodyPr>
+          <a:lstStyle/>
+          <a:p>
+            <a:pPr algn="l"/>
+            <a:r>
+              <a:rPr lang="en-US" sz="4400" dirty="0" err="1"/>
+              <a:t>SegGenerator</a:t>
+            </a:r>
+            <a:endParaRPr lang="en-IL" sz="4400" dirty="0"/>
+          </a:p>
+        </p:txBody>
+      </p:sp>
+      <p:sp>
+        <p:nvSpPr>
+          <p:cNvPr id="4" name="Rectangle 1">
+            <a:extLst>
+              <a:ext uri="{FF2B5EF4-FFF2-40B4-BE49-F238E27FC236}">
+                <a16:creationId xmlns:a16="http://schemas.microsoft.com/office/drawing/2014/main" id="{91CAB3ED-7BAF-64C6-AE9E-DCA23CF5405B}"/>
+              </a:ext>
+            </a:extLst>
+          </p:cNvPr>
+          <p:cNvSpPr>
+            <a:spLocks noGrp="1" noChangeArrowheads="1"/>
+          </p:cNvSpPr>
+          <p:nvPr>
+            <p:ph type="subTitle" idx="1"/>
+          </p:nvPr>
+        </p:nvSpPr>
+        <p:spPr bwMode="auto">
+          <a:xfrm>
+            <a:off x="422898" y="3806724"/>
+            <a:ext cx="4429795" cy="2192683"/>
+          </a:xfrm>
+          <a:prstGeom prst="rect">
+            <a:avLst/>
+          </a:prstGeom>
+          <a:extLst>
+            <a:ext uri="{909E8E84-426E-40DD-AFC4-6F175D3DCCD1}">
+              <a14:hiddenFill xmlns:a14="http://schemas.microsoft.com/office/drawing/2010/main">
+                <a:solidFill>
+                  <a:schemeClr val="accent1"/>
+                </a:solidFill>
+              </a14:hiddenFill>
+            </a:ext>
+            <a:ext uri="{91240B29-F687-4F45-9708-019B960494DF}">
+              <a14:hiddenLine xmlns:a14="http://schemas.microsoft.com/office/drawing/2010/main" w="9525">
+                <a:solidFill>
+                  <a:schemeClr val="tx1"/>
+                </a:solidFill>
+                <a:miter lim="800000"/>
+                <a:headEnd/>
+                <a:tailEnd/>
+              </a14:hiddenLine>
+            </a:ext>
+            <a:ext uri="{AF507438-7753-43E0-B8FC-AC1667EBCBE1}">
+              <a14:hiddenEffects xmlns:a14="http://schemas.microsoft.com/office/drawing/2010/main">
+                <a:effectLst>
+                  <a:outerShdw dist="35921" dir="2700000" algn="ctr" rotWithShape="0">
+                    <a:schemeClr val="bg2"/>
+                  </a:outerShdw>
+                </a:effectLst>
+              </a14:hiddenEffects>
+            </a:ext>
+          </a:extLst>
+        </p:spPr>
+        <p:txBody>
+          <a:bodyPr vert="horz" lIns="0" tIns="0" rIns="0" bIns="0" numCol="1" anchorCtr="0" compatLnSpc="1">
+            <a:prstTxWarp prst="textNoShape">
+              <a:avLst/>
+            </a:prstTxWarp>
+            <a:normAutofit/>
+          </a:bodyPr>
+          <a:lstStyle/>
+          <a:p>
+            <a:pPr marL="0" marR="0" lvl="0" indent="0" algn="l" defTabSz="914400" rtl="0" eaLnBrk="0" fontAlgn="base" latinLnBrk="0" hangingPunct="0">
+              <a:lnSpc>
+                <a:spcPct val="100000"/>
+              </a:lnSpc>
+              <a:spcBef>
+                <a:spcPct val="0"/>
+              </a:spcBef>
+              <a:spcAft>
+                <a:spcPct val="0"/>
+              </a:spcAft>
+              <a:buClrTx/>
+              <a:buSzTx/>
+              <a:buFontTx/>
+              <a:buNone/>
+              <a:tabLst/>
+            </a:pPr>
+            <a:r>
+              <a:rPr kumimoji="0" lang="en-US" altLang="en-IL" sz="2000" b="0" i="0" u="none" strike="noStrike" cap="none" normalizeH="0" baseline="0" dirty="0">
+                <a:ln>
+                  <a:noFill/>
+                </a:ln>
+                <a:solidFill>
+                  <a:schemeClr val="tx1">
+                    <a:lumMod val="75000"/>
+                    <a:lumOff val="25000"/>
+                  </a:schemeClr>
+                </a:solidFill>
+                <a:effectLst/>
+                <a:latin typeface="Söhne"/>
+              </a:rPr>
+              <a:t>Semantic segmentation pipeline designed for human parsing. Its primary function is to process input data and produce a detailed segmentation map that identifies various human body parts and clothing items.</a:t>
+            </a:r>
+            <a:endParaRPr kumimoji="0" lang="en-IL" altLang="en-IL" sz="2000" b="0" i="0" u="none" strike="noStrike" cap="none" normalizeH="0" baseline="0" dirty="0">
+              <a:ln>
+                <a:noFill/>
+              </a:ln>
+              <a:solidFill>
+                <a:schemeClr val="tx1">
+                  <a:lumMod val="75000"/>
+                  <a:lumOff val="25000"/>
+                </a:schemeClr>
+              </a:solidFill>
+              <a:effectLst/>
+              <a:latin typeface="Söhne"/>
+            </a:endParaRPr>
+          </a:p>
+        </p:txBody>
+      </p:sp>
+      <p:sp>
+        <p:nvSpPr>
+          <p:cNvPr id="4110" name="Rectangle 4109">
+            <a:extLst>
+              <a:ext uri="{FF2B5EF4-FFF2-40B4-BE49-F238E27FC236}">
+                <a16:creationId xmlns:a16="http://schemas.microsoft.com/office/drawing/2014/main" id="{04B69146-C1C0-4B58-86FC-34F3390EBAE8}"/>
+              </a:ext>
+              <a:ext uri="{C183D7F6-B498-43B3-948B-1728B52AA6E4}">
+                <adec:decorative xmlns:adec="http://schemas.microsoft.com/office/drawing/2017/decorative" val="1"/>
+              </a:ext>
+            </a:extLst>
+          </p:cNvPr>
+          <p:cNvSpPr>
+            <a:spLocks noGrp="1" noRot="1" noChangeAspect="1" noMove="1" noResize="1" noEditPoints="1" noAdjustHandles="1" noChangeArrowheads="1" noChangeShapeType="1" noTextEdit="1"/>
+          </p:cNvSpPr>
+          <p:nvPr>
+            <p:extLst>
+              <p:ext uri="{386F3935-93C4-4BCD-93E2-E3B085C9AB24}">
+                <p16:designElem xmlns:p16="http://schemas.microsoft.com/office/powerpoint/2015/main" val="1"/>
+              </p:ext>
+            </p:extLst>
+          </p:nvPr>
+        </p:nvSpPr>
+        <p:spPr>
+          <a:xfrm rot="10800000">
+            <a:off x="11364091" y="698677"/>
+            <a:ext cx="826383" cy="5479134"/>
+          </a:xfrm>
+          <a:prstGeom prst="rect">
+            <a:avLst/>
+          </a:prstGeom>
+          <a:solidFill>
+            <a:schemeClr val="accent1">
+              <a:alpha val="25000"/>
+            </a:schemeClr>
+          </a:solidFill>
+          <a:ln w="25400" cap="flat">
+            <a:noFill/>
+            <a:prstDash val="solid"/>
+            <a:round/>
+          </a:ln>
+          <a:effectLst/>
+          <a:sp3d/>
+        </p:spPr>
+        <p:style>
+          <a:lnRef idx="0">
+            <a:scrgbClr r="0" g="0" b="0"/>
+          </a:lnRef>
+          <a:fillRef idx="0">
+            <a:scrgbClr r="0" g="0" b="0"/>
+          </a:fillRef>
+          <a:effectRef idx="0">
+            <a:scrgbClr r="0" g="0" b="0"/>
+          </a:effectRef>
+          <a:fontRef idx="none"/>
+        </p:style>
+        <p:txBody>
+          <a:bodyPr rot="0" spcFirstLastPara="1" vertOverflow="overflow" horzOverflow="overflow" vert="horz" wrap="square" lIns="0" tIns="0" rIns="0" bIns="0" numCol="1" spcCol="38100" rtlCol="0" anchor="ctr">
+            <a:spAutoFit/>
+          </a:bodyPr>
+          <a:lstStyle/>
+          <a:p>
+            <a:pPr marL="0" marR="0" indent="0" algn="ctr" defTabSz="825500" rtl="0" fontAlgn="auto" latinLnBrk="0" hangingPunct="0">
+              <a:lnSpc>
+                <a:spcPct val="100000"/>
+              </a:lnSpc>
+              <a:spcBef>
+                <a:spcPts val="0"/>
+              </a:spcBef>
+              <a:spcAft>
+                <a:spcPts val="0"/>
+              </a:spcAft>
+              <a:buClrTx/>
+              <a:buSzTx/>
+              <a:buFontTx/>
+              <a:buNone/>
+              <a:tabLst/>
+            </a:pPr>
+            <a:endParaRPr kumimoji="0" lang="en-US" sz="3000" b="0" i="0" u="none" strike="noStrike" cap="none" spc="0" normalizeH="0" baseline="0">
+              <a:ln>
+                <a:noFill/>
+              </a:ln>
+              <a:solidFill>
+                <a:srgbClr val="000000"/>
+              </a:solidFill>
+              <a:effectLst/>
+              <a:uFillTx/>
+              <a:latin typeface="Helvetica Neue Medium"/>
+              <a:ea typeface="Helvetica Neue Medium"/>
+              <a:cs typeface="Helvetica Neue Medium"/>
+              <a:sym typeface="Helvetica Neue Medium"/>
+            </a:endParaRPr>
+          </a:p>
+        </p:txBody>
+      </p:sp>
+      <p:cxnSp>
+        <p:nvCxnSpPr>
+          <p:cNvPr id="4112" name="Straight Connector 4111">
+            <a:extLst>
+              <a:ext uri="{FF2B5EF4-FFF2-40B4-BE49-F238E27FC236}">
+                <a16:creationId xmlns:a16="http://schemas.microsoft.com/office/drawing/2014/main" id="{EC540AD5-A993-4DA3-B064-D004E2CC655D}"/>
+              </a:ext>
+              <a:ext uri="{C183D7F6-B498-43B3-948B-1728B52AA6E4}">
+                <adec:decorative xmlns:adec="http://schemas.microsoft.com/office/drawing/2017/decorative" val="1"/>
+              </a:ext>
+            </a:extLst>
+          </p:cNvPr>
+          <p:cNvCxnSpPr>
+            <a:cxnSpLocks noGrp="1" noRot="1" noChangeAspect="1" noMove="1" noResize="1" noEditPoints="1" noAdjustHandles="1" noChangeArrowheads="1" noChangeShapeType="1"/>
+          </p:cNvCxnSpPr>
+          <p:nvPr>
+            <p:extLst>
+              <p:ext uri="{386F3935-93C4-4BCD-93E2-E3B085C9AB24}">
+                <p16:designElem xmlns:p16="http://schemas.microsoft.com/office/powerpoint/2015/main" val="1"/>
+              </p:ext>
+            </p:extLst>
+          </p:nvPr>
+        </p:nvCxnSpPr>
+        <p:spPr>
+          <a:xfrm flipV="1">
+            <a:off x="11496184" y="5610"/>
+            <a:ext cx="0" cy="6858000"/>
+          </a:xfrm>
+          <a:prstGeom prst="line">
+            <a:avLst/>
+          </a:prstGeom>
+          <a:ln w="9525" cap="rnd">
+            <a:solidFill>
+              <a:srgbClr val="F371A3"/>
+            </a:solidFill>
+            <a:prstDash val="dash"/>
+          </a:ln>
+        </p:spPr>
+        <p:style>
+          <a:lnRef idx="1">
+            <a:schemeClr val="accent1"/>
+          </a:lnRef>
+          <a:fillRef idx="0">
+            <a:schemeClr val="accent1"/>
+          </a:fillRef>
+          <a:effectRef idx="0">
+            <a:schemeClr val="accent1"/>
+          </a:effectRef>
+          <a:fontRef idx="minor">
+            <a:schemeClr val="tx1"/>
+          </a:fontRef>
+        </p:style>
+      </p:cxnSp>
+      <p:cxnSp>
+        <p:nvCxnSpPr>
+          <p:cNvPr id="4114" name="Straight Connector 4113">
+            <a:extLst>
+              <a:ext uri="{FF2B5EF4-FFF2-40B4-BE49-F238E27FC236}">
+                <a16:creationId xmlns:a16="http://schemas.microsoft.com/office/drawing/2014/main" id="{8E6A9698-2C5E-4B0F-B3FA-0CE9BCA6E1AC}"/>
+              </a:ext>
+              <a:ext uri="{C183D7F6-B498-43B3-948B-1728B52AA6E4}">
+                <adec:decorative xmlns:adec="http://schemas.microsoft.com/office/drawing/2017/decorative" val="1"/>
+              </a:ext>
+            </a:extLst>
+          </p:cNvPr>
+          <p:cNvCxnSpPr>
+            <a:cxnSpLocks noGrp="1" noRot="1" noChangeAspect="1" noMove="1" noResize="1" noEditPoints="1" noAdjustHandles="1" noChangeArrowheads="1" noChangeShapeType="1"/>
+          </p:cNvCxnSpPr>
+          <p:nvPr>
+            <p:extLst>
+              <p:ext uri="{386F3935-93C4-4BCD-93E2-E3B085C9AB24}">
+                <p16:designElem xmlns:p16="http://schemas.microsoft.com/office/powerpoint/2015/main" val="1"/>
+              </p:ext>
+            </p:extLst>
+          </p:nvPr>
+        </p:nvCxnSpPr>
+        <p:spPr>
+          <a:xfrm>
+            <a:off x="1524" y="6172200"/>
+            <a:ext cx="12192000" cy="0"/>
+          </a:xfrm>
+          <a:prstGeom prst="line">
+            <a:avLst/>
+          </a:prstGeom>
+          <a:ln w="9525" cap="rnd">
+            <a:solidFill>
+              <a:srgbClr val="F371A3"/>
+            </a:solidFill>
+            <a:prstDash val="dash"/>
+          </a:ln>
+        </p:spPr>
+        <p:style>
+          <a:lnRef idx="1">
+            <a:schemeClr val="accent1"/>
+          </a:lnRef>
+          <a:fillRef idx="0">
+            <a:schemeClr val="accent1"/>
+          </a:fillRef>
+          <a:effectRef idx="0">
+            <a:schemeClr val="accent1"/>
+          </a:effectRef>
+          <a:fontRef idx="minor">
+            <a:schemeClr val="tx1"/>
+          </a:fontRef>
+        </p:style>
+      </p:cxnSp>
+      <p:pic>
+        <p:nvPicPr>
+          <p:cNvPr id="5" name="Picture 4">
+            <a:extLst>
+              <a:ext uri="{FF2B5EF4-FFF2-40B4-BE49-F238E27FC236}">
+                <a16:creationId xmlns:a16="http://schemas.microsoft.com/office/drawing/2014/main" id="{834EA314-87CF-55DB-5B79-406141F80EA1}"/>
+              </a:ext>
+            </a:extLst>
+          </p:cNvPr>
+          <p:cNvPicPr>
+            <a:picLocks noChangeAspect="1"/>
+          </p:cNvPicPr>
+          <p:nvPr/>
+        </p:nvPicPr>
+        <p:blipFill>
+          <a:blip r:embed="rId3"/>
+          <a:stretch>
+            <a:fillRect/>
+          </a:stretch>
+        </p:blipFill>
+        <p:spPr>
+          <a:xfrm>
+            <a:off x="5995526" y="1797103"/>
+            <a:ext cx="5049068" cy="3807302"/>
+          </a:xfrm>
+          <a:prstGeom prst="rect">
+            <a:avLst/>
+          </a:prstGeom>
+        </p:spPr>
+      </p:pic>
+      <p:sp>
+        <p:nvSpPr>
+          <p:cNvPr id="6" name="TextBox 5">
+            <a:extLst>
+              <a:ext uri="{FF2B5EF4-FFF2-40B4-BE49-F238E27FC236}">
+                <a16:creationId xmlns:a16="http://schemas.microsoft.com/office/drawing/2014/main" id="{98F01D03-1B6C-77F6-68BA-D1D809DFCD8E}"/>
+              </a:ext>
+            </a:extLst>
+          </p:cNvPr>
+          <p:cNvSpPr txBox="1"/>
+          <p:nvPr/>
+        </p:nvSpPr>
+        <p:spPr>
+          <a:xfrm>
+            <a:off x="5988986" y="5643388"/>
+            <a:ext cx="5507198" cy="492443"/>
+          </a:xfrm>
+          <a:prstGeom prst="rect">
+            <a:avLst/>
+          </a:prstGeom>
+          <a:noFill/>
+        </p:spPr>
+        <p:txBody>
+          <a:bodyPr wrap="square" rtlCol="0">
+            <a:spAutoFit/>
+          </a:bodyPr>
+          <a:lstStyle/>
+          <a:p>
+            <a:r>
+              <a:rPr lang="en-US" sz="1400" b="1" dirty="0"/>
+              <a:t>from the paper: </a:t>
+            </a:r>
+            <a:r>
+              <a:rPr lang="en-US" sz="1200" dirty="0"/>
+              <a:t>"VITON-HD: High-Resolution Virtual Try-On via Misalignment-Aware Normalization" by </a:t>
+            </a:r>
+            <a:r>
+              <a:rPr lang="en-US" sz="1200" dirty="0" err="1"/>
+              <a:t>Choi,Park,Lee</a:t>
+            </a:r>
+            <a:r>
+              <a:rPr lang="en-US" sz="1200" dirty="0"/>
+              <a:t> and Choo in 2021.</a:t>
+            </a:r>
+            <a:endParaRPr lang="en-IL" sz="1200" dirty="0"/>
+          </a:p>
+        </p:txBody>
+      </p:sp>
+    </p:spTree>
+    <p:extLst>
+      <p:ext uri="{BB962C8B-B14F-4D97-AF65-F5344CB8AC3E}">
+        <p14:creationId xmlns:p14="http://schemas.microsoft.com/office/powerpoint/2010/main" val="194253938"/>
+      </p:ext>
+    </p:extLst>
+  </p:cSld>
+  <p:clrMapOvr>
+    <a:masterClrMapping/>
+  </p:clrMapOvr>
+</p:sld>
+</file>
+
+<file path=ppt/slides/slide15.xml><?xml version="1.0" encoding="utf-8"?>
+<p:sld xmlns:a="http://schemas.openxmlformats.org/drawingml/2006/main" xmlns:r="http://schemas.openxmlformats.org/officeDocument/2006/relationships" xmlns:p="http://schemas.openxmlformats.org/presentationml/2006/main">
+  <p:cSld>
+    <p:bg>
+      <p:bgPr>
+        <a:solidFill>
+          <a:schemeClr val="bg1"/>
+        </a:solidFill>
+        <a:effectLst/>
+      </p:bgPr>
+    </p:bg>
+    <p:spTree>
+      <p:nvGrpSpPr>
+        <p:cNvPr id="1" name=""/>
+        <p:cNvGrpSpPr/>
+        <p:nvPr/>
+      </p:nvGrpSpPr>
+      <p:grpSpPr>
+        <a:xfrm>
+          <a:off x="0" y="0"/>
+          <a:ext cx="0" cy="0"/>
+          <a:chOff x="0" y="0"/>
+          <a:chExt cx="0" cy="0"/>
+        </a:xfrm>
+      </p:grpSpPr>
+      <p:sp>
+        <p:nvSpPr>
+          <p:cNvPr id="4104" name="Rectangle 4103">
+            <a:extLst>
+              <a:ext uri="{FF2B5EF4-FFF2-40B4-BE49-F238E27FC236}">
+                <a16:creationId xmlns:a16="http://schemas.microsoft.com/office/drawing/2014/main" id="{73C994B4-9721-4148-9EEC-6793CECDE8DD}"/>
+              </a:ext>
+              <a:ext uri="{C183D7F6-B498-43B3-948B-1728B52AA6E4}">
+                <adec:decorative xmlns:adec="http://schemas.microsoft.com/office/drawing/2017/decorative" val="1"/>
+              </a:ext>
+            </a:extLst>
+          </p:cNvPr>
+          <p:cNvSpPr>
+            <a:spLocks noGrp="1" noRot="1" noChangeAspect="1" noMove="1" noResize="1" noEditPoints="1" noAdjustHandles="1" noChangeArrowheads="1" noChangeShapeType="1" noTextEdit="1"/>
+          </p:cNvSpPr>
+          <p:nvPr>
+            <p:extLst>
+              <p:ext uri="{386F3935-93C4-4BCD-93E2-E3B085C9AB24}">
+                <p16:designElem xmlns:p16="http://schemas.microsoft.com/office/powerpoint/2015/main" val="1"/>
+              </p:ext>
+            </p:extLst>
+          </p:nvPr>
+        </p:nvSpPr>
+        <p:spPr bwMode="white">
+          <a:xfrm>
+            <a:off x="1523" y="-1"/>
+            <a:ext cx="12188952" cy="6858000"/>
+          </a:xfrm>
+          <a:prstGeom prst="rect">
+            <a:avLst/>
+          </a:prstGeom>
+          <a:noFill/>
+          <a:ln>
+            <a:noFill/>
+          </a:ln>
+        </p:spPr>
+        <p:style>
+          <a:lnRef idx="2">
+            <a:schemeClr val="accent1">
+              <a:shade val="50000"/>
+            </a:schemeClr>
+          </a:lnRef>
+          <a:fillRef idx="1">
+            <a:schemeClr val="accent1"/>
+          </a:fillRef>
+          <a:effectRef idx="0">
+            <a:schemeClr val="accent1"/>
+          </a:effectRef>
+          <a:fontRef idx="minor">
+            <a:schemeClr val="lt1"/>
+          </a:fontRef>
+        </p:style>
+        <p:txBody>
+          <a:bodyPr rtlCol="0" anchor="ctr"/>
+          <a:lstStyle>
+            <a:defPPr>
+              <a:defRPr lang="en-US"/>
+            </a:defPPr>
+            <a:lvl1pPr marL="0" algn="l" defTabSz="914400" rtl="0" eaLnBrk="1" latinLnBrk="0" hangingPunct="1">
+              <a:defRPr sz="1800" kern="1200">
+                <a:solidFill>
+                  <a:schemeClr val="lt1"/>
+                </a:solidFill>
+                <a:latin typeface="+mn-lt"/>
+                <a:ea typeface="+mn-ea"/>
+                <a:cs typeface="+mn-cs"/>
+              </a:defRPr>
+            </a:lvl1pPr>
+            <a:lvl2pPr marL="457200" algn="l" defTabSz="914400" rtl="0" eaLnBrk="1" latinLnBrk="0" hangingPunct="1">
+              <a:defRPr sz="1800" kern="1200">
+                <a:solidFill>
+                  <a:schemeClr val="lt1"/>
+                </a:solidFill>
+                <a:latin typeface="+mn-lt"/>
+                <a:ea typeface="+mn-ea"/>
+                <a:cs typeface="+mn-cs"/>
+              </a:defRPr>
+            </a:lvl2pPr>
+            <a:lvl3pPr marL="914400" algn="l" defTabSz="914400" rtl="0" eaLnBrk="1" latinLnBrk="0" hangingPunct="1">
+              <a:defRPr sz="1800" kern="1200">
+                <a:solidFill>
+                  <a:schemeClr val="lt1"/>
+                </a:solidFill>
+                <a:latin typeface="+mn-lt"/>
+                <a:ea typeface="+mn-ea"/>
+                <a:cs typeface="+mn-cs"/>
+              </a:defRPr>
+            </a:lvl3pPr>
+            <a:lvl4pPr marL="1371600" algn="l" defTabSz="914400" rtl="0" eaLnBrk="1" latinLnBrk="0" hangingPunct="1">
+              <a:defRPr sz="1800" kern="1200">
+                <a:solidFill>
+                  <a:schemeClr val="lt1"/>
+                </a:solidFill>
+                <a:latin typeface="+mn-lt"/>
+                <a:ea typeface="+mn-ea"/>
+                <a:cs typeface="+mn-cs"/>
+              </a:defRPr>
+            </a:lvl4pPr>
+            <a:lvl5pPr marL="1828800" algn="l" defTabSz="914400" rtl="0" eaLnBrk="1" latinLnBrk="0" hangingPunct="1">
+              <a:defRPr sz="1800" kern="1200">
+                <a:solidFill>
+                  <a:schemeClr val="lt1"/>
+                </a:solidFill>
+                <a:latin typeface="+mn-lt"/>
+                <a:ea typeface="+mn-ea"/>
+                <a:cs typeface="+mn-cs"/>
+              </a:defRPr>
+            </a:lvl5pPr>
+            <a:lvl6pPr marL="2286000" algn="l" defTabSz="914400" rtl="0" eaLnBrk="1" latinLnBrk="0" hangingPunct="1">
+              <a:defRPr sz="1800" kern="1200">
+                <a:solidFill>
+                  <a:schemeClr val="lt1"/>
+                </a:solidFill>
+                <a:latin typeface="+mn-lt"/>
+                <a:ea typeface="+mn-ea"/>
+                <a:cs typeface="+mn-cs"/>
+              </a:defRPr>
+            </a:lvl6pPr>
+            <a:lvl7pPr marL="2743200" algn="l" defTabSz="914400" rtl="0" eaLnBrk="1" latinLnBrk="0" hangingPunct="1">
+              <a:defRPr sz="1800" kern="1200">
+                <a:solidFill>
+                  <a:schemeClr val="lt1"/>
+                </a:solidFill>
+                <a:latin typeface="+mn-lt"/>
+                <a:ea typeface="+mn-ea"/>
+                <a:cs typeface="+mn-cs"/>
+              </a:defRPr>
+            </a:lvl7pPr>
+            <a:lvl8pPr marL="3200400" algn="l" defTabSz="914400" rtl="0" eaLnBrk="1" latinLnBrk="0" hangingPunct="1">
+              <a:defRPr sz="1800" kern="1200">
+                <a:solidFill>
+                  <a:schemeClr val="lt1"/>
+                </a:solidFill>
+                <a:latin typeface="+mn-lt"/>
+                <a:ea typeface="+mn-ea"/>
+                <a:cs typeface="+mn-cs"/>
+              </a:defRPr>
+            </a:lvl8pPr>
+            <a:lvl9pPr marL="3657600" algn="l" defTabSz="914400" rtl="0" eaLnBrk="1" latinLnBrk="0" hangingPunct="1">
+              <a:defRPr sz="1800" kern="1200">
+                <a:solidFill>
+                  <a:schemeClr val="lt1"/>
+                </a:solidFill>
+                <a:latin typeface="+mn-lt"/>
+                <a:ea typeface="+mn-ea"/>
+                <a:cs typeface="+mn-cs"/>
+              </a:defRPr>
+            </a:lvl9pPr>
+          </a:lstStyle>
+          <a:p>
+            <a:pPr algn="ctr"/>
+            <a:endParaRPr lang="en-US"/>
+          </a:p>
+        </p:txBody>
+      </p:sp>
+      <p:sp>
+        <p:nvSpPr>
+          <p:cNvPr id="4106" name="Rectangle 4105">
+            <a:extLst>
+              <a:ext uri="{FF2B5EF4-FFF2-40B4-BE49-F238E27FC236}">
+                <a16:creationId xmlns:a16="http://schemas.microsoft.com/office/drawing/2014/main" id="{F9D95E49-763A-4886-B038-82F734740554}"/>
+              </a:ext>
+              <a:ext uri="{C183D7F6-B498-43B3-948B-1728B52AA6E4}">
+                <adec:decorative xmlns:adec="http://schemas.microsoft.com/office/drawing/2017/decorative" val="1"/>
+              </a:ext>
+            </a:extLst>
+          </p:cNvPr>
+          <p:cNvSpPr>
+            <a:spLocks noGrp="1" noRot="1" noChangeAspect="1" noMove="1" noResize="1" noEditPoints="1" noAdjustHandles="1" noChangeArrowheads="1" noChangeShapeType="1" noTextEdit="1"/>
+          </p:cNvSpPr>
+          <p:nvPr>
+            <p:extLst>
+              <p:ext uri="{386F3935-93C4-4BCD-93E2-E3B085C9AB24}">
+                <p16:designElem xmlns:p16="http://schemas.microsoft.com/office/powerpoint/2015/main" val="1"/>
+              </p:ext>
+            </p:extLst>
+          </p:nvPr>
+        </p:nvSpPr>
+        <p:spPr>
+          <a:xfrm>
+            <a:off x="1524" y="0"/>
+            <a:ext cx="12188952" cy="6858000"/>
+          </a:xfrm>
+          <a:prstGeom prst="rect">
+            <a:avLst/>
+          </a:prstGeom>
+          <a:solidFill>
+            <a:schemeClr val="bg2">
+              <a:alpha val="35000"/>
+            </a:schemeClr>
+          </a:solidFill>
+          <a:ln>
+            <a:noFill/>
+          </a:ln>
+        </p:spPr>
+        <p:style>
+          <a:lnRef idx="2">
+            <a:schemeClr val="accent1">
+              <a:shade val="50000"/>
+            </a:schemeClr>
+          </a:lnRef>
+          <a:fillRef idx="1">
+            <a:schemeClr val="accent1"/>
+          </a:fillRef>
+          <a:effectRef idx="0">
+            <a:schemeClr val="accent1"/>
+          </a:effectRef>
+          <a:fontRef idx="minor">
+            <a:schemeClr val="lt1"/>
+          </a:fontRef>
+        </p:style>
+        <p:txBody>
+          <a:bodyPr rtlCol="0" anchor="ctr"/>
+          <a:lstStyle>
+            <a:defPPr>
+              <a:defRPr lang="en-US"/>
+            </a:defPPr>
+            <a:lvl1pPr marL="0" algn="l" defTabSz="914400" rtl="0" eaLnBrk="1" latinLnBrk="0" hangingPunct="1">
+              <a:defRPr sz="1800" kern="1200">
+                <a:solidFill>
+                  <a:schemeClr val="lt1"/>
+                </a:solidFill>
+                <a:latin typeface="+mn-lt"/>
+                <a:ea typeface="+mn-ea"/>
+                <a:cs typeface="+mn-cs"/>
+              </a:defRPr>
+            </a:lvl1pPr>
+            <a:lvl2pPr marL="457200" algn="l" defTabSz="914400" rtl="0" eaLnBrk="1" latinLnBrk="0" hangingPunct="1">
+              <a:defRPr sz="1800" kern="1200">
+                <a:solidFill>
+                  <a:schemeClr val="lt1"/>
+                </a:solidFill>
+                <a:latin typeface="+mn-lt"/>
+                <a:ea typeface="+mn-ea"/>
+                <a:cs typeface="+mn-cs"/>
+              </a:defRPr>
+            </a:lvl2pPr>
+            <a:lvl3pPr marL="914400" algn="l" defTabSz="914400" rtl="0" eaLnBrk="1" latinLnBrk="0" hangingPunct="1">
+              <a:defRPr sz="1800" kern="1200">
+                <a:solidFill>
+                  <a:schemeClr val="lt1"/>
+                </a:solidFill>
+                <a:latin typeface="+mn-lt"/>
+                <a:ea typeface="+mn-ea"/>
+                <a:cs typeface="+mn-cs"/>
+              </a:defRPr>
+            </a:lvl3pPr>
+            <a:lvl4pPr marL="1371600" algn="l" defTabSz="914400" rtl="0" eaLnBrk="1" latinLnBrk="0" hangingPunct="1">
+              <a:defRPr sz="1800" kern="1200">
+                <a:solidFill>
+                  <a:schemeClr val="lt1"/>
+                </a:solidFill>
+                <a:latin typeface="+mn-lt"/>
+                <a:ea typeface="+mn-ea"/>
+                <a:cs typeface="+mn-cs"/>
+              </a:defRPr>
+            </a:lvl4pPr>
+            <a:lvl5pPr marL="1828800" algn="l" defTabSz="914400" rtl="0" eaLnBrk="1" latinLnBrk="0" hangingPunct="1">
+              <a:defRPr sz="1800" kern="1200">
+                <a:solidFill>
+                  <a:schemeClr val="lt1"/>
+                </a:solidFill>
+                <a:latin typeface="+mn-lt"/>
+                <a:ea typeface="+mn-ea"/>
+                <a:cs typeface="+mn-cs"/>
+              </a:defRPr>
+            </a:lvl5pPr>
+            <a:lvl6pPr marL="2286000" algn="l" defTabSz="914400" rtl="0" eaLnBrk="1" latinLnBrk="0" hangingPunct="1">
+              <a:defRPr sz="1800" kern="1200">
+                <a:solidFill>
+                  <a:schemeClr val="lt1"/>
+                </a:solidFill>
+                <a:latin typeface="+mn-lt"/>
+                <a:ea typeface="+mn-ea"/>
+                <a:cs typeface="+mn-cs"/>
+              </a:defRPr>
+            </a:lvl6pPr>
+            <a:lvl7pPr marL="2743200" algn="l" defTabSz="914400" rtl="0" eaLnBrk="1" latinLnBrk="0" hangingPunct="1">
+              <a:defRPr sz="1800" kern="1200">
+                <a:solidFill>
+                  <a:schemeClr val="lt1"/>
+                </a:solidFill>
+                <a:latin typeface="+mn-lt"/>
+                <a:ea typeface="+mn-ea"/>
+                <a:cs typeface="+mn-cs"/>
+              </a:defRPr>
+            </a:lvl7pPr>
+            <a:lvl8pPr marL="3200400" algn="l" defTabSz="914400" rtl="0" eaLnBrk="1" latinLnBrk="0" hangingPunct="1">
+              <a:defRPr sz="1800" kern="1200">
+                <a:solidFill>
+                  <a:schemeClr val="lt1"/>
+                </a:solidFill>
+                <a:latin typeface="+mn-lt"/>
+                <a:ea typeface="+mn-ea"/>
+                <a:cs typeface="+mn-cs"/>
+              </a:defRPr>
+            </a:lvl8pPr>
+            <a:lvl9pPr marL="3657600" algn="l" defTabSz="914400" rtl="0" eaLnBrk="1" latinLnBrk="0" hangingPunct="1">
+              <a:defRPr sz="1800" kern="1200">
+                <a:solidFill>
+                  <a:schemeClr val="lt1"/>
+                </a:solidFill>
+                <a:latin typeface="+mn-lt"/>
+                <a:ea typeface="+mn-ea"/>
+                <a:cs typeface="+mn-cs"/>
+              </a:defRPr>
+            </a:lvl9pPr>
+          </a:lstStyle>
+          <a:p>
+            <a:pPr algn="ctr"/>
+            <a:endParaRPr lang="en-US"/>
+          </a:p>
+        </p:txBody>
+      </p:sp>
+      <p:sp>
+        <p:nvSpPr>
+          <p:cNvPr id="4108" name="Rectangle 4107">
+            <a:extLst>
+              <a:ext uri="{FF2B5EF4-FFF2-40B4-BE49-F238E27FC236}">
+                <a16:creationId xmlns:a16="http://schemas.microsoft.com/office/drawing/2014/main" id="{4D4D99EB-C4F3-4F0C-91F7-AB4DC2A08E4A}"/>
+              </a:ext>
+              <a:ext uri="{C183D7F6-B498-43B3-948B-1728B52AA6E4}">
+                <adec:decorative xmlns:adec="http://schemas.microsoft.com/office/drawing/2017/decorative" val="1"/>
+              </a:ext>
+            </a:extLst>
+          </p:cNvPr>
+          <p:cNvSpPr>
+            <a:spLocks noGrp="1" noRot="1" noChangeAspect="1" noMove="1" noResize="1" noEditPoints="1" noAdjustHandles="1" noChangeArrowheads="1" noChangeShapeType="1" noTextEdit="1"/>
+          </p:cNvSpPr>
+          <p:nvPr>
+            <p:extLst>
+              <p:ext uri="{386F3935-93C4-4BCD-93E2-E3B085C9AB24}">
+                <p16:designElem xmlns:p16="http://schemas.microsoft.com/office/powerpoint/2015/main" val="1"/>
+              </p:ext>
+            </p:extLst>
+          </p:nvPr>
+        </p:nvSpPr>
+        <p:spPr>
+          <a:xfrm>
+            <a:off x="1478324" y="699899"/>
+            <a:ext cx="10713676" cy="5433318"/>
+          </a:xfrm>
+          <a:prstGeom prst="rect">
+            <a:avLst/>
+          </a:prstGeom>
+          <a:solidFill>
+            <a:schemeClr val="bg1"/>
+          </a:solidFill>
+          <a:ln>
+            <a:noFill/>
+          </a:ln>
+        </p:spPr>
+        <p:style>
+          <a:lnRef idx="2">
+            <a:schemeClr val="accent1">
+              <a:shade val="50000"/>
+            </a:schemeClr>
+          </a:lnRef>
+          <a:fillRef idx="1">
+            <a:schemeClr val="accent1"/>
+          </a:fillRef>
+          <a:effectRef idx="0">
+            <a:schemeClr val="accent1"/>
+          </a:effectRef>
+          <a:fontRef idx="minor">
+            <a:schemeClr val="lt1"/>
+          </a:fontRef>
+        </p:style>
+        <p:txBody>
+          <a:bodyPr rtlCol="0" anchor="ctr"/>
+          <a:lstStyle/>
+          <a:p>
+            <a:pPr algn="ctr"/>
+            <a:endParaRPr lang="en-US"/>
+          </a:p>
+        </p:txBody>
+      </p:sp>
+      <p:sp>
+        <p:nvSpPr>
+          <p:cNvPr id="2" name="Title 1">
+            <a:extLst>
+              <a:ext uri="{FF2B5EF4-FFF2-40B4-BE49-F238E27FC236}">
+                <a16:creationId xmlns:a16="http://schemas.microsoft.com/office/drawing/2014/main" id="{514CD946-ABC4-038D-DD3C-25CA981B531E}"/>
+              </a:ext>
+            </a:extLst>
+          </p:cNvPr>
+          <p:cNvSpPr>
+            <a:spLocks noGrp="1"/>
+          </p:cNvSpPr>
+          <p:nvPr>
+            <p:ph type="ctrTitle"/>
+          </p:nvPr>
+        </p:nvSpPr>
+        <p:spPr>
+          <a:xfrm>
+            <a:off x="422899" y="576263"/>
+            <a:ext cx="5121038" cy="2967606"/>
+          </a:xfrm>
+        </p:spPr>
+        <p:txBody>
+          <a:bodyPr anchor="b">
+            <a:normAutofit/>
+          </a:bodyPr>
+          <a:lstStyle/>
+          <a:p>
+            <a:pPr algn="l"/>
+            <a:r>
+              <a:rPr lang="en-US" sz="4400" dirty="0"/>
+              <a:t>Generating the result</a:t>
+            </a:r>
+            <a:endParaRPr lang="en-IL" sz="4400" dirty="0"/>
+          </a:p>
+        </p:txBody>
+      </p:sp>
+      <p:sp>
+        <p:nvSpPr>
+          <p:cNvPr id="4" name="Rectangle 1">
+            <a:extLst>
+              <a:ext uri="{FF2B5EF4-FFF2-40B4-BE49-F238E27FC236}">
+                <a16:creationId xmlns:a16="http://schemas.microsoft.com/office/drawing/2014/main" id="{91CAB3ED-7BAF-64C6-AE9E-DCA23CF5405B}"/>
+              </a:ext>
+            </a:extLst>
+          </p:cNvPr>
+          <p:cNvSpPr>
+            <a:spLocks noGrp="1" noChangeArrowheads="1"/>
+          </p:cNvSpPr>
+          <p:nvPr>
+            <p:ph type="subTitle" idx="1"/>
+          </p:nvPr>
+        </p:nvSpPr>
+        <p:spPr bwMode="auto">
+          <a:xfrm>
+            <a:off x="422899" y="3806724"/>
+            <a:ext cx="3932532" cy="2192683"/>
+          </a:xfrm>
+          <a:prstGeom prst="rect">
+            <a:avLst/>
+          </a:prstGeom>
+          <a:extLst>
+            <a:ext uri="{909E8E84-426E-40DD-AFC4-6F175D3DCCD1}">
+              <a14:hiddenFill xmlns:a14="http://schemas.microsoft.com/office/drawing/2010/main">
+                <a:solidFill>
+                  <a:schemeClr val="accent1"/>
+                </a:solidFill>
+              </a14:hiddenFill>
+            </a:ext>
+            <a:ext uri="{91240B29-F687-4F45-9708-019B960494DF}">
+              <a14:hiddenLine xmlns:a14="http://schemas.microsoft.com/office/drawing/2010/main" w="9525">
+                <a:solidFill>
+                  <a:schemeClr val="tx1"/>
+                </a:solidFill>
+                <a:miter lim="800000"/>
+                <a:headEnd/>
+                <a:tailEnd/>
+              </a14:hiddenLine>
+            </a:ext>
+            <a:ext uri="{AF507438-7753-43E0-B8FC-AC1667EBCBE1}">
+              <a14:hiddenEffects xmlns:a14="http://schemas.microsoft.com/office/drawing/2010/main">
+                <a:effectLst>
+                  <a:outerShdw dist="35921" dir="2700000" algn="ctr" rotWithShape="0">
+                    <a:schemeClr val="bg2"/>
+                  </a:outerShdw>
+                </a:effectLst>
+              </a14:hiddenEffects>
+            </a:ext>
+          </a:extLst>
+        </p:spPr>
+        <p:txBody>
+          <a:bodyPr vert="horz" lIns="0" tIns="0" rIns="0" bIns="0" numCol="1" anchorCtr="0" compatLnSpc="1">
+            <a:prstTxWarp prst="textNoShape">
+              <a:avLst/>
+            </a:prstTxWarp>
+            <a:normAutofit/>
+          </a:bodyPr>
+          <a:lstStyle/>
+          <a:p>
+            <a:pPr marL="0" marR="0" lvl="0" indent="0" algn="l" defTabSz="914400" rtl="0" eaLnBrk="0" fontAlgn="base" latinLnBrk="0" hangingPunct="0">
+              <a:lnSpc>
+                <a:spcPct val="100000"/>
+              </a:lnSpc>
+              <a:spcBef>
+                <a:spcPct val="0"/>
+              </a:spcBef>
+              <a:spcAft>
+                <a:spcPct val="0"/>
+              </a:spcAft>
+              <a:buClrTx/>
+              <a:buSzTx/>
+              <a:buFontTx/>
+              <a:buNone/>
+              <a:tabLst/>
+            </a:pPr>
+            <a:r>
+              <a:rPr kumimoji="0" lang="en-US" altLang="en-IL" sz="2000" b="0" i="0" u="none" strike="noStrike" cap="none" normalizeH="0" baseline="0" dirty="0">
+                <a:ln>
+                  <a:noFill/>
+                </a:ln>
+                <a:solidFill>
+                  <a:schemeClr val="tx1">
+                    <a:lumMod val="75000"/>
+                    <a:lumOff val="25000"/>
+                  </a:schemeClr>
+                </a:solidFill>
+                <a:effectLst/>
+                <a:latin typeface="Söhne"/>
+              </a:rPr>
+              <a:t>These are used to create a new image of the user wearing the requested cloth item. The image is created using </a:t>
+            </a:r>
+            <a:r>
+              <a:rPr kumimoji="0" lang="en-US" altLang="en-IL" sz="2000" b="0" i="0" u="none" strike="noStrike" cap="none" normalizeH="0" baseline="0" dirty="0" err="1">
+                <a:ln>
+                  <a:noFill/>
+                </a:ln>
+                <a:solidFill>
+                  <a:schemeClr val="tx1">
+                    <a:lumMod val="75000"/>
+                    <a:lumOff val="25000"/>
+                  </a:schemeClr>
+                </a:solidFill>
+                <a:effectLst/>
+                <a:latin typeface="Söhne"/>
+              </a:rPr>
+              <a:t>ALIASGenerator</a:t>
+            </a:r>
+            <a:r>
+              <a:rPr kumimoji="0" lang="en-US" altLang="en-IL" sz="2000" b="0" i="0" u="none" strike="noStrike" cap="none" normalizeH="0" baseline="0" dirty="0">
+                <a:ln>
+                  <a:noFill/>
+                </a:ln>
+                <a:solidFill>
+                  <a:schemeClr val="tx1">
+                    <a:lumMod val="75000"/>
+                    <a:lumOff val="25000"/>
+                  </a:schemeClr>
+                </a:solidFill>
+                <a:effectLst/>
+                <a:latin typeface="Söhne"/>
+              </a:rPr>
+              <a:t>.</a:t>
+            </a:r>
+            <a:endParaRPr kumimoji="0" lang="en-IL" altLang="en-IL" sz="2000" b="0" i="0" u="none" strike="noStrike" cap="none" normalizeH="0" baseline="0" dirty="0">
+              <a:ln>
+                <a:noFill/>
+              </a:ln>
+              <a:solidFill>
+                <a:schemeClr val="tx1">
+                  <a:lumMod val="75000"/>
+                  <a:lumOff val="25000"/>
+                </a:schemeClr>
+              </a:solidFill>
+              <a:effectLst/>
+              <a:latin typeface="Söhne"/>
+            </a:endParaRPr>
+          </a:p>
+        </p:txBody>
+      </p:sp>
+      <p:sp>
+        <p:nvSpPr>
+          <p:cNvPr id="4110" name="Rectangle 4109">
+            <a:extLst>
+              <a:ext uri="{FF2B5EF4-FFF2-40B4-BE49-F238E27FC236}">
+                <a16:creationId xmlns:a16="http://schemas.microsoft.com/office/drawing/2014/main" id="{04B69146-C1C0-4B58-86FC-34F3390EBAE8}"/>
+              </a:ext>
+              <a:ext uri="{C183D7F6-B498-43B3-948B-1728B52AA6E4}">
+                <adec:decorative xmlns:adec="http://schemas.microsoft.com/office/drawing/2017/decorative" val="1"/>
+              </a:ext>
+            </a:extLst>
+          </p:cNvPr>
+          <p:cNvSpPr>
+            <a:spLocks noGrp="1" noRot="1" noChangeAspect="1" noMove="1" noResize="1" noEditPoints="1" noAdjustHandles="1" noChangeArrowheads="1" noChangeShapeType="1" noTextEdit="1"/>
+          </p:cNvSpPr>
+          <p:nvPr>
+            <p:extLst>
+              <p:ext uri="{386F3935-93C4-4BCD-93E2-E3B085C9AB24}">
+                <p16:designElem xmlns:p16="http://schemas.microsoft.com/office/powerpoint/2015/main" val="1"/>
+              </p:ext>
+            </p:extLst>
+          </p:nvPr>
+        </p:nvSpPr>
+        <p:spPr>
+          <a:xfrm rot="10800000">
+            <a:off x="11364091" y="698677"/>
+            <a:ext cx="826383" cy="5479134"/>
+          </a:xfrm>
+          <a:prstGeom prst="rect">
+            <a:avLst/>
+          </a:prstGeom>
+          <a:solidFill>
+            <a:schemeClr val="accent1">
+              <a:alpha val="25000"/>
+            </a:schemeClr>
+          </a:solidFill>
+          <a:ln w="25400" cap="flat">
+            <a:noFill/>
+            <a:prstDash val="solid"/>
+            <a:round/>
+          </a:ln>
+          <a:effectLst/>
+          <a:sp3d/>
+        </p:spPr>
+        <p:style>
+          <a:lnRef idx="0">
+            <a:scrgbClr r="0" g="0" b="0"/>
+          </a:lnRef>
+          <a:fillRef idx="0">
+            <a:scrgbClr r="0" g="0" b="0"/>
+          </a:fillRef>
+          <a:effectRef idx="0">
+            <a:scrgbClr r="0" g="0" b="0"/>
+          </a:effectRef>
+          <a:fontRef idx="none"/>
+        </p:style>
+        <p:txBody>
+          <a:bodyPr rot="0" spcFirstLastPara="1" vertOverflow="overflow" horzOverflow="overflow" vert="horz" wrap="square" lIns="0" tIns="0" rIns="0" bIns="0" numCol="1" spcCol="38100" rtlCol="0" anchor="ctr">
+            <a:spAutoFit/>
+          </a:bodyPr>
+          <a:lstStyle/>
+          <a:p>
+            <a:pPr marL="0" marR="0" indent="0" algn="ctr" defTabSz="825500" rtl="0" fontAlgn="auto" latinLnBrk="0" hangingPunct="0">
+              <a:lnSpc>
+                <a:spcPct val="100000"/>
+              </a:lnSpc>
+              <a:spcBef>
+                <a:spcPts val="0"/>
+              </a:spcBef>
+              <a:spcAft>
+                <a:spcPts val="0"/>
+              </a:spcAft>
+              <a:buClrTx/>
+              <a:buSzTx/>
+              <a:buFontTx/>
+              <a:buNone/>
+              <a:tabLst/>
+            </a:pPr>
+            <a:endParaRPr kumimoji="0" lang="en-US" sz="3000" b="0" i="0" u="none" strike="noStrike" cap="none" spc="0" normalizeH="0" baseline="0">
+              <a:ln>
+                <a:noFill/>
+              </a:ln>
+              <a:solidFill>
+                <a:srgbClr val="000000"/>
+              </a:solidFill>
+              <a:effectLst/>
+              <a:uFillTx/>
+              <a:latin typeface="Helvetica Neue Medium"/>
+              <a:ea typeface="Helvetica Neue Medium"/>
+              <a:cs typeface="Helvetica Neue Medium"/>
+              <a:sym typeface="Helvetica Neue Medium"/>
+            </a:endParaRPr>
+          </a:p>
+        </p:txBody>
+      </p:sp>
+      <p:cxnSp>
+        <p:nvCxnSpPr>
+          <p:cNvPr id="4112" name="Straight Connector 4111">
+            <a:extLst>
+              <a:ext uri="{FF2B5EF4-FFF2-40B4-BE49-F238E27FC236}">
+                <a16:creationId xmlns:a16="http://schemas.microsoft.com/office/drawing/2014/main" id="{EC540AD5-A993-4DA3-B064-D004E2CC655D}"/>
+              </a:ext>
+              <a:ext uri="{C183D7F6-B498-43B3-948B-1728B52AA6E4}">
+                <adec:decorative xmlns:adec="http://schemas.microsoft.com/office/drawing/2017/decorative" val="1"/>
+              </a:ext>
+            </a:extLst>
+          </p:cNvPr>
+          <p:cNvCxnSpPr>
+            <a:cxnSpLocks noGrp="1" noRot="1" noChangeAspect="1" noMove="1" noResize="1" noEditPoints="1" noAdjustHandles="1" noChangeArrowheads="1" noChangeShapeType="1"/>
+          </p:cNvCxnSpPr>
+          <p:nvPr>
+            <p:extLst>
+              <p:ext uri="{386F3935-93C4-4BCD-93E2-E3B085C9AB24}">
+                <p16:designElem xmlns:p16="http://schemas.microsoft.com/office/powerpoint/2015/main" val="1"/>
+              </p:ext>
+            </p:extLst>
+          </p:nvPr>
+        </p:nvCxnSpPr>
+        <p:spPr>
+          <a:xfrm flipV="1">
+            <a:off x="11496184" y="5610"/>
+            <a:ext cx="0" cy="6858000"/>
+          </a:xfrm>
+          <a:prstGeom prst="line">
+            <a:avLst/>
+          </a:prstGeom>
+          <a:ln w="9525" cap="rnd">
+            <a:solidFill>
+              <a:srgbClr val="F371A3"/>
+            </a:solidFill>
+            <a:prstDash val="dash"/>
+          </a:ln>
+        </p:spPr>
+        <p:style>
+          <a:lnRef idx="1">
+            <a:schemeClr val="accent1"/>
+          </a:lnRef>
+          <a:fillRef idx="0">
+            <a:schemeClr val="accent1"/>
+          </a:fillRef>
+          <a:effectRef idx="0">
+            <a:schemeClr val="accent1"/>
+          </a:effectRef>
+          <a:fontRef idx="minor">
+            <a:schemeClr val="tx1"/>
+          </a:fontRef>
+        </p:style>
+      </p:cxnSp>
+      <p:cxnSp>
+        <p:nvCxnSpPr>
+          <p:cNvPr id="4114" name="Straight Connector 4113">
+            <a:extLst>
+              <a:ext uri="{FF2B5EF4-FFF2-40B4-BE49-F238E27FC236}">
+                <a16:creationId xmlns:a16="http://schemas.microsoft.com/office/drawing/2014/main" id="{8E6A9698-2C5E-4B0F-B3FA-0CE9BCA6E1AC}"/>
+              </a:ext>
+              <a:ext uri="{C183D7F6-B498-43B3-948B-1728B52AA6E4}">
+                <adec:decorative xmlns:adec="http://schemas.microsoft.com/office/drawing/2017/decorative" val="1"/>
+              </a:ext>
+            </a:extLst>
+          </p:cNvPr>
+          <p:cNvCxnSpPr>
+            <a:cxnSpLocks noGrp="1" noRot="1" noChangeAspect="1" noMove="1" noResize="1" noEditPoints="1" noAdjustHandles="1" noChangeArrowheads="1" noChangeShapeType="1"/>
+          </p:cNvCxnSpPr>
+          <p:nvPr>
+            <p:extLst>
+              <p:ext uri="{386F3935-93C4-4BCD-93E2-E3B085C9AB24}">
+                <p16:designElem xmlns:p16="http://schemas.microsoft.com/office/powerpoint/2015/main" val="1"/>
+              </p:ext>
+            </p:extLst>
+          </p:nvPr>
+        </p:nvCxnSpPr>
+        <p:spPr>
+          <a:xfrm>
+            <a:off x="1524" y="6172200"/>
+            <a:ext cx="12192000" cy="0"/>
+          </a:xfrm>
+          <a:prstGeom prst="line">
+            <a:avLst/>
+          </a:prstGeom>
+          <a:ln w="9525" cap="rnd">
+            <a:solidFill>
+              <a:srgbClr val="F371A3"/>
+            </a:solidFill>
+            <a:prstDash val="dash"/>
+          </a:ln>
+        </p:spPr>
+        <p:style>
+          <a:lnRef idx="1">
+            <a:schemeClr val="accent1"/>
+          </a:lnRef>
+          <a:fillRef idx="0">
+            <a:schemeClr val="accent1"/>
+          </a:fillRef>
+          <a:effectRef idx="0">
+            <a:schemeClr val="accent1"/>
+          </a:effectRef>
+          <a:fontRef idx="minor">
+            <a:schemeClr val="tx1"/>
+          </a:fontRef>
+        </p:style>
+      </p:cxnSp>
+    </p:spTree>
+    <p:extLst>
+      <p:ext uri="{BB962C8B-B14F-4D97-AF65-F5344CB8AC3E}">
+        <p14:creationId xmlns:p14="http://schemas.microsoft.com/office/powerpoint/2010/main" val="2491885376"/>
+      </p:ext>
+    </p:extLst>
+  </p:cSld>
+  <p:clrMapOvr>
+    <a:masterClrMapping/>
+  </p:clrMapOvr>
+</p:sld>
+</file>
+
+<file path=ppt/slides/slide16.xml><?xml version="1.0" encoding="utf-8"?>
+<p:sld xmlns:a="http://schemas.openxmlformats.org/drawingml/2006/main" xmlns:r="http://schemas.openxmlformats.org/officeDocument/2006/relationships" xmlns:p="http://schemas.openxmlformats.org/presentationml/2006/main">
+  <p:cSld>
+    <p:bg>
+      <p:bgPr>
+        <a:solidFill>
+          <a:schemeClr val="bg1"/>
+        </a:solidFill>
+        <a:effectLst/>
+      </p:bgPr>
+    </p:bg>
+    <p:spTree>
+      <p:nvGrpSpPr>
+        <p:cNvPr id="1" name=""/>
+        <p:cNvGrpSpPr/>
+        <p:nvPr/>
+      </p:nvGrpSpPr>
+      <p:grpSpPr>
+        <a:xfrm>
+          <a:off x="0" y="0"/>
+          <a:ext cx="0" cy="0"/>
+          <a:chOff x="0" y="0"/>
+          <a:chExt cx="0" cy="0"/>
+        </a:xfrm>
+      </p:grpSpPr>
+      <p:sp>
+        <p:nvSpPr>
+          <p:cNvPr id="4104" name="Rectangle 4103">
+            <a:extLst>
+              <a:ext uri="{FF2B5EF4-FFF2-40B4-BE49-F238E27FC236}">
+                <a16:creationId xmlns:a16="http://schemas.microsoft.com/office/drawing/2014/main" id="{73C994B4-9721-4148-9EEC-6793CECDE8DD}"/>
+              </a:ext>
+              <a:ext uri="{C183D7F6-B498-43B3-948B-1728B52AA6E4}">
+                <adec:decorative xmlns:adec="http://schemas.microsoft.com/office/drawing/2017/decorative" val="1"/>
+              </a:ext>
+            </a:extLst>
+          </p:cNvPr>
+          <p:cNvSpPr>
+            <a:spLocks noGrp="1" noRot="1" noChangeAspect="1" noMove="1" noResize="1" noEditPoints="1" noAdjustHandles="1" noChangeArrowheads="1" noChangeShapeType="1" noTextEdit="1"/>
+          </p:cNvSpPr>
+          <p:nvPr>
+            <p:extLst>
+              <p:ext uri="{386F3935-93C4-4BCD-93E2-E3B085C9AB24}">
+                <p16:designElem xmlns:p16="http://schemas.microsoft.com/office/powerpoint/2015/main" val="1"/>
+              </p:ext>
+            </p:extLst>
+          </p:nvPr>
+        </p:nvSpPr>
+        <p:spPr bwMode="white">
+          <a:xfrm>
+            <a:off x="1523" y="-1"/>
+            <a:ext cx="12188952" cy="6858000"/>
+          </a:xfrm>
+          <a:prstGeom prst="rect">
+            <a:avLst/>
+          </a:prstGeom>
+          <a:noFill/>
+          <a:ln>
+            <a:noFill/>
+          </a:ln>
+        </p:spPr>
+        <p:style>
+          <a:lnRef idx="2">
+            <a:schemeClr val="accent1">
+              <a:shade val="50000"/>
+            </a:schemeClr>
+          </a:lnRef>
+          <a:fillRef idx="1">
+            <a:schemeClr val="accent1"/>
+          </a:fillRef>
+          <a:effectRef idx="0">
+            <a:schemeClr val="accent1"/>
+          </a:effectRef>
+          <a:fontRef idx="minor">
+            <a:schemeClr val="lt1"/>
+          </a:fontRef>
+        </p:style>
+        <p:txBody>
+          <a:bodyPr rtlCol="0" anchor="ctr"/>
+          <a:lstStyle>
+            <a:defPPr>
+              <a:defRPr lang="en-US"/>
+            </a:defPPr>
+            <a:lvl1pPr marL="0" algn="l" defTabSz="914400" rtl="0" eaLnBrk="1" latinLnBrk="0" hangingPunct="1">
+              <a:defRPr sz="1800" kern="1200">
+                <a:solidFill>
+                  <a:schemeClr val="lt1"/>
+                </a:solidFill>
+                <a:latin typeface="+mn-lt"/>
+                <a:ea typeface="+mn-ea"/>
+                <a:cs typeface="+mn-cs"/>
+              </a:defRPr>
+            </a:lvl1pPr>
+            <a:lvl2pPr marL="457200" algn="l" defTabSz="914400" rtl="0" eaLnBrk="1" latinLnBrk="0" hangingPunct="1">
+              <a:defRPr sz="1800" kern="1200">
+                <a:solidFill>
+                  <a:schemeClr val="lt1"/>
+                </a:solidFill>
+                <a:latin typeface="+mn-lt"/>
+                <a:ea typeface="+mn-ea"/>
+                <a:cs typeface="+mn-cs"/>
+              </a:defRPr>
+            </a:lvl2pPr>
+            <a:lvl3pPr marL="914400" algn="l" defTabSz="914400" rtl="0" eaLnBrk="1" latinLnBrk="0" hangingPunct="1">
+              <a:defRPr sz="1800" kern="1200">
+                <a:solidFill>
+                  <a:schemeClr val="lt1"/>
+                </a:solidFill>
+                <a:latin typeface="+mn-lt"/>
+                <a:ea typeface="+mn-ea"/>
+                <a:cs typeface="+mn-cs"/>
+              </a:defRPr>
+            </a:lvl3pPr>
+            <a:lvl4pPr marL="1371600" algn="l" defTabSz="914400" rtl="0" eaLnBrk="1" latinLnBrk="0" hangingPunct="1">
+              <a:defRPr sz="1800" kern="1200">
+                <a:solidFill>
+                  <a:schemeClr val="lt1"/>
+                </a:solidFill>
+                <a:latin typeface="+mn-lt"/>
+                <a:ea typeface="+mn-ea"/>
+                <a:cs typeface="+mn-cs"/>
+              </a:defRPr>
+            </a:lvl4pPr>
+            <a:lvl5pPr marL="1828800" algn="l" defTabSz="914400" rtl="0" eaLnBrk="1" latinLnBrk="0" hangingPunct="1">
+              <a:defRPr sz="1800" kern="1200">
+                <a:solidFill>
+                  <a:schemeClr val="lt1"/>
+                </a:solidFill>
+                <a:latin typeface="+mn-lt"/>
+                <a:ea typeface="+mn-ea"/>
+                <a:cs typeface="+mn-cs"/>
+              </a:defRPr>
+            </a:lvl5pPr>
+            <a:lvl6pPr marL="2286000" algn="l" defTabSz="914400" rtl="0" eaLnBrk="1" latinLnBrk="0" hangingPunct="1">
+              <a:defRPr sz="1800" kern="1200">
+                <a:solidFill>
+                  <a:schemeClr val="lt1"/>
+                </a:solidFill>
+                <a:latin typeface="+mn-lt"/>
+                <a:ea typeface="+mn-ea"/>
+                <a:cs typeface="+mn-cs"/>
+              </a:defRPr>
+            </a:lvl6pPr>
+            <a:lvl7pPr marL="2743200" algn="l" defTabSz="914400" rtl="0" eaLnBrk="1" latinLnBrk="0" hangingPunct="1">
+              <a:defRPr sz="1800" kern="1200">
+                <a:solidFill>
+                  <a:schemeClr val="lt1"/>
+                </a:solidFill>
+                <a:latin typeface="+mn-lt"/>
+                <a:ea typeface="+mn-ea"/>
+                <a:cs typeface="+mn-cs"/>
+              </a:defRPr>
+            </a:lvl7pPr>
+            <a:lvl8pPr marL="3200400" algn="l" defTabSz="914400" rtl="0" eaLnBrk="1" latinLnBrk="0" hangingPunct="1">
+              <a:defRPr sz="1800" kern="1200">
+                <a:solidFill>
+                  <a:schemeClr val="lt1"/>
+                </a:solidFill>
+                <a:latin typeface="+mn-lt"/>
+                <a:ea typeface="+mn-ea"/>
+                <a:cs typeface="+mn-cs"/>
+              </a:defRPr>
+            </a:lvl8pPr>
+            <a:lvl9pPr marL="3657600" algn="l" defTabSz="914400" rtl="0" eaLnBrk="1" latinLnBrk="0" hangingPunct="1">
+              <a:defRPr sz="1800" kern="1200">
+                <a:solidFill>
+                  <a:schemeClr val="lt1"/>
+                </a:solidFill>
+                <a:latin typeface="+mn-lt"/>
+                <a:ea typeface="+mn-ea"/>
+                <a:cs typeface="+mn-cs"/>
+              </a:defRPr>
+            </a:lvl9pPr>
+          </a:lstStyle>
+          <a:p>
+            <a:pPr algn="ctr"/>
+            <a:endParaRPr lang="en-US"/>
+          </a:p>
+        </p:txBody>
+      </p:sp>
+      <p:sp>
+        <p:nvSpPr>
+          <p:cNvPr id="4106" name="Rectangle 4105">
+            <a:extLst>
+              <a:ext uri="{FF2B5EF4-FFF2-40B4-BE49-F238E27FC236}">
+                <a16:creationId xmlns:a16="http://schemas.microsoft.com/office/drawing/2014/main" id="{F9D95E49-763A-4886-B038-82F734740554}"/>
+              </a:ext>
+              <a:ext uri="{C183D7F6-B498-43B3-948B-1728B52AA6E4}">
+                <adec:decorative xmlns:adec="http://schemas.microsoft.com/office/drawing/2017/decorative" val="1"/>
+              </a:ext>
+            </a:extLst>
+          </p:cNvPr>
+          <p:cNvSpPr>
+            <a:spLocks noGrp="1" noRot="1" noChangeAspect="1" noMove="1" noResize="1" noEditPoints="1" noAdjustHandles="1" noChangeArrowheads="1" noChangeShapeType="1" noTextEdit="1"/>
+          </p:cNvSpPr>
+          <p:nvPr>
+            <p:extLst>
+              <p:ext uri="{386F3935-93C4-4BCD-93E2-E3B085C9AB24}">
+                <p16:designElem xmlns:p16="http://schemas.microsoft.com/office/powerpoint/2015/main" val="1"/>
+              </p:ext>
+            </p:extLst>
+          </p:nvPr>
+        </p:nvSpPr>
+        <p:spPr>
+          <a:xfrm>
+            <a:off x="1524" y="0"/>
+            <a:ext cx="12188952" cy="6858000"/>
+          </a:xfrm>
+          <a:prstGeom prst="rect">
+            <a:avLst/>
+          </a:prstGeom>
+          <a:solidFill>
+            <a:schemeClr val="bg2">
+              <a:alpha val="35000"/>
+            </a:schemeClr>
+          </a:solidFill>
+          <a:ln>
+            <a:noFill/>
+          </a:ln>
+        </p:spPr>
+        <p:style>
+          <a:lnRef idx="2">
+            <a:schemeClr val="accent1">
+              <a:shade val="50000"/>
+            </a:schemeClr>
+          </a:lnRef>
+          <a:fillRef idx="1">
+            <a:schemeClr val="accent1"/>
+          </a:fillRef>
+          <a:effectRef idx="0">
+            <a:schemeClr val="accent1"/>
+          </a:effectRef>
+          <a:fontRef idx="minor">
+            <a:schemeClr val="lt1"/>
+          </a:fontRef>
+        </p:style>
+        <p:txBody>
+          <a:bodyPr rtlCol="0" anchor="ctr"/>
+          <a:lstStyle>
+            <a:defPPr>
+              <a:defRPr lang="en-US"/>
+            </a:defPPr>
+            <a:lvl1pPr marL="0" algn="l" defTabSz="914400" rtl="0" eaLnBrk="1" latinLnBrk="0" hangingPunct="1">
+              <a:defRPr sz="1800" kern="1200">
+                <a:solidFill>
+                  <a:schemeClr val="lt1"/>
+                </a:solidFill>
+                <a:latin typeface="+mn-lt"/>
+                <a:ea typeface="+mn-ea"/>
+                <a:cs typeface="+mn-cs"/>
+              </a:defRPr>
+            </a:lvl1pPr>
+            <a:lvl2pPr marL="457200" algn="l" defTabSz="914400" rtl="0" eaLnBrk="1" latinLnBrk="0" hangingPunct="1">
+              <a:defRPr sz="1800" kern="1200">
+                <a:solidFill>
+                  <a:schemeClr val="lt1"/>
+                </a:solidFill>
+                <a:latin typeface="+mn-lt"/>
+                <a:ea typeface="+mn-ea"/>
+                <a:cs typeface="+mn-cs"/>
+              </a:defRPr>
+            </a:lvl2pPr>
+            <a:lvl3pPr marL="914400" algn="l" defTabSz="914400" rtl="0" eaLnBrk="1" latinLnBrk="0" hangingPunct="1">
+              <a:defRPr sz="1800" kern="1200">
+                <a:solidFill>
+                  <a:schemeClr val="lt1"/>
+                </a:solidFill>
+                <a:latin typeface="+mn-lt"/>
+                <a:ea typeface="+mn-ea"/>
+                <a:cs typeface="+mn-cs"/>
+              </a:defRPr>
+            </a:lvl3pPr>
+            <a:lvl4pPr marL="1371600" algn="l" defTabSz="914400" rtl="0" eaLnBrk="1" latinLnBrk="0" hangingPunct="1">
+              <a:defRPr sz="1800" kern="1200">
+                <a:solidFill>
+                  <a:schemeClr val="lt1"/>
+                </a:solidFill>
+                <a:latin typeface="+mn-lt"/>
+                <a:ea typeface="+mn-ea"/>
+                <a:cs typeface="+mn-cs"/>
+              </a:defRPr>
+            </a:lvl4pPr>
+            <a:lvl5pPr marL="1828800" algn="l" defTabSz="914400" rtl="0" eaLnBrk="1" latinLnBrk="0" hangingPunct="1">
+              <a:defRPr sz="1800" kern="1200">
+                <a:solidFill>
+                  <a:schemeClr val="lt1"/>
+                </a:solidFill>
+                <a:latin typeface="+mn-lt"/>
+                <a:ea typeface="+mn-ea"/>
+                <a:cs typeface="+mn-cs"/>
+              </a:defRPr>
+            </a:lvl5pPr>
+            <a:lvl6pPr marL="2286000" algn="l" defTabSz="914400" rtl="0" eaLnBrk="1" latinLnBrk="0" hangingPunct="1">
+              <a:defRPr sz="1800" kern="1200">
+                <a:solidFill>
+                  <a:schemeClr val="lt1"/>
+                </a:solidFill>
+                <a:latin typeface="+mn-lt"/>
+                <a:ea typeface="+mn-ea"/>
+                <a:cs typeface="+mn-cs"/>
+              </a:defRPr>
+            </a:lvl6pPr>
+            <a:lvl7pPr marL="2743200" algn="l" defTabSz="914400" rtl="0" eaLnBrk="1" latinLnBrk="0" hangingPunct="1">
+              <a:defRPr sz="1800" kern="1200">
+                <a:solidFill>
+                  <a:schemeClr val="lt1"/>
+                </a:solidFill>
+                <a:latin typeface="+mn-lt"/>
+                <a:ea typeface="+mn-ea"/>
+                <a:cs typeface="+mn-cs"/>
+              </a:defRPr>
+            </a:lvl7pPr>
+            <a:lvl8pPr marL="3200400" algn="l" defTabSz="914400" rtl="0" eaLnBrk="1" latinLnBrk="0" hangingPunct="1">
+              <a:defRPr sz="1800" kern="1200">
+                <a:solidFill>
+                  <a:schemeClr val="lt1"/>
+                </a:solidFill>
+                <a:latin typeface="+mn-lt"/>
+                <a:ea typeface="+mn-ea"/>
+                <a:cs typeface="+mn-cs"/>
+              </a:defRPr>
+            </a:lvl8pPr>
+            <a:lvl9pPr marL="3657600" algn="l" defTabSz="914400" rtl="0" eaLnBrk="1" latinLnBrk="0" hangingPunct="1">
+              <a:defRPr sz="1800" kern="1200">
+                <a:solidFill>
+                  <a:schemeClr val="lt1"/>
+                </a:solidFill>
+                <a:latin typeface="+mn-lt"/>
+                <a:ea typeface="+mn-ea"/>
+                <a:cs typeface="+mn-cs"/>
+              </a:defRPr>
+            </a:lvl9pPr>
+          </a:lstStyle>
+          <a:p>
+            <a:pPr algn="ctr"/>
+            <a:endParaRPr lang="en-US"/>
+          </a:p>
+        </p:txBody>
+      </p:sp>
+      <p:sp>
+        <p:nvSpPr>
+          <p:cNvPr id="4108" name="Rectangle 4107">
+            <a:extLst>
+              <a:ext uri="{FF2B5EF4-FFF2-40B4-BE49-F238E27FC236}">
+                <a16:creationId xmlns:a16="http://schemas.microsoft.com/office/drawing/2014/main" id="{4D4D99EB-C4F3-4F0C-91F7-AB4DC2A08E4A}"/>
+              </a:ext>
+              <a:ext uri="{C183D7F6-B498-43B3-948B-1728B52AA6E4}">
+                <adec:decorative xmlns:adec="http://schemas.microsoft.com/office/drawing/2017/decorative" val="1"/>
+              </a:ext>
+            </a:extLst>
+          </p:cNvPr>
+          <p:cNvSpPr>
+            <a:spLocks noGrp="1" noRot="1" noChangeAspect="1" noMove="1" noResize="1" noEditPoints="1" noAdjustHandles="1" noChangeArrowheads="1" noChangeShapeType="1" noTextEdit="1"/>
+          </p:cNvSpPr>
+          <p:nvPr>
+            <p:extLst>
+              <p:ext uri="{386F3935-93C4-4BCD-93E2-E3B085C9AB24}">
+                <p16:designElem xmlns:p16="http://schemas.microsoft.com/office/powerpoint/2015/main" val="1"/>
+              </p:ext>
+            </p:extLst>
+          </p:nvPr>
+        </p:nvSpPr>
+        <p:spPr>
+          <a:xfrm>
+            <a:off x="1478324" y="699899"/>
+            <a:ext cx="10713676" cy="5433318"/>
+          </a:xfrm>
+          <a:prstGeom prst="rect">
+            <a:avLst/>
+          </a:prstGeom>
+          <a:solidFill>
+            <a:schemeClr val="bg1"/>
+          </a:solidFill>
+          <a:ln>
+            <a:noFill/>
+          </a:ln>
+        </p:spPr>
+        <p:style>
+          <a:lnRef idx="2">
+            <a:schemeClr val="accent1">
+              <a:shade val="50000"/>
+            </a:schemeClr>
+          </a:lnRef>
+          <a:fillRef idx="1">
+            <a:schemeClr val="accent1"/>
+          </a:fillRef>
+          <a:effectRef idx="0">
+            <a:schemeClr val="accent1"/>
+          </a:effectRef>
+          <a:fontRef idx="minor">
+            <a:schemeClr val="lt1"/>
+          </a:fontRef>
+        </p:style>
+        <p:txBody>
+          <a:bodyPr rtlCol="0" anchor="ctr"/>
+          <a:lstStyle/>
+          <a:p>
+            <a:pPr algn="ctr"/>
+            <a:endParaRPr lang="en-US"/>
+          </a:p>
+        </p:txBody>
+      </p:sp>
+      <p:sp>
+        <p:nvSpPr>
+          <p:cNvPr id="2" name="Title 1">
+            <a:extLst>
+              <a:ext uri="{FF2B5EF4-FFF2-40B4-BE49-F238E27FC236}">
+                <a16:creationId xmlns:a16="http://schemas.microsoft.com/office/drawing/2014/main" id="{514CD946-ABC4-038D-DD3C-25CA981B531E}"/>
+              </a:ext>
+            </a:extLst>
+          </p:cNvPr>
+          <p:cNvSpPr>
+            <a:spLocks noGrp="1"/>
+          </p:cNvSpPr>
+          <p:nvPr>
+            <p:ph type="ctrTitle"/>
+          </p:nvPr>
+        </p:nvSpPr>
+        <p:spPr>
+          <a:xfrm>
+            <a:off x="422899" y="576263"/>
+            <a:ext cx="5173543" cy="2967606"/>
+          </a:xfrm>
+        </p:spPr>
+        <p:txBody>
+          <a:bodyPr anchor="b">
+            <a:normAutofit/>
+          </a:bodyPr>
+          <a:lstStyle/>
+          <a:p>
+            <a:pPr algn="l"/>
+            <a:r>
+              <a:rPr lang="en-US" sz="4800" dirty="0"/>
+              <a:t>What is </a:t>
+            </a:r>
+            <a:r>
+              <a:rPr lang="en-US" sz="4800" dirty="0" err="1"/>
+              <a:t>ALIASGenerator</a:t>
+            </a:r>
+            <a:r>
+              <a:rPr lang="en-US" sz="4800" dirty="0"/>
+              <a:t>?</a:t>
+            </a:r>
+            <a:br>
+              <a:rPr lang="en-US" sz="4800" dirty="0"/>
+            </a:br>
+            <a:endParaRPr lang="en-IL" sz="4800" dirty="0"/>
+          </a:p>
+        </p:txBody>
+      </p:sp>
+      <p:sp>
+        <p:nvSpPr>
+          <p:cNvPr id="4" name="Rectangle 1">
+            <a:extLst>
+              <a:ext uri="{FF2B5EF4-FFF2-40B4-BE49-F238E27FC236}">
+                <a16:creationId xmlns:a16="http://schemas.microsoft.com/office/drawing/2014/main" id="{91CAB3ED-7BAF-64C6-AE9E-DCA23CF5405B}"/>
+              </a:ext>
+            </a:extLst>
+          </p:cNvPr>
+          <p:cNvSpPr>
+            <a:spLocks noGrp="1" noChangeArrowheads="1"/>
+          </p:cNvSpPr>
+          <p:nvPr>
+            <p:ph type="subTitle" idx="1"/>
+          </p:nvPr>
+        </p:nvSpPr>
+        <p:spPr bwMode="auto">
+          <a:xfrm>
+            <a:off x="422900" y="3764975"/>
+            <a:ext cx="3932532" cy="2192683"/>
+          </a:xfrm>
+          <a:prstGeom prst="rect">
+            <a:avLst/>
+          </a:prstGeom>
+          <a:extLst>
+            <a:ext uri="{909E8E84-426E-40DD-AFC4-6F175D3DCCD1}">
+              <a14:hiddenFill xmlns:a14="http://schemas.microsoft.com/office/drawing/2010/main">
+                <a:solidFill>
+                  <a:schemeClr val="accent1"/>
+                </a:solidFill>
+              </a14:hiddenFill>
+            </a:ext>
+            <a:ext uri="{91240B29-F687-4F45-9708-019B960494DF}">
+              <a14:hiddenLine xmlns:a14="http://schemas.microsoft.com/office/drawing/2010/main" w="9525">
+                <a:solidFill>
+                  <a:schemeClr val="tx1"/>
+                </a:solidFill>
+                <a:miter lim="800000"/>
+                <a:headEnd/>
+                <a:tailEnd/>
+              </a14:hiddenLine>
+            </a:ext>
+            <a:ext uri="{AF507438-7753-43E0-B8FC-AC1667EBCBE1}">
+              <a14:hiddenEffects xmlns:a14="http://schemas.microsoft.com/office/drawing/2010/main">
+                <a:effectLst>
+                  <a:outerShdw dist="35921" dir="2700000" algn="ctr" rotWithShape="0">
+                    <a:schemeClr val="bg2"/>
+                  </a:outerShdw>
+                </a:effectLst>
+              </a14:hiddenEffects>
+            </a:ext>
+          </a:extLst>
+        </p:spPr>
+        <p:txBody>
+          <a:bodyPr vert="horz" lIns="0" tIns="0" rIns="0" bIns="0" numCol="1" anchorCtr="0" compatLnSpc="1">
+            <a:prstTxWarp prst="textNoShape">
+              <a:avLst/>
+            </a:prstTxWarp>
+            <a:normAutofit/>
+          </a:bodyPr>
+          <a:lstStyle/>
+          <a:p>
+            <a:pPr marL="0" marR="0" lvl="0" indent="0" algn="l" defTabSz="914400" rtl="0" eaLnBrk="0" fontAlgn="base" latinLnBrk="0" hangingPunct="0">
+              <a:lnSpc>
+                <a:spcPct val="100000"/>
+              </a:lnSpc>
+              <a:spcBef>
+                <a:spcPct val="0"/>
+              </a:spcBef>
+              <a:spcAft>
+                <a:spcPct val="0"/>
+              </a:spcAft>
+              <a:buClrTx/>
+              <a:buSzTx/>
+              <a:buFontTx/>
+              <a:buNone/>
+              <a:tabLst/>
+            </a:pPr>
+            <a:r>
+              <a:rPr kumimoji="0" lang="en-IL" altLang="en-IL" b="0" i="0" u="none" strike="noStrike" cap="none" normalizeH="0" baseline="0" dirty="0">
+                <a:ln>
+                  <a:noFill/>
+                </a:ln>
+                <a:solidFill>
+                  <a:schemeClr val="tx1"/>
+                </a:solidFill>
+                <a:effectLst/>
+                <a:latin typeface="ui-monospace"/>
+              </a:rPr>
+              <a:t> </a:t>
+            </a:r>
+          </a:p>
+        </p:txBody>
+      </p:sp>
+      <p:sp>
+        <p:nvSpPr>
+          <p:cNvPr id="4110" name="Rectangle 4109">
+            <a:extLst>
+              <a:ext uri="{FF2B5EF4-FFF2-40B4-BE49-F238E27FC236}">
+                <a16:creationId xmlns:a16="http://schemas.microsoft.com/office/drawing/2014/main" id="{04B69146-C1C0-4B58-86FC-34F3390EBAE8}"/>
+              </a:ext>
+              <a:ext uri="{C183D7F6-B498-43B3-948B-1728B52AA6E4}">
+                <adec:decorative xmlns:adec="http://schemas.microsoft.com/office/drawing/2017/decorative" val="1"/>
+              </a:ext>
+            </a:extLst>
+          </p:cNvPr>
+          <p:cNvSpPr>
+            <a:spLocks noGrp="1" noRot="1" noChangeAspect="1" noMove="1" noResize="1" noEditPoints="1" noAdjustHandles="1" noChangeArrowheads="1" noChangeShapeType="1" noTextEdit="1"/>
+          </p:cNvSpPr>
+          <p:nvPr>
+            <p:extLst>
+              <p:ext uri="{386F3935-93C4-4BCD-93E2-E3B085C9AB24}">
+                <p16:designElem xmlns:p16="http://schemas.microsoft.com/office/powerpoint/2015/main" val="1"/>
+              </p:ext>
+            </p:extLst>
+          </p:nvPr>
+        </p:nvSpPr>
+        <p:spPr>
+          <a:xfrm rot="10800000">
+            <a:off x="11364091" y="698677"/>
+            <a:ext cx="826383" cy="5479134"/>
+          </a:xfrm>
+          <a:prstGeom prst="rect">
+            <a:avLst/>
+          </a:prstGeom>
+          <a:solidFill>
+            <a:schemeClr val="accent1">
+              <a:alpha val="25000"/>
+            </a:schemeClr>
+          </a:solidFill>
+          <a:ln w="25400" cap="flat">
+            <a:noFill/>
+            <a:prstDash val="solid"/>
+            <a:round/>
+          </a:ln>
+          <a:effectLst/>
+          <a:sp3d/>
+        </p:spPr>
+        <p:style>
+          <a:lnRef idx="0">
+            <a:scrgbClr r="0" g="0" b="0"/>
+          </a:lnRef>
+          <a:fillRef idx="0">
+            <a:scrgbClr r="0" g="0" b="0"/>
+          </a:fillRef>
+          <a:effectRef idx="0">
+            <a:scrgbClr r="0" g="0" b="0"/>
+          </a:effectRef>
+          <a:fontRef idx="none"/>
+        </p:style>
+        <p:txBody>
+          <a:bodyPr rot="0" spcFirstLastPara="1" vertOverflow="overflow" horzOverflow="overflow" vert="horz" wrap="square" lIns="0" tIns="0" rIns="0" bIns="0" numCol="1" spcCol="38100" rtlCol="0" anchor="ctr">
+            <a:spAutoFit/>
+          </a:bodyPr>
+          <a:lstStyle/>
+          <a:p>
+            <a:pPr marL="0" marR="0" indent="0" algn="ctr" defTabSz="825500" rtl="0" fontAlgn="auto" latinLnBrk="0" hangingPunct="0">
+              <a:lnSpc>
+                <a:spcPct val="100000"/>
+              </a:lnSpc>
+              <a:spcBef>
+                <a:spcPts val="0"/>
+              </a:spcBef>
+              <a:spcAft>
+                <a:spcPts val="0"/>
+              </a:spcAft>
+              <a:buClrTx/>
+              <a:buSzTx/>
+              <a:buFontTx/>
+              <a:buNone/>
+              <a:tabLst/>
+            </a:pPr>
+            <a:endParaRPr kumimoji="0" lang="en-US" sz="3000" b="0" i="0" u="none" strike="noStrike" cap="none" spc="0" normalizeH="0" baseline="0">
+              <a:ln>
+                <a:noFill/>
+              </a:ln>
+              <a:solidFill>
+                <a:srgbClr val="000000"/>
+              </a:solidFill>
+              <a:effectLst/>
+              <a:uFillTx/>
+              <a:latin typeface="Helvetica Neue Medium"/>
+              <a:ea typeface="Helvetica Neue Medium"/>
+              <a:cs typeface="Helvetica Neue Medium"/>
+              <a:sym typeface="Helvetica Neue Medium"/>
+            </a:endParaRPr>
+          </a:p>
+        </p:txBody>
+      </p:sp>
+      <p:cxnSp>
+        <p:nvCxnSpPr>
+          <p:cNvPr id="4112" name="Straight Connector 4111">
+            <a:extLst>
+              <a:ext uri="{FF2B5EF4-FFF2-40B4-BE49-F238E27FC236}">
+                <a16:creationId xmlns:a16="http://schemas.microsoft.com/office/drawing/2014/main" id="{EC540AD5-A993-4DA3-B064-D004E2CC655D}"/>
+              </a:ext>
+              <a:ext uri="{C183D7F6-B498-43B3-948B-1728B52AA6E4}">
+                <adec:decorative xmlns:adec="http://schemas.microsoft.com/office/drawing/2017/decorative" val="1"/>
+              </a:ext>
+            </a:extLst>
+          </p:cNvPr>
+          <p:cNvCxnSpPr>
+            <a:cxnSpLocks noGrp="1" noRot="1" noChangeAspect="1" noMove="1" noResize="1" noEditPoints="1" noAdjustHandles="1" noChangeArrowheads="1" noChangeShapeType="1"/>
+          </p:cNvCxnSpPr>
+          <p:nvPr>
+            <p:extLst>
+              <p:ext uri="{386F3935-93C4-4BCD-93E2-E3B085C9AB24}">
+                <p16:designElem xmlns:p16="http://schemas.microsoft.com/office/powerpoint/2015/main" val="1"/>
+              </p:ext>
+            </p:extLst>
+          </p:nvPr>
+        </p:nvCxnSpPr>
+        <p:spPr>
+          <a:xfrm flipV="1">
+            <a:off x="11496184" y="5610"/>
+            <a:ext cx="0" cy="6858000"/>
+          </a:xfrm>
+          <a:prstGeom prst="line">
+            <a:avLst/>
+          </a:prstGeom>
+          <a:ln w="9525" cap="rnd">
+            <a:solidFill>
+              <a:srgbClr val="F371A3"/>
+            </a:solidFill>
+            <a:prstDash val="dash"/>
+          </a:ln>
+        </p:spPr>
+        <p:style>
+          <a:lnRef idx="1">
+            <a:schemeClr val="accent1"/>
+          </a:lnRef>
+          <a:fillRef idx="0">
+            <a:schemeClr val="accent1"/>
+          </a:fillRef>
+          <a:effectRef idx="0">
+            <a:schemeClr val="accent1"/>
+          </a:effectRef>
+          <a:fontRef idx="minor">
+            <a:schemeClr val="tx1"/>
+          </a:fontRef>
+        </p:style>
+      </p:cxnSp>
+      <p:cxnSp>
+        <p:nvCxnSpPr>
+          <p:cNvPr id="4114" name="Straight Connector 4113">
+            <a:extLst>
+              <a:ext uri="{FF2B5EF4-FFF2-40B4-BE49-F238E27FC236}">
+                <a16:creationId xmlns:a16="http://schemas.microsoft.com/office/drawing/2014/main" id="{8E6A9698-2C5E-4B0F-B3FA-0CE9BCA6E1AC}"/>
+              </a:ext>
+              <a:ext uri="{C183D7F6-B498-43B3-948B-1728B52AA6E4}">
+                <adec:decorative xmlns:adec="http://schemas.microsoft.com/office/drawing/2017/decorative" val="1"/>
+              </a:ext>
+            </a:extLst>
+          </p:cNvPr>
+          <p:cNvCxnSpPr>
+            <a:cxnSpLocks noGrp="1" noRot="1" noChangeAspect="1" noMove="1" noResize="1" noEditPoints="1" noAdjustHandles="1" noChangeArrowheads="1" noChangeShapeType="1"/>
+          </p:cNvCxnSpPr>
+          <p:nvPr>
+            <p:extLst>
+              <p:ext uri="{386F3935-93C4-4BCD-93E2-E3B085C9AB24}">
+                <p16:designElem xmlns:p16="http://schemas.microsoft.com/office/powerpoint/2015/main" val="1"/>
+              </p:ext>
+            </p:extLst>
+          </p:nvPr>
+        </p:nvCxnSpPr>
+        <p:spPr>
+          <a:xfrm>
+            <a:off x="1524" y="6172200"/>
+            <a:ext cx="12192000" cy="0"/>
+          </a:xfrm>
+          <a:prstGeom prst="line">
+            <a:avLst/>
+          </a:prstGeom>
+          <a:ln w="9525" cap="rnd">
+            <a:solidFill>
+              <a:srgbClr val="F371A3"/>
+            </a:solidFill>
+            <a:prstDash val="dash"/>
+          </a:ln>
+        </p:spPr>
+        <p:style>
+          <a:lnRef idx="1">
+            <a:schemeClr val="accent1"/>
+          </a:lnRef>
+          <a:fillRef idx="0">
+            <a:schemeClr val="accent1"/>
+          </a:fillRef>
+          <a:effectRef idx="0">
+            <a:schemeClr val="accent1"/>
+          </a:effectRef>
+          <a:fontRef idx="minor">
+            <a:schemeClr val="tx1"/>
+          </a:fontRef>
+        </p:style>
+      </p:cxnSp>
+      <p:sp>
+        <p:nvSpPr>
           <p:cNvPr id="8" name="TextBox 7">
             <a:extLst>
               <a:ext uri="{FF2B5EF4-FFF2-40B4-BE49-F238E27FC236}">
@@ -9116,7 +12284,7 @@
 </p:sld>
 </file>
 
-<file path=ppt/slides/slide14.xml><?xml version="1.0" encoding="utf-8"?>
+<file path=ppt/slides/slide17.xml><?xml version="1.0" encoding="utf-8"?>
 <p:sld xmlns:a="http://schemas.openxmlformats.org/drawingml/2006/main" xmlns:r="http://schemas.openxmlformats.org/officeDocument/2006/relationships" xmlns:p="http://schemas.openxmlformats.org/presentationml/2006/main">
   <p:cSld>
     <p:bg>
@@ -9649,35 +12817,6 @@
           </a:p>
         </p:txBody>
       </p:sp>
-      <p:pic>
-        <p:nvPicPr>
-          <p:cNvPr id="6" name="Picture 5">
-            <a:extLst>
-              <a:ext uri="{FF2B5EF4-FFF2-40B4-BE49-F238E27FC236}">
-                <a16:creationId xmlns:a16="http://schemas.microsoft.com/office/drawing/2014/main" id="{998C003B-9A1B-58E9-ACED-2F7DDD78BEE5}"/>
-              </a:ext>
-            </a:extLst>
-          </p:cNvPr>
-          <p:cNvPicPr>
-            <a:picLocks noChangeAspect="1"/>
-          </p:cNvPicPr>
-          <p:nvPr/>
-        </p:nvPicPr>
-        <p:blipFill rotWithShape="1">
-          <a:blip r:embed="rId2"/>
-          <a:srcRect r="1" b="8642"/>
-          <a:stretch/>
-        </p:blipFill>
-        <p:spPr>
-          <a:xfrm>
-            <a:off x="9248910" y="2060066"/>
-            <a:ext cx="2104398" cy="2726509"/>
-          </a:xfrm>
-          <a:prstGeom prst="rect">
-            <a:avLst/>
-          </a:prstGeom>
-        </p:spPr>
-      </p:pic>
       <p:cxnSp>
         <p:nvCxnSpPr>
           <p:cNvPr id="19" name="Straight Connector 18">
@@ -9784,158 +12923,6 @@
           </a:fontRef>
         </p:style>
       </p:cxnSp>
-      <p:pic>
-        <p:nvPicPr>
-          <p:cNvPr id="7" name="Picture 6">
-            <a:extLst>
-              <a:ext uri="{FF2B5EF4-FFF2-40B4-BE49-F238E27FC236}">
-                <a16:creationId xmlns:a16="http://schemas.microsoft.com/office/drawing/2014/main" id="{37DA2F9F-D228-DF6F-4182-591B8006EB39}"/>
-              </a:ext>
-            </a:extLst>
-          </p:cNvPr>
-          <p:cNvPicPr>
-            <a:picLocks noChangeAspect="1"/>
-          </p:cNvPicPr>
-          <p:nvPr/>
-        </p:nvPicPr>
-        <p:blipFill>
-          <a:blip r:embed="rId3"/>
-          <a:stretch>
-            <a:fillRect/>
-          </a:stretch>
-        </p:blipFill>
-        <p:spPr>
-          <a:xfrm>
-            <a:off x="5865832" y="864276"/>
-            <a:ext cx="1604463" cy="2313682"/>
-          </a:xfrm>
-          <a:prstGeom prst="rect">
-            <a:avLst/>
-          </a:prstGeom>
-        </p:spPr>
-      </p:pic>
-      <p:pic>
-        <p:nvPicPr>
-          <p:cNvPr id="8" name="Picture 7">
-            <a:extLst>
-              <a:ext uri="{FF2B5EF4-FFF2-40B4-BE49-F238E27FC236}">
-                <a16:creationId xmlns:a16="http://schemas.microsoft.com/office/drawing/2014/main" id="{A981C32B-54D7-BA82-AE1F-B4D5AE30FECF}"/>
-              </a:ext>
-            </a:extLst>
-          </p:cNvPr>
-          <p:cNvPicPr>
-            <a:picLocks noChangeAspect="1"/>
-          </p:cNvPicPr>
-          <p:nvPr/>
-        </p:nvPicPr>
-        <p:blipFill>
-          <a:blip r:embed="rId4"/>
-          <a:stretch>
-            <a:fillRect/>
-          </a:stretch>
-        </p:blipFill>
-        <p:spPr>
-          <a:xfrm>
-            <a:off x="5879523" y="3801705"/>
-            <a:ext cx="1699715" cy="2418294"/>
-          </a:xfrm>
-          <a:prstGeom prst="rect">
-            <a:avLst/>
-          </a:prstGeom>
-        </p:spPr>
-      </p:pic>
-      <p:sp>
-        <p:nvSpPr>
-          <p:cNvPr id="9" name="Cross 8">
-            <a:extLst>
-              <a:ext uri="{FF2B5EF4-FFF2-40B4-BE49-F238E27FC236}">
-                <a16:creationId xmlns:a16="http://schemas.microsoft.com/office/drawing/2014/main" id="{602E45F4-A5BA-071E-073B-99A30944F83D}"/>
-              </a:ext>
-            </a:extLst>
-          </p:cNvPr>
-          <p:cNvSpPr/>
-          <p:nvPr/>
-        </p:nvSpPr>
-        <p:spPr>
-          <a:xfrm>
-            <a:off x="6500059" y="3334774"/>
-            <a:ext cx="352362" cy="381429"/>
-          </a:xfrm>
-          <a:prstGeom prst="plus">
-            <a:avLst/>
-          </a:prstGeom>
-        </p:spPr>
-        <p:style>
-          <a:lnRef idx="2">
-            <a:schemeClr val="accent1">
-              <a:shade val="50000"/>
-            </a:schemeClr>
-          </a:lnRef>
-          <a:fillRef idx="1">
-            <a:schemeClr val="accent1"/>
-          </a:fillRef>
-          <a:effectRef idx="0">
-            <a:schemeClr val="accent1"/>
-          </a:effectRef>
-          <a:fontRef idx="minor">
-            <a:schemeClr val="lt1"/>
-          </a:fontRef>
-        </p:style>
-        <p:txBody>
-          <a:bodyPr rtlCol="0" anchor="ctr"/>
-          <a:lstStyle/>
-          <a:p>
-            <a:pPr algn="ctr"/>
-            <a:endParaRPr lang="en-IL"/>
-          </a:p>
-        </p:txBody>
-      </p:sp>
-      <p:sp>
-        <p:nvSpPr>
-          <p:cNvPr id="10" name="Arrow: Right 9">
-            <a:extLst>
-              <a:ext uri="{FF2B5EF4-FFF2-40B4-BE49-F238E27FC236}">
-                <a16:creationId xmlns:a16="http://schemas.microsoft.com/office/drawing/2014/main" id="{111E067F-EF15-93F2-BDAC-A7FD26828299}"/>
-              </a:ext>
-            </a:extLst>
-          </p:cNvPr>
-          <p:cNvSpPr/>
-          <p:nvPr/>
-        </p:nvSpPr>
-        <p:spPr>
-          <a:xfrm>
-            <a:off x="7791061" y="3177958"/>
-            <a:ext cx="1123986" cy="538245"/>
-          </a:xfrm>
-          <a:prstGeom prst="rightArrow">
-            <a:avLst/>
-          </a:prstGeom>
-        </p:spPr>
-        <p:style>
-          <a:lnRef idx="2">
-            <a:schemeClr val="accent1">
-              <a:shade val="50000"/>
-            </a:schemeClr>
-          </a:lnRef>
-          <a:fillRef idx="1">
-            <a:schemeClr val="accent1"/>
-          </a:fillRef>
-          <a:effectRef idx="0">
-            <a:schemeClr val="accent1"/>
-          </a:effectRef>
-          <a:fontRef idx="minor">
-            <a:schemeClr val="lt1"/>
-          </a:fontRef>
-        </p:style>
-        <p:txBody>
-          <a:bodyPr rtlCol="0" anchor="ctr"/>
-          <a:lstStyle/>
-          <a:p>
-            <a:pPr algn="ctr"/>
-            <a:endParaRPr lang="en-IL"/>
-          </a:p>
-        </p:txBody>
-      </p:sp>
     </p:spTree>
     <p:extLst>
       <p:ext uri="{BB962C8B-B14F-4D97-AF65-F5344CB8AC3E}">
@@ -10523,7 +13510,7 @@
           <a:p>
             <a:pPr algn="l"/>
             <a:r>
-              <a:rPr lang="en-US" sz="1400" b="0" i="0" dirty="0">
+              <a:rPr lang="en-US" sz="1600" b="0" i="0" dirty="0">
                 <a:solidFill>
                   <a:schemeClr val="tx1">
                     <a:lumMod val="75000"/>
@@ -10539,7 +13526,7 @@
           <a:p>
             <a:pPr algn="l"/>
             <a:r>
-              <a:rPr lang="en-US" sz="1400" b="0" i="0" dirty="0">
+              <a:rPr lang="en-US" sz="1600" b="0" i="0" dirty="0">
                 <a:solidFill>
                   <a:schemeClr val="tx1">
                     <a:lumMod val="75000"/>
@@ -11288,7 +14275,7 @@
           <a:p>
             <a:pPr algn="l"/>
             <a:r>
-              <a:rPr lang="en-US" sz="1400" b="0" i="0" dirty="0">
+              <a:rPr lang="en-US" sz="1600" b="0" i="0" dirty="0">
                 <a:solidFill>
                   <a:schemeClr val="tx1">
                     <a:lumMod val="75000"/>
@@ -11304,7 +14291,7 @@
           <a:p>
             <a:pPr algn="l"/>
             <a:r>
-              <a:rPr lang="en-US" sz="1400" b="0" i="0" dirty="0">
+              <a:rPr lang="en-US" sz="1600" b="0" i="0" dirty="0">
                 <a:solidFill>
                   <a:schemeClr val="tx1">
                     <a:lumMod val="75000"/>
@@ -11319,7 +14306,7 @@
           </a:p>
           <a:p>
             <a:pPr algn="l"/>
-            <a:endParaRPr lang="en-IL" sz="1800" dirty="0"/>
+            <a:endParaRPr lang="en-IL" sz="2000" dirty="0"/>
           </a:p>
         </p:txBody>
       </p:sp>
@@ -12061,7 +15048,7 @@
           <a:p>
             <a:pPr algn="l"/>
             <a:r>
-              <a:rPr lang="en-US" sz="1400" b="0" i="0" dirty="0">
+              <a:rPr lang="en-US" sz="1600" b="0" i="0" dirty="0">
                 <a:solidFill>
                   <a:schemeClr val="tx1">
                     <a:lumMod val="75000"/>
@@ -12077,7 +15064,7 @@
           <a:p>
             <a:pPr algn="l"/>
             <a:r>
-              <a:rPr lang="en-US" sz="1400" b="0" i="0" dirty="0">
+              <a:rPr lang="en-US" sz="1600" b="0" i="0" dirty="0">
                 <a:solidFill>
                   <a:schemeClr val="tx1">
                     <a:lumMod val="75000"/>
@@ -12087,7 +15074,7 @@
                 <a:effectLst/>
                 <a:latin typeface="Söhne"/>
               </a:rPr>
-              <a:t>The user can select the cloth he/she wants to wear and then upload his/her image of any pose they want, and the assistant will help to dress that human with his/her selected cloth.</a:t>
+              <a:t>The user can select the clothing item he/she wants to wear and then upload his/her image of any pose they want, and the assistant will help to dress that human with his/her selected clothing item.</a:t>
             </a:r>
           </a:p>
         </p:txBody>
@@ -13674,52 +16661,6 @@
           </a:p>
         </p:txBody>
       </p:sp>
-      <p:pic>
-        <p:nvPicPr>
-          <p:cNvPr id="4099" name="Picture 3">
-            <a:extLst>
-              <a:ext uri="{FF2B5EF4-FFF2-40B4-BE49-F238E27FC236}">
-                <a16:creationId xmlns:a16="http://schemas.microsoft.com/office/drawing/2014/main" id="{DA41A126-9115-2AC6-2782-7F4AFDBC8C29}"/>
-              </a:ext>
-            </a:extLst>
-          </p:cNvPr>
-          <p:cNvPicPr>
-            <a:picLocks noChangeAspect="1" noChangeArrowheads="1"/>
-          </p:cNvPicPr>
-          <p:nvPr/>
-        </p:nvPicPr>
-        <p:blipFill>
-          <a:blip r:embed="rId2">
-            <a:extLst>
-              <a:ext uri="{28A0092B-C50C-407E-A947-70E740481C1C}">
-                <a14:useLocalDpi xmlns:a14="http://schemas.microsoft.com/office/drawing/2010/main" val="0"/>
-              </a:ext>
-            </a:extLst>
-          </a:blip>
-          <a:stretch>
-            <a:fillRect/>
-          </a:stretch>
-        </p:blipFill>
-        <p:spPr bwMode="auto">
-          <a:xfrm>
-            <a:off x="4987132" y="2281026"/>
-            <a:ext cx="6774155" cy="2303213"/>
-          </a:xfrm>
-          <a:prstGeom prst="rect">
-            <a:avLst/>
-          </a:prstGeom>
-          <a:noFill/>
-          <a:extLst>
-            <a:ext uri="{909E8E84-426E-40DD-AFC4-6F175D3DCCD1}">
-              <a14:hiddenFill xmlns:a14="http://schemas.microsoft.com/office/drawing/2010/main">
-                <a:solidFill>
-                  <a:srgbClr val="FFFFFF"/>
-                </a:solidFill>
-              </a14:hiddenFill>
-            </a:ext>
-          </a:extLst>
-        </p:spPr>
-      </p:pic>
       <p:cxnSp>
         <p:nvCxnSpPr>
           <p:cNvPr id="4112" name="Straight Connector 4111">
@@ -13826,6 +16767,36 @@
           </a:fontRef>
         </p:style>
       </p:cxnSp>
+      <p:pic>
+        <p:nvPicPr>
+          <p:cNvPr id="5" name="Picture 4">
+            <a:extLst>
+              <a:ext uri="{FF2B5EF4-FFF2-40B4-BE49-F238E27FC236}">
+                <a16:creationId xmlns:a16="http://schemas.microsoft.com/office/drawing/2014/main" id="{C8D5D93C-F95A-1981-0AE6-EECC2E3D409E}"/>
+              </a:ext>
+            </a:extLst>
+          </p:cNvPr>
+          <p:cNvPicPr>
+            <a:picLocks noChangeAspect="1"/>
+          </p:cNvPicPr>
+          <p:nvPr/>
+        </p:nvPicPr>
+        <p:blipFill>
+          <a:blip r:embed="rId2"/>
+          <a:stretch>
+            <a:fillRect/>
+          </a:stretch>
+        </p:blipFill>
+        <p:spPr>
+          <a:xfrm>
+            <a:off x="4292449" y="1931005"/>
+            <a:ext cx="6911939" cy="2872989"/>
+          </a:xfrm>
+          <a:prstGeom prst="rect">
+            <a:avLst/>
+          </a:prstGeom>
+        </p:spPr>
+      </p:pic>
     </p:spTree>
     <p:extLst>
       <p:ext uri="{BB962C8B-B14F-4D97-AF65-F5344CB8AC3E}">
@@ -14604,115 +17575,9 @@
           </a:fontRef>
         </p:style>
       </p:cxnSp>
-      <p:pic>
-        <p:nvPicPr>
-          <p:cNvPr id="3" name="Picture 2">
-            <a:extLst>
-              <a:ext uri="{FF2B5EF4-FFF2-40B4-BE49-F238E27FC236}">
-                <a16:creationId xmlns:a16="http://schemas.microsoft.com/office/drawing/2014/main" id="{B6072210-7106-7700-A649-77FF1B2AFFC2}"/>
-              </a:ext>
-            </a:extLst>
-          </p:cNvPr>
-          <p:cNvPicPr>
-            <a:picLocks noChangeAspect="1"/>
-          </p:cNvPicPr>
-          <p:nvPr/>
-        </p:nvPicPr>
-        <p:blipFill>
-          <a:blip r:embed="rId2"/>
-          <a:stretch>
-            <a:fillRect/>
-          </a:stretch>
-        </p:blipFill>
-        <p:spPr>
-          <a:xfrm>
-            <a:off x="5599493" y="2521539"/>
-            <a:ext cx="1577070" cy="2243800"/>
-          </a:xfrm>
-          <a:prstGeom prst="rect">
-            <a:avLst/>
-          </a:prstGeom>
-        </p:spPr>
-      </p:pic>
-      <p:sp>
-        <p:nvSpPr>
-          <p:cNvPr id="5" name="Arrow: Right 4">
-            <a:extLst>
-              <a:ext uri="{FF2B5EF4-FFF2-40B4-BE49-F238E27FC236}">
-                <a16:creationId xmlns:a16="http://schemas.microsoft.com/office/drawing/2014/main" id="{E54DAD32-195E-1B38-7328-DEC206A48826}"/>
-              </a:ext>
-            </a:extLst>
-          </p:cNvPr>
-          <p:cNvSpPr/>
-          <p:nvPr/>
-        </p:nvSpPr>
-        <p:spPr>
-          <a:xfrm>
-            <a:off x="7360505" y="3480154"/>
-            <a:ext cx="998512" cy="326570"/>
-          </a:xfrm>
-          <a:prstGeom prst="rightArrow">
-            <a:avLst/>
-          </a:prstGeom>
-        </p:spPr>
-        <p:style>
-          <a:lnRef idx="2">
-            <a:schemeClr val="accent1">
-              <a:shade val="50000"/>
-            </a:schemeClr>
-          </a:lnRef>
-          <a:fillRef idx="1">
-            <a:schemeClr val="accent1"/>
-          </a:fillRef>
-          <a:effectRef idx="0">
-            <a:schemeClr val="accent1"/>
-          </a:effectRef>
-          <a:fontRef idx="minor">
-            <a:schemeClr val="lt1"/>
-          </a:fontRef>
-        </p:style>
-        <p:txBody>
-          <a:bodyPr rtlCol="0" anchor="ctr"/>
-          <a:lstStyle/>
-          <a:p>
-            <a:pPr algn="ctr"/>
-            <a:endParaRPr lang="en-IL"/>
-          </a:p>
-        </p:txBody>
-      </p:sp>
-      <p:pic>
-        <p:nvPicPr>
-          <p:cNvPr id="6" name="Picture 5">
-            <a:extLst>
-              <a:ext uri="{FF2B5EF4-FFF2-40B4-BE49-F238E27FC236}">
-                <a16:creationId xmlns:a16="http://schemas.microsoft.com/office/drawing/2014/main" id="{1E56CC79-D839-E990-9BE0-45C80197DC51}"/>
-              </a:ext>
-            </a:extLst>
-          </p:cNvPr>
-          <p:cNvPicPr>
-            <a:picLocks noChangeAspect="1"/>
-          </p:cNvPicPr>
-          <p:nvPr/>
-        </p:nvPicPr>
-        <p:blipFill>
-          <a:blip r:embed="rId3"/>
-          <a:stretch>
-            <a:fillRect/>
-          </a:stretch>
-        </p:blipFill>
-        <p:spPr>
-          <a:xfrm>
-            <a:off x="8542959" y="2402477"/>
-            <a:ext cx="1742964" cy="2282783"/>
-          </a:xfrm>
-          <a:prstGeom prst="rect">
-            <a:avLst/>
-          </a:prstGeom>
-        </p:spPr>
-      </p:pic>
       <mc:AlternateContent xmlns:mc="http://schemas.openxmlformats.org/markup-compatibility/2006" xmlns:p14="http://schemas.microsoft.com/office/powerpoint/2010/main">
         <mc:Choice Requires="p14">
-          <p:contentPart p14:bwMode="auto" r:id="rId4">
+          <p:contentPart p14:bwMode="auto" r:id="rId2">
             <p14:nvContentPartPr>
               <p14:cNvPr id="7" name="Ink 6">
                 <a:extLst>
@@ -14812,6 +17677,36 @@
           </p:pic>
         </mc:Fallback>
       </mc:AlternateContent>
+      <p:pic>
+        <p:nvPicPr>
+          <p:cNvPr id="10" name="Picture 9">
+            <a:extLst>
+              <a:ext uri="{FF2B5EF4-FFF2-40B4-BE49-F238E27FC236}">
+                <a16:creationId xmlns:a16="http://schemas.microsoft.com/office/drawing/2014/main" id="{C8ABC5C8-5D75-E6F8-7C78-8EAC1D070347}"/>
+              </a:ext>
+            </a:extLst>
+          </p:cNvPr>
+          <p:cNvPicPr>
+            <a:picLocks noChangeAspect="1"/>
+          </p:cNvPicPr>
+          <p:nvPr/>
+        </p:nvPicPr>
+        <p:blipFill>
+          <a:blip r:embed="rId8"/>
+          <a:stretch>
+            <a:fillRect/>
+          </a:stretch>
+        </p:blipFill>
+        <p:spPr>
+          <a:xfrm>
+            <a:off x="6095999" y="2349665"/>
+            <a:ext cx="4404742" cy="2133785"/>
+          </a:xfrm>
+          <a:prstGeom prst="rect">
+            <a:avLst/>
+          </a:prstGeom>
+        </p:spPr>
+      </p:pic>
     </p:spTree>
     <p:extLst>
       <p:ext uri="{BB962C8B-B14F-4D97-AF65-F5344CB8AC3E}">
@@ -16247,20 +19142,16 @@
               <a:t>We get a body position estimation and key points with </a:t>
             </a:r>
             <a:r>
-              <a:rPr kumimoji="0" lang="en-US" altLang="en-IL" sz="2000" b="0" i="0" u="none" strike="noStrike" cap="none" normalizeH="0" baseline="0" dirty="0" err="1">
-                <a:ln>
-                  <a:noFill/>
-                </a:ln>
+              <a:rPr lang="en-US" altLang="en-IL" sz="2000" dirty="0" err="1">
                 <a:solidFill>
                   <a:schemeClr val="tx1">
                     <a:lumMod val="75000"/>
                     <a:lumOff val="25000"/>
                   </a:schemeClr>
                 </a:solidFill>
-                <a:effectLst/>
                 <a:latin typeface="Söhne"/>
               </a:rPr>
-              <a:t>OpenPose</a:t>
+              <a:t>Mediapipe</a:t>
             </a:r>
             <a:r>
               <a:rPr kumimoji="0" lang="en-US" altLang="en-IL" sz="2000" b="0" i="0" u="none" strike="noStrike" cap="none" normalizeH="0" baseline="0" dirty="0">
@@ -16495,58 +19386,12 @@
           </a:fontRef>
         </p:style>
       </p:cxnSp>
-      <p:sp>
-        <p:nvSpPr>
-          <p:cNvPr id="5" name="Arrow: Right 4">
-            <a:extLst>
-              <a:ext uri="{FF2B5EF4-FFF2-40B4-BE49-F238E27FC236}">
-                <a16:creationId xmlns:a16="http://schemas.microsoft.com/office/drawing/2014/main" id="{E54DAD32-195E-1B38-7328-DEC206A48826}"/>
-              </a:ext>
-            </a:extLst>
-          </p:cNvPr>
-          <p:cNvSpPr/>
-          <p:nvPr/>
-        </p:nvSpPr>
-        <p:spPr>
-          <a:xfrm>
-            <a:off x="7360505" y="3480154"/>
-            <a:ext cx="998512" cy="326570"/>
-          </a:xfrm>
-          <a:prstGeom prst="rightArrow">
-            <a:avLst/>
-          </a:prstGeom>
-        </p:spPr>
-        <p:style>
-          <a:lnRef idx="2">
-            <a:schemeClr val="accent1">
-              <a:shade val="50000"/>
-            </a:schemeClr>
-          </a:lnRef>
-          <a:fillRef idx="1">
-            <a:schemeClr val="accent1"/>
-          </a:fillRef>
-          <a:effectRef idx="0">
-            <a:schemeClr val="accent1"/>
-          </a:effectRef>
-          <a:fontRef idx="minor">
-            <a:schemeClr val="lt1"/>
-          </a:fontRef>
-        </p:style>
-        <p:txBody>
-          <a:bodyPr rtlCol="0" anchor="ctr"/>
-          <a:lstStyle/>
-          <a:p>
-            <a:pPr algn="ctr"/>
-            <a:endParaRPr lang="en-IL"/>
-          </a:p>
-        </p:txBody>
-      </p:sp>
       <p:pic>
         <p:nvPicPr>
-          <p:cNvPr id="10" name="Picture 9">
-            <a:extLst>
-              <a:ext uri="{FF2B5EF4-FFF2-40B4-BE49-F238E27FC236}">
-                <a16:creationId xmlns:a16="http://schemas.microsoft.com/office/drawing/2014/main" id="{1D5DE846-811B-2A87-A490-8D2FBD30892D}"/>
+          <p:cNvPr id="6" name="Picture 5">
+            <a:extLst>
+              <a:ext uri="{FF2B5EF4-FFF2-40B4-BE49-F238E27FC236}">
+                <a16:creationId xmlns:a16="http://schemas.microsoft.com/office/drawing/2014/main" id="{9CB46A97-A433-9D15-FFB0-619EFC0D0887}"/>
               </a:ext>
             </a:extLst>
           </p:cNvPr>
@@ -16563,38 +19408,8 @@
         </p:blipFill>
         <p:spPr>
           <a:xfrm>
-            <a:off x="5546985" y="2474800"/>
-            <a:ext cx="1606389" cy="2316459"/>
-          </a:xfrm>
-          <a:prstGeom prst="rect">
-            <a:avLst/>
-          </a:prstGeom>
-        </p:spPr>
-      </p:pic>
-      <p:pic>
-        <p:nvPicPr>
-          <p:cNvPr id="12" name="Picture 11">
-            <a:extLst>
-              <a:ext uri="{FF2B5EF4-FFF2-40B4-BE49-F238E27FC236}">
-                <a16:creationId xmlns:a16="http://schemas.microsoft.com/office/drawing/2014/main" id="{A6419FC5-50ED-7C99-6397-BE6A071AD7FD}"/>
-              </a:ext>
-            </a:extLst>
-          </p:cNvPr>
-          <p:cNvPicPr>
-            <a:picLocks noChangeAspect="1"/>
-          </p:cNvPicPr>
-          <p:nvPr/>
-        </p:nvPicPr>
-        <p:blipFill>
-          <a:blip r:embed="rId3"/>
-          <a:stretch>
-            <a:fillRect/>
-          </a:stretch>
-        </p:blipFill>
-        <p:spPr>
-          <a:xfrm>
-            <a:off x="8566148" y="2474800"/>
-            <a:ext cx="1665453" cy="2316459"/>
+            <a:off x="5826136" y="2106977"/>
+            <a:ext cx="5075360" cy="2751058"/>
           </a:xfrm>
           <a:prstGeom prst="rect">
             <a:avLst/>
